--- a/E-Portfolio-React.pptx
+++ b/E-Portfolio-React.pptx
@@ -13,8 +13,10 @@
     <p:sldId id="261" r:id="rId10"/>
     <p:sldId id="262" r:id="rId11"/>
     <p:sldId id="263" r:id="rId12"/>
-    <p:sldId id="265" r:id="rId13"/>
-    <p:sldId id="264" r:id="rId14"/>
+    <p:sldId id="266" r:id="rId13"/>
+    <p:sldId id="265" r:id="rId14"/>
+    <p:sldId id="264" r:id="rId15"/>
+    <p:sldId id="267" r:id="rId16"/>
   </p:sldIdLst>
   <p:sldSz cx="12192000" cy="6858000"/>
   <p:notesSz cx="6858000" cy="9144000"/>
@@ -113,6 +115,11 @@
       </a:defRPr>
     </a:lvl9pPr>
   </p:defaultTextStyle>
+  <p:extLst>
+    <p:ext uri="{EFAFB233-063F-42B5-8137-9DF3F51BA10A}">
+      <p15:sldGuideLst xmlns:p15="http://schemas.microsoft.com/office/powerpoint/2012/main"/>
+    </p:ext>
+  </p:extLst>
 </p:presentation>
 </file>
 
@@ -460,6 +467,3007 @@
 </pc:chgInfo>
 </file>
 
+<file path=ppt/diagrams/colors1.xml><?xml version="1.0" encoding="utf-8"?>
+<dgm:colorsDef xmlns:dgm="http://schemas.openxmlformats.org/drawingml/2006/diagram" xmlns:a="http://schemas.openxmlformats.org/drawingml/2006/main" uniqueId="urn:microsoft.com/office/officeart/2018/5/colors/Iconchunking_neutralbg_colorful1">
+  <dgm:title val=""/>
+  <dgm:desc val=""/>
+  <dgm:catLst>
+    <dgm:cat type="colorful" pri="10100"/>
+  </dgm:catLst>
+  <dgm:styleLbl name="node0">
+    <dgm:fillClrLst meth="repeat">
+      <a:schemeClr val="accent1"/>
+    </dgm:fillClrLst>
+    <dgm:linClrLst meth="repeat">
+      <a:schemeClr val="lt1"/>
+    </dgm:linClrLst>
+    <dgm:effectClrLst/>
+    <dgm:txLinClrLst/>
+    <dgm:txFillClrLst/>
+    <dgm:txEffectClrLst/>
+  </dgm:styleLbl>
+  <dgm:styleLbl name="node1">
+    <dgm:fillClrLst meth="repeat">
+      <a:schemeClr val="accent2"/>
+      <a:schemeClr val="accent3"/>
+      <a:schemeClr val="accent4"/>
+      <a:schemeClr val="accent5"/>
+      <a:schemeClr val="accent6"/>
+    </dgm:fillClrLst>
+    <dgm:linClrLst meth="repeat">
+      <a:schemeClr val="lt1">
+        <a:alpha val="0"/>
+      </a:schemeClr>
+    </dgm:linClrLst>
+    <dgm:effectClrLst/>
+    <dgm:txLinClrLst/>
+    <dgm:txFillClrLst/>
+    <dgm:txEffectClrLst/>
+  </dgm:styleLbl>
+  <dgm:styleLbl name="alignNode1">
+    <dgm:fillClrLst meth="repeat">
+      <a:schemeClr val="accent2"/>
+      <a:schemeClr val="accent3"/>
+      <a:schemeClr val="accent4"/>
+      <a:schemeClr val="accent5"/>
+      <a:schemeClr val="accent6"/>
+    </dgm:fillClrLst>
+    <dgm:linClrLst meth="repeat">
+      <a:schemeClr val="accent2"/>
+      <a:schemeClr val="accent3"/>
+      <a:schemeClr val="accent4"/>
+      <a:schemeClr val="accent5"/>
+      <a:schemeClr val="accent6"/>
+    </dgm:linClrLst>
+    <dgm:effectClrLst/>
+    <dgm:txLinClrLst/>
+    <dgm:txFillClrLst/>
+    <dgm:txEffectClrLst/>
+  </dgm:styleLbl>
+  <dgm:styleLbl name="lnNode1">
+    <dgm:fillClrLst meth="repeat">
+      <a:schemeClr val="accent2"/>
+      <a:schemeClr val="accent3"/>
+      <a:schemeClr val="accent4"/>
+      <a:schemeClr val="accent5"/>
+      <a:schemeClr val="accent6"/>
+    </dgm:fillClrLst>
+    <dgm:linClrLst meth="repeat">
+      <a:schemeClr val="lt1"/>
+    </dgm:linClrLst>
+    <dgm:effectClrLst/>
+    <dgm:txLinClrLst/>
+    <dgm:txFillClrLst/>
+    <dgm:txEffectClrLst/>
+  </dgm:styleLbl>
+  <dgm:styleLbl name="vennNode1">
+    <dgm:fillClrLst meth="repeat">
+      <a:schemeClr val="accent2">
+        <a:alpha val="50000"/>
+      </a:schemeClr>
+      <a:schemeClr val="accent3">
+        <a:alpha val="50000"/>
+      </a:schemeClr>
+      <a:schemeClr val="accent4">
+        <a:alpha val="50000"/>
+      </a:schemeClr>
+      <a:schemeClr val="accent5">
+        <a:alpha val="50000"/>
+      </a:schemeClr>
+      <a:schemeClr val="accent6">
+        <a:alpha val="50000"/>
+      </a:schemeClr>
+    </dgm:fillClrLst>
+    <dgm:linClrLst meth="repeat">
+      <a:schemeClr val="lt1"/>
+    </dgm:linClrLst>
+    <dgm:effectClrLst/>
+    <dgm:txLinClrLst/>
+    <dgm:txFillClrLst/>
+    <dgm:txEffectClrLst/>
+  </dgm:styleLbl>
+  <dgm:styleLbl name="node2">
+    <dgm:fillClrLst>
+      <a:schemeClr val="accent2"/>
+    </dgm:fillClrLst>
+    <dgm:linClrLst meth="repeat">
+      <a:schemeClr val="lt1"/>
+    </dgm:linClrLst>
+    <dgm:effectClrLst/>
+    <dgm:txLinClrLst/>
+    <dgm:txFillClrLst/>
+    <dgm:txEffectClrLst/>
+  </dgm:styleLbl>
+  <dgm:styleLbl name="node3">
+    <dgm:fillClrLst>
+      <a:schemeClr val="accent3"/>
+    </dgm:fillClrLst>
+    <dgm:linClrLst meth="repeat">
+      <a:schemeClr val="lt1"/>
+    </dgm:linClrLst>
+    <dgm:effectClrLst/>
+    <dgm:txLinClrLst/>
+    <dgm:txFillClrLst/>
+    <dgm:txEffectClrLst/>
+  </dgm:styleLbl>
+  <dgm:styleLbl name="node4">
+    <dgm:fillClrLst>
+      <a:schemeClr val="accent4"/>
+    </dgm:fillClrLst>
+    <dgm:linClrLst meth="repeat">
+      <a:schemeClr val="lt1"/>
+    </dgm:linClrLst>
+    <dgm:effectClrLst/>
+    <dgm:txLinClrLst/>
+    <dgm:txFillClrLst/>
+    <dgm:txEffectClrLst/>
+  </dgm:styleLbl>
+  <dgm:styleLbl name="fgImgPlace1">
+    <dgm:fillClrLst meth="repeat">
+      <a:schemeClr val="accent2">
+        <a:tint val="50000"/>
+      </a:schemeClr>
+      <a:schemeClr val="accent3">
+        <a:tint val="50000"/>
+      </a:schemeClr>
+      <a:schemeClr val="accent4">
+        <a:tint val="50000"/>
+      </a:schemeClr>
+      <a:schemeClr val="accent5">
+        <a:tint val="50000"/>
+      </a:schemeClr>
+      <a:schemeClr val="accent6">
+        <a:tint val="50000"/>
+      </a:schemeClr>
+    </dgm:fillClrLst>
+    <dgm:linClrLst meth="repeat">
+      <a:schemeClr val="lt1"/>
+    </dgm:linClrLst>
+    <dgm:effectClrLst/>
+    <dgm:txLinClrLst/>
+    <dgm:txFillClrLst meth="repeat">
+      <a:schemeClr val="lt1"/>
+    </dgm:txFillClrLst>
+    <dgm:txEffectClrLst/>
+  </dgm:styleLbl>
+  <dgm:styleLbl name="alignImgPlace1">
+    <dgm:fillClrLst>
+      <a:schemeClr val="accent1">
+        <a:tint val="50000"/>
+      </a:schemeClr>
+      <a:schemeClr val="accent2">
+        <a:tint val="20000"/>
+      </a:schemeClr>
+    </dgm:fillClrLst>
+    <dgm:linClrLst meth="repeat">
+      <a:schemeClr val="lt1"/>
+    </dgm:linClrLst>
+    <dgm:effectClrLst/>
+    <dgm:txLinClrLst/>
+    <dgm:txFillClrLst meth="repeat">
+      <a:schemeClr val="lt1"/>
+    </dgm:txFillClrLst>
+    <dgm:txEffectClrLst/>
+  </dgm:styleLbl>
+  <dgm:styleLbl name="bgImgPlace1">
+    <dgm:fillClrLst>
+      <a:schemeClr val="accent1">
+        <a:tint val="50000"/>
+      </a:schemeClr>
+      <a:schemeClr val="accent2">
+        <a:tint val="20000"/>
+      </a:schemeClr>
+    </dgm:fillClrLst>
+    <dgm:linClrLst meth="repeat">
+      <a:schemeClr val="lt1"/>
+    </dgm:linClrLst>
+    <dgm:effectClrLst/>
+    <dgm:txLinClrLst/>
+    <dgm:txFillClrLst meth="repeat">
+      <a:schemeClr val="lt1"/>
+    </dgm:txFillClrLst>
+    <dgm:txEffectClrLst/>
+  </dgm:styleLbl>
+  <dgm:styleLbl name="sibTrans2D1">
+    <dgm:fillClrLst meth="repeat">
+      <a:schemeClr val="accent2"/>
+      <a:schemeClr val="accent3"/>
+      <a:schemeClr val="accent4"/>
+      <a:schemeClr val="accent5"/>
+      <a:schemeClr val="accent6"/>
+    </dgm:fillClrLst>
+    <dgm:linClrLst meth="cycle">
+      <a:schemeClr val="lt1"/>
+    </dgm:linClrLst>
+    <dgm:effectClrLst/>
+    <dgm:txLinClrLst/>
+    <dgm:txFillClrLst/>
+    <dgm:txEffectClrLst/>
+  </dgm:styleLbl>
+  <dgm:styleLbl name="fgSibTrans2D1">
+    <dgm:fillClrLst meth="repeat">
+      <a:schemeClr val="accent2"/>
+      <a:schemeClr val="accent3"/>
+      <a:schemeClr val="accent4"/>
+      <a:schemeClr val="accent5"/>
+      <a:schemeClr val="accent6"/>
+    </dgm:fillClrLst>
+    <dgm:linClrLst meth="cycle">
+      <a:schemeClr val="lt1"/>
+    </dgm:linClrLst>
+    <dgm:effectClrLst/>
+    <dgm:txLinClrLst/>
+    <dgm:txFillClrLst meth="repeat">
+      <a:schemeClr val="lt1"/>
+    </dgm:txFillClrLst>
+    <dgm:txEffectClrLst/>
+  </dgm:styleLbl>
+  <dgm:styleLbl name="bgSibTrans2D1">
+    <dgm:fillClrLst meth="repeat">
+      <a:schemeClr val="accent2"/>
+      <a:schemeClr val="accent3"/>
+      <a:schemeClr val="accent4"/>
+      <a:schemeClr val="accent5"/>
+      <a:schemeClr val="accent6"/>
+    </dgm:fillClrLst>
+    <dgm:linClrLst meth="cycle">
+      <a:schemeClr val="lt1"/>
+    </dgm:linClrLst>
+    <dgm:effectClrLst/>
+    <dgm:txLinClrLst/>
+    <dgm:txFillClrLst meth="repeat">
+      <a:schemeClr val="lt1"/>
+    </dgm:txFillClrLst>
+    <dgm:txEffectClrLst/>
+  </dgm:styleLbl>
+  <dgm:styleLbl name="sibTrans1D1">
+    <dgm:fillClrLst meth="repeat">
+      <a:schemeClr val="accent2"/>
+      <a:schemeClr val="accent3"/>
+      <a:schemeClr val="accent4"/>
+      <a:schemeClr val="accent5"/>
+      <a:schemeClr val="accent6"/>
+    </dgm:fillClrLst>
+    <dgm:linClrLst meth="repeat">
+      <a:schemeClr val="accent2"/>
+      <a:schemeClr val="accent3"/>
+      <a:schemeClr val="accent4"/>
+      <a:schemeClr val="accent5"/>
+      <a:schemeClr val="accent6"/>
+    </dgm:linClrLst>
+    <dgm:effectClrLst/>
+    <dgm:txLinClrLst/>
+    <dgm:txFillClrLst meth="repeat">
+      <a:schemeClr val="tx1"/>
+    </dgm:txFillClrLst>
+    <dgm:txEffectClrLst/>
+  </dgm:styleLbl>
+  <dgm:styleLbl name="callout">
+    <dgm:fillClrLst meth="repeat">
+      <a:schemeClr val="accent2"/>
+    </dgm:fillClrLst>
+    <dgm:linClrLst meth="repeat">
+      <a:schemeClr val="accent2">
+        <a:tint val="50000"/>
+      </a:schemeClr>
+    </dgm:linClrLst>
+    <dgm:effectClrLst/>
+    <dgm:txLinClrLst/>
+    <dgm:txFillClrLst meth="repeat">
+      <a:schemeClr val="tx1"/>
+    </dgm:txFillClrLst>
+    <dgm:txEffectClrLst/>
+  </dgm:styleLbl>
+  <dgm:styleLbl name="asst0">
+    <dgm:fillClrLst meth="repeat">
+      <a:schemeClr val="accent1"/>
+    </dgm:fillClrLst>
+    <dgm:linClrLst meth="repeat">
+      <a:schemeClr val="lt1"/>
+    </dgm:linClrLst>
+    <dgm:effectClrLst/>
+    <dgm:txLinClrLst/>
+    <dgm:txFillClrLst/>
+    <dgm:txEffectClrLst/>
+  </dgm:styleLbl>
+  <dgm:styleLbl name="asst1">
+    <dgm:fillClrLst meth="repeat">
+      <a:schemeClr val="accent2"/>
+    </dgm:fillClrLst>
+    <dgm:linClrLst meth="repeat">
+      <a:schemeClr val="lt1"/>
+    </dgm:linClrLst>
+    <dgm:effectClrLst/>
+    <dgm:txLinClrLst/>
+    <dgm:txFillClrLst/>
+    <dgm:txEffectClrLst/>
+  </dgm:styleLbl>
+  <dgm:styleLbl name="asst2">
+    <dgm:fillClrLst>
+      <a:schemeClr val="accent3"/>
+    </dgm:fillClrLst>
+    <dgm:linClrLst meth="repeat">
+      <a:schemeClr val="lt1"/>
+    </dgm:linClrLst>
+    <dgm:effectClrLst/>
+    <dgm:txLinClrLst/>
+    <dgm:txFillClrLst/>
+    <dgm:txEffectClrLst/>
+  </dgm:styleLbl>
+  <dgm:styleLbl name="asst3">
+    <dgm:fillClrLst>
+      <a:schemeClr val="accent4"/>
+    </dgm:fillClrLst>
+    <dgm:linClrLst meth="repeat">
+      <a:schemeClr val="lt1"/>
+    </dgm:linClrLst>
+    <dgm:effectClrLst/>
+    <dgm:txLinClrLst/>
+    <dgm:txFillClrLst/>
+    <dgm:txEffectClrLst/>
+  </dgm:styleLbl>
+  <dgm:styleLbl name="asst4">
+    <dgm:fillClrLst>
+      <a:schemeClr val="accent5"/>
+    </dgm:fillClrLst>
+    <dgm:linClrLst meth="repeat">
+      <a:schemeClr val="lt1"/>
+    </dgm:linClrLst>
+    <dgm:effectClrLst/>
+    <dgm:txLinClrLst/>
+    <dgm:txFillClrLst/>
+    <dgm:txEffectClrLst/>
+  </dgm:styleLbl>
+  <dgm:styleLbl name="parChTrans2D1">
+    <dgm:fillClrLst meth="repeat">
+      <a:schemeClr val="accent2"/>
+    </dgm:fillClrLst>
+    <dgm:linClrLst meth="repeat">
+      <a:schemeClr val="lt1"/>
+    </dgm:linClrLst>
+    <dgm:effectClrLst/>
+    <dgm:txLinClrLst/>
+    <dgm:txFillClrLst meth="repeat">
+      <a:schemeClr val="lt1"/>
+    </dgm:txFillClrLst>
+    <dgm:txEffectClrLst/>
+  </dgm:styleLbl>
+  <dgm:styleLbl name="parChTrans2D2">
+    <dgm:fillClrLst meth="repeat">
+      <a:schemeClr val="accent3"/>
+    </dgm:fillClrLst>
+    <dgm:linClrLst meth="repeat">
+      <a:schemeClr val="lt1"/>
+    </dgm:linClrLst>
+    <dgm:effectClrLst/>
+    <dgm:txLinClrLst/>
+    <dgm:txFillClrLst/>
+    <dgm:txEffectClrLst/>
+  </dgm:styleLbl>
+  <dgm:styleLbl name="parChTrans2D3">
+    <dgm:fillClrLst meth="repeat">
+      <a:schemeClr val="accent4"/>
+    </dgm:fillClrLst>
+    <dgm:linClrLst meth="repeat">
+      <a:schemeClr val="lt1"/>
+    </dgm:linClrLst>
+    <dgm:effectClrLst/>
+    <dgm:txLinClrLst/>
+    <dgm:txFillClrLst/>
+    <dgm:txEffectClrLst/>
+  </dgm:styleLbl>
+  <dgm:styleLbl name="parChTrans2D4">
+    <dgm:fillClrLst meth="repeat">
+      <a:schemeClr val="accent5"/>
+    </dgm:fillClrLst>
+    <dgm:linClrLst meth="repeat">
+      <a:schemeClr val="lt1"/>
+    </dgm:linClrLst>
+    <dgm:effectClrLst/>
+    <dgm:txLinClrLst/>
+    <dgm:txFillClrLst meth="repeat">
+      <a:schemeClr val="lt1"/>
+    </dgm:txFillClrLst>
+    <dgm:txEffectClrLst/>
+  </dgm:styleLbl>
+  <dgm:styleLbl name="parChTrans1D1">
+    <dgm:fillClrLst meth="repeat">
+      <a:schemeClr val="accent2"/>
+    </dgm:fillClrLst>
+    <dgm:linClrLst meth="repeat">
+      <a:schemeClr val="accent1"/>
+    </dgm:linClrLst>
+    <dgm:effectClrLst/>
+    <dgm:txLinClrLst/>
+    <dgm:txFillClrLst meth="repeat">
+      <a:schemeClr val="tx1"/>
+    </dgm:txFillClrLst>
+    <dgm:txEffectClrLst/>
+  </dgm:styleLbl>
+  <dgm:styleLbl name="parChTrans1D2">
+    <dgm:fillClrLst meth="repeat">
+      <a:schemeClr val="accent3">
+        <a:tint val="90000"/>
+      </a:schemeClr>
+    </dgm:fillClrLst>
+    <dgm:linClrLst meth="repeat">
+      <a:schemeClr val="accent2"/>
+    </dgm:linClrLst>
+    <dgm:effectClrLst/>
+    <dgm:txLinClrLst/>
+    <dgm:txFillClrLst meth="repeat">
+      <a:schemeClr val="tx1"/>
+    </dgm:txFillClrLst>
+    <dgm:txEffectClrLst/>
+  </dgm:styleLbl>
+  <dgm:styleLbl name="parChTrans1D3">
+    <dgm:fillClrLst meth="repeat">
+      <a:schemeClr val="accent4">
+        <a:tint val="70000"/>
+      </a:schemeClr>
+    </dgm:fillClrLst>
+    <dgm:linClrLst meth="repeat">
+      <a:schemeClr val="accent3"/>
+    </dgm:linClrLst>
+    <dgm:effectClrLst/>
+    <dgm:txLinClrLst/>
+    <dgm:txFillClrLst meth="repeat">
+      <a:schemeClr val="tx1"/>
+    </dgm:txFillClrLst>
+    <dgm:txEffectClrLst/>
+  </dgm:styleLbl>
+  <dgm:styleLbl name="parChTrans1D4">
+    <dgm:fillClrLst meth="repeat">
+      <a:schemeClr val="accent5">
+        <a:tint val="50000"/>
+      </a:schemeClr>
+    </dgm:fillClrLst>
+    <dgm:linClrLst meth="repeat">
+      <a:schemeClr val="accent4"/>
+    </dgm:linClrLst>
+    <dgm:effectClrLst/>
+    <dgm:txLinClrLst/>
+    <dgm:txFillClrLst meth="repeat">
+      <a:schemeClr val="tx1"/>
+    </dgm:txFillClrLst>
+    <dgm:txEffectClrLst/>
+  </dgm:styleLbl>
+  <dgm:styleLbl name="fgAcc1">
+    <dgm:fillClrLst meth="repeat">
+      <a:schemeClr val="lt1">
+        <a:alpha val="90000"/>
+      </a:schemeClr>
+    </dgm:fillClrLst>
+    <dgm:linClrLst meth="repeat">
+      <a:schemeClr val="accent2"/>
+      <a:schemeClr val="accent3"/>
+      <a:schemeClr val="accent4"/>
+      <a:schemeClr val="accent5"/>
+      <a:schemeClr val="accent6"/>
+    </dgm:linClrLst>
+    <dgm:effectClrLst/>
+    <dgm:txLinClrLst/>
+    <dgm:txFillClrLst meth="repeat">
+      <a:schemeClr val="dk1"/>
+    </dgm:txFillClrLst>
+    <dgm:txEffectClrLst/>
+  </dgm:styleLbl>
+  <dgm:styleLbl name="conFgAcc1">
+    <dgm:fillClrLst meth="repeat">
+      <a:schemeClr val="lt1">
+        <a:alpha val="90000"/>
+      </a:schemeClr>
+    </dgm:fillClrLst>
+    <dgm:linClrLst meth="repeat">
+      <a:schemeClr val="accent2"/>
+      <a:schemeClr val="accent3"/>
+      <a:schemeClr val="accent4"/>
+      <a:schemeClr val="accent5"/>
+      <a:schemeClr val="accent6"/>
+    </dgm:linClrLst>
+    <dgm:effectClrLst/>
+    <dgm:txLinClrLst/>
+    <dgm:txFillClrLst meth="repeat">
+      <a:schemeClr val="dk1"/>
+    </dgm:txFillClrLst>
+    <dgm:txEffectClrLst/>
+  </dgm:styleLbl>
+  <dgm:styleLbl name="alignAcc1">
+    <dgm:fillClrLst meth="repeat">
+      <a:schemeClr val="lt1">
+        <a:alpha val="90000"/>
+      </a:schemeClr>
+    </dgm:fillClrLst>
+    <dgm:linClrLst meth="repeat">
+      <a:schemeClr val="accent2"/>
+      <a:schemeClr val="accent3"/>
+      <a:schemeClr val="accent4"/>
+      <a:schemeClr val="accent5"/>
+      <a:schemeClr val="accent6"/>
+    </dgm:linClrLst>
+    <dgm:effectClrLst/>
+    <dgm:txLinClrLst/>
+    <dgm:txFillClrLst meth="repeat">
+      <a:schemeClr val="dk1"/>
+    </dgm:txFillClrLst>
+    <dgm:txEffectClrLst/>
+  </dgm:styleLbl>
+  <dgm:styleLbl name="trAlignAcc1">
+    <dgm:fillClrLst meth="repeat">
+      <a:schemeClr val="lt1">
+        <a:alpha val="40000"/>
+      </a:schemeClr>
+    </dgm:fillClrLst>
+    <dgm:linClrLst meth="repeat">
+      <a:schemeClr val="accent1"/>
+    </dgm:linClrLst>
+    <dgm:effectClrLst/>
+    <dgm:txLinClrLst/>
+    <dgm:txFillClrLst meth="repeat">
+      <a:schemeClr val="dk1"/>
+    </dgm:txFillClrLst>
+    <dgm:txEffectClrLst/>
+  </dgm:styleLbl>
+  <dgm:styleLbl name="bgAcc1">
+    <dgm:fillClrLst meth="repeat">
+      <a:schemeClr val="lt1">
+        <a:alpha val="90000"/>
+      </a:schemeClr>
+    </dgm:fillClrLst>
+    <dgm:linClrLst meth="repeat">
+      <a:schemeClr val="accent2"/>
+      <a:schemeClr val="accent3"/>
+      <a:schemeClr val="accent4"/>
+      <a:schemeClr val="accent5"/>
+      <a:schemeClr val="accent6"/>
+    </dgm:linClrLst>
+    <dgm:effectClrLst/>
+    <dgm:txLinClrLst/>
+    <dgm:txFillClrLst meth="repeat">
+      <a:schemeClr val="dk1"/>
+    </dgm:txFillClrLst>
+    <dgm:txEffectClrLst/>
+  </dgm:styleLbl>
+  <dgm:styleLbl name="solidFgAcc1">
+    <dgm:fillClrLst meth="repeat">
+      <a:schemeClr val="lt1"/>
+    </dgm:fillClrLst>
+    <dgm:linClrLst meth="repeat">
+      <a:schemeClr val="accent2"/>
+      <a:schemeClr val="accent3"/>
+      <a:schemeClr val="accent4"/>
+      <a:schemeClr val="accent5"/>
+      <a:schemeClr val="accent6"/>
+    </dgm:linClrLst>
+    <dgm:effectClrLst/>
+    <dgm:txLinClrLst/>
+    <dgm:txFillClrLst meth="repeat">
+      <a:schemeClr val="dk1"/>
+    </dgm:txFillClrLst>
+    <dgm:txEffectClrLst/>
+  </dgm:styleLbl>
+  <dgm:styleLbl name="solidAlignAcc1">
+    <dgm:fillClrLst meth="repeat">
+      <a:schemeClr val="lt1"/>
+    </dgm:fillClrLst>
+    <dgm:linClrLst meth="repeat">
+      <a:schemeClr val="accent2"/>
+      <a:schemeClr val="accent3"/>
+      <a:schemeClr val="accent4"/>
+      <a:schemeClr val="accent5"/>
+      <a:schemeClr val="accent6"/>
+    </dgm:linClrLst>
+    <dgm:effectClrLst/>
+    <dgm:txLinClrLst/>
+    <dgm:txFillClrLst meth="repeat">
+      <a:schemeClr val="dk1"/>
+    </dgm:txFillClrLst>
+    <dgm:txEffectClrLst/>
+  </dgm:styleLbl>
+  <dgm:styleLbl name="solidBgAcc1">
+    <dgm:fillClrLst meth="repeat">
+      <a:schemeClr val="lt1"/>
+    </dgm:fillClrLst>
+    <dgm:linClrLst meth="repeat">
+      <a:schemeClr val="accent2"/>
+      <a:schemeClr val="accent3"/>
+      <a:schemeClr val="accent4"/>
+      <a:schemeClr val="accent5"/>
+      <a:schemeClr val="accent6"/>
+    </dgm:linClrLst>
+    <dgm:effectClrLst/>
+    <dgm:txLinClrLst/>
+    <dgm:txFillClrLst meth="repeat">
+      <a:schemeClr val="dk1"/>
+    </dgm:txFillClrLst>
+    <dgm:txEffectClrLst/>
+  </dgm:styleLbl>
+  <dgm:styleLbl name="fgAccFollowNode1">
+    <dgm:fillClrLst meth="repeat">
+      <a:schemeClr val="accent2">
+        <a:tint val="40000"/>
+        <a:alpha val="90000"/>
+      </a:schemeClr>
+      <a:schemeClr val="accent3">
+        <a:tint val="40000"/>
+        <a:alpha val="90000"/>
+      </a:schemeClr>
+      <a:schemeClr val="accent4">
+        <a:tint val="40000"/>
+        <a:alpha val="90000"/>
+      </a:schemeClr>
+      <a:schemeClr val="accent5">
+        <a:tint val="40000"/>
+        <a:alpha val="90000"/>
+      </a:schemeClr>
+      <a:schemeClr val="accent6">
+        <a:tint val="40000"/>
+        <a:alpha val="90000"/>
+      </a:schemeClr>
+    </dgm:fillClrLst>
+    <dgm:linClrLst meth="repeat">
+      <a:schemeClr val="accent2">
+        <a:tint val="40000"/>
+        <a:alpha val="90000"/>
+      </a:schemeClr>
+      <a:schemeClr val="accent3">
+        <a:tint val="40000"/>
+        <a:alpha val="90000"/>
+      </a:schemeClr>
+      <a:schemeClr val="accent4">
+        <a:tint val="40000"/>
+        <a:alpha val="90000"/>
+      </a:schemeClr>
+      <a:schemeClr val="accent5">
+        <a:tint val="40000"/>
+        <a:alpha val="90000"/>
+      </a:schemeClr>
+      <a:schemeClr val="accent6">
+        <a:tint val="40000"/>
+        <a:alpha val="90000"/>
+      </a:schemeClr>
+    </dgm:linClrLst>
+    <dgm:effectClrLst/>
+    <dgm:txLinClrLst/>
+    <dgm:txFillClrLst meth="repeat">
+      <a:schemeClr val="dk1"/>
+    </dgm:txFillClrLst>
+    <dgm:txEffectClrLst/>
+  </dgm:styleLbl>
+  <dgm:styleLbl name="alignAccFollowNode1">
+    <dgm:fillClrLst meth="repeat">
+      <a:schemeClr val="accent2">
+        <a:tint val="40000"/>
+        <a:alpha val="90000"/>
+      </a:schemeClr>
+      <a:schemeClr val="accent3">
+        <a:tint val="40000"/>
+        <a:alpha val="90000"/>
+      </a:schemeClr>
+      <a:schemeClr val="accent4">
+        <a:tint val="40000"/>
+        <a:alpha val="90000"/>
+      </a:schemeClr>
+      <a:schemeClr val="accent5">
+        <a:tint val="40000"/>
+        <a:alpha val="90000"/>
+      </a:schemeClr>
+      <a:schemeClr val="accent6">
+        <a:tint val="40000"/>
+        <a:alpha val="90000"/>
+      </a:schemeClr>
+    </dgm:fillClrLst>
+    <dgm:linClrLst meth="repeat">
+      <a:schemeClr val="accent2">
+        <a:tint val="40000"/>
+        <a:alpha val="90000"/>
+      </a:schemeClr>
+      <a:schemeClr val="accent3">
+        <a:tint val="40000"/>
+        <a:alpha val="90000"/>
+      </a:schemeClr>
+      <a:schemeClr val="accent4">
+        <a:tint val="40000"/>
+        <a:alpha val="90000"/>
+      </a:schemeClr>
+      <a:schemeClr val="accent5">
+        <a:tint val="40000"/>
+        <a:alpha val="90000"/>
+      </a:schemeClr>
+      <a:schemeClr val="accent6">
+        <a:tint val="40000"/>
+        <a:alpha val="90000"/>
+      </a:schemeClr>
+    </dgm:linClrLst>
+    <dgm:effectClrLst/>
+    <dgm:txLinClrLst/>
+    <dgm:txFillClrLst meth="repeat">
+      <a:schemeClr val="dk1"/>
+    </dgm:txFillClrLst>
+    <dgm:txEffectClrLst/>
+  </dgm:styleLbl>
+  <dgm:styleLbl name="bgAccFollowNode1">
+    <dgm:fillClrLst meth="repeat">
+      <a:schemeClr val="accent2">
+        <a:tint val="40000"/>
+        <a:alpha val="90000"/>
+      </a:schemeClr>
+      <a:schemeClr val="accent3">
+        <a:tint val="40000"/>
+        <a:alpha val="90000"/>
+      </a:schemeClr>
+      <a:schemeClr val="accent4">
+        <a:tint val="40000"/>
+        <a:alpha val="90000"/>
+      </a:schemeClr>
+      <a:schemeClr val="accent5">
+        <a:tint val="40000"/>
+        <a:alpha val="90000"/>
+      </a:schemeClr>
+      <a:schemeClr val="accent6">
+        <a:tint val="40000"/>
+        <a:alpha val="90000"/>
+      </a:schemeClr>
+    </dgm:fillClrLst>
+    <dgm:linClrLst meth="repeat">
+      <a:schemeClr val="accent2">
+        <a:tint val="40000"/>
+        <a:alpha val="90000"/>
+      </a:schemeClr>
+      <a:schemeClr val="accent3">
+        <a:tint val="40000"/>
+        <a:alpha val="90000"/>
+      </a:schemeClr>
+      <a:schemeClr val="accent4">
+        <a:tint val="40000"/>
+        <a:alpha val="90000"/>
+      </a:schemeClr>
+      <a:schemeClr val="accent5">
+        <a:tint val="40000"/>
+        <a:alpha val="90000"/>
+      </a:schemeClr>
+      <a:schemeClr val="accent6">
+        <a:tint val="40000"/>
+        <a:alpha val="90000"/>
+      </a:schemeClr>
+    </dgm:linClrLst>
+    <dgm:effectClrLst/>
+    <dgm:txLinClrLst/>
+    <dgm:txFillClrLst meth="repeat">
+      <a:schemeClr val="dk1"/>
+    </dgm:txFillClrLst>
+    <dgm:txEffectClrLst/>
+  </dgm:styleLbl>
+  <dgm:styleLbl name="fgAcc0">
+    <dgm:fillClrLst meth="repeat">
+      <a:schemeClr val="lt1">
+        <a:alpha val="90000"/>
+      </a:schemeClr>
+    </dgm:fillClrLst>
+    <dgm:linClrLst>
+      <a:schemeClr val="accent1"/>
+    </dgm:linClrLst>
+    <dgm:effectClrLst/>
+    <dgm:txLinClrLst/>
+    <dgm:txFillClrLst meth="repeat">
+      <a:schemeClr val="dk1"/>
+    </dgm:txFillClrLst>
+    <dgm:txEffectClrLst/>
+  </dgm:styleLbl>
+  <dgm:styleLbl name="fgAcc2">
+    <dgm:fillClrLst meth="repeat">
+      <a:schemeClr val="lt1">
+        <a:alpha val="90000"/>
+      </a:schemeClr>
+    </dgm:fillClrLst>
+    <dgm:linClrLst>
+      <a:schemeClr val="accent2"/>
+    </dgm:linClrLst>
+    <dgm:effectClrLst/>
+    <dgm:txLinClrLst/>
+    <dgm:txFillClrLst meth="repeat">
+      <a:schemeClr val="dk1"/>
+    </dgm:txFillClrLst>
+    <dgm:txEffectClrLst/>
+  </dgm:styleLbl>
+  <dgm:styleLbl name="fgAcc3">
+    <dgm:fillClrLst meth="repeat">
+      <a:schemeClr val="lt1">
+        <a:alpha val="90000"/>
+      </a:schemeClr>
+    </dgm:fillClrLst>
+    <dgm:linClrLst>
+      <a:schemeClr val="accent3"/>
+    </dgm:linClrLst>
+    <dgm:effectClrLst/>
+    <dgm:txLinClrLst/>
+    <dgm:txFillClrLst meth="repeat">
+      <a:schemeClr val="dk1"/>
+    </dgm:txFillClrLst>
+    <dgm:txEffectClrLst/>
+  </dgm:styleLbl>
+  <dgm:styleLbl name="fgAcc4">
+    <dgm:fillClrLst meth="repeat">
+      <a:schemeClr val="lt1">
+        <a:alpha val="90000"/>
+      </a:schemeClr>
+    </dgm:fillClrLst>
+    <dgm:linClrLst>
+      <a:schemeClr val="accent4"/>
+    </dgm:linClrLst>
+    <dgm:effectClrLst/>
+    <dgm:txLinClrLst/>
+    <dgm:txFillClrLst meth="repeat">
+      <a:schemeClr val="dk1"/>
+    </dgm:txFillClrLst>
+    <dgm:txEffectClrLst/>
+  </dgm:styleLbl>
+  <dgm:styleLbl name="bgShp">
+    <dgm:fillClrLst meth="repeat">
+      <a:schemeClr val="bg1">
+        <a:lumMod val="95000"/>
+      </a:schemeClr>
+    </dgm:fillClrLst>
+    <dgm:linClrLst meth="repeat">
+      <a:schemeClr val="dk1"/>
+    </dgm:linClrLst>
+    <dgm:effectClrLst/>
+    <dgm:txLinClrLst/>
+    <dgm:txFillClrLst meth="repeat">
+      <a:schemeClr val="dk1"/>
+    </dgm:txFillClrLst>
+    <dgm:txEffectClrLst/>
+  </dgm:styleLbl>
+  <dgm:styleLbl name="dkBgShp">
+    <dgm:fillClrLst meth="repeat">
+      <a:schemeClr val="accent2">
+        <a:shade val="90000"/>
+      </a:schemeClr>
+    </dgm:fillClrLst>
+    <dgm:linClrLst meth="repeat">
+      <a:schemeClr val="dk1"/>
+    </dgm:linClrLst>
+    <dgm:effectClrLst/>
+    <dgm:txLinClrLst/>
+    <dgm:txFillClrLst meth="repeat">
+      <a:schemeClr val="lt1"/>
+    </dgm:txFillClrLst>
+    <dgm:txEffectClrLst/>
+  </dgm:styleLbl>
+  <dgm:styleLbl name="trBgShp">
+    <dgm:fillClrLst meth="repeat">
+      <a:schemeClr val="accent1">
+        <a:tint val="50000"/>
+        <a:alpha val="40000"/>
+      </a:schemeClr>
+    </dgm:fillClrLst>
+    <dgm:linClrLst meth="repeat">
+      <a:schemeClr val="accent2"/>
+    </dgm:linClrLst>
+    <dgm:effectClrLst/>
+    <dgm:txLinClrLst/>
+    <dgm:txFillClrLst meth="repeat">
+      <a:schemeClr val="lt1"/>
+    </dgm:txFillClrLst>
+    <dgm:txEffectClrLst/>
+  </dgm:styleLbl>
+  <dgm:styleLbl name="fgShp">
+    <dgm:fillClrLst meth="repeat">
+      <a:schemeClr val="accent2">
+        <a:tint val="40000"/>
+      </a:schemeClr>
+    </dgm:fillClrLst>
+    <dgm:linClrLst meth="repeat">
+      <a:schemeClr val="lt1"/>
+    </dgm:linClrLst>
+    <dgm:effectClrLst/>
+    <dgm:txLinClrLst/>
+    <dgm:txFillClrLst meth="repeat">
+      <a:schemeClr val="dk1"/>
+    </dgm:txFillClrLst>
+    <dgm:txEffectClrLst/>
+  </dgm:styleLbl>
+  <dgm:styleLbl name="revTx">
+    <dgm:fillClrLst meth="repeat">
+      <a:schemeClr val="lt1">
+        <a:alpha val="0"/>
+      </a:schemeClr>
+    </dgm:fillClrLst>
+    <dgm:linClrLst meth="repeat">
+      <a:schemeClr val="dk1">
+        <a:alpha val="0"/>
+      </a:schemeClr>
+    </dgm:linClrLst>
+    <dgm:effectClrLst/>
+    <dgm:txLinClrLst/>
+    <dgm:txFillClrLst meth="repeat">
+      <a:schemeClr val="tx1"/>
+    </dgm:txFillClrLst>
+    <dgm:txEffectClrLst/>
+  </dgm:styleLbl>
+</dgm:colorsDef>
+</file>
+
+<file path=ppt/diagrams/data1.xml><?xml version="1.0" encoding="utf-8"?>
+<dgm:dataModel xmlns:dgm="http://schemas.openxmlformats.org/drawingml/2006/diagram" xmlns:a="http://schemas.openxmlformats.org/drawingml/2006/main">
+  <dgm:ptLst>
+    <dgm:pt modelId="{1959D240-3765-4C31-BFCC-7E3D62CF79C6}" type="doc">
+      <dgm:prSet loTypeId="urn:microsoft.com/office/officeart/2018/2/layout/IconLabelList" loCatId="icon" qsTypeId="urn:microsoft.com/office/officeart/2005/8/quickstyle/simple1" qsCatId="simple" csTypeId="urn:microsoft.com/office/officeart/2018/5/colors/Iconchunking_neutralbg_colorful1" csCatId="colorful" phldr="1"/>
+      <dgm:spPr/>
+      <dgm:t>
+        <a:bodyPr/>
+        <a:lstStyle/>
+        <a:p>
+          <a:endParaRPr lang="en-US"/>
+        </a:p>
+      </dgm:t>
+    </dgm:pt>
+    <dgm:pt modelId="{1DAD0C1D-89B2-40C1-BB7F-A43EBCAFD5D0}">
+      <dgm:prSet/>
+      <dgm:spPr/>
+      <dgm:t>
+        <a:bodyPr/>
+        <a:lstStyle/>
+        <a:p>
+          <a:r>
+            <a:rPr lang="de-DE"/>
+            <a:t>Benutze PropTypes</a:t>
+          </a:r>
+          <a:endParaRPr lang="en-US"/>
+        </a:p>
+      </dgm:t>
+    </dgm:pt>
+    <dgm:pt modelId="{FCD79F31-0B3E-4648-8099-39AB0041A604}" type="parTrans" cxnId="{D683A15A-F522-4B58-B72E-C44D20DF2294}">
+      <dgm:prSet/>
+      <dgm:spPr/>
+      <dgm:t>
+        <a:bodyPr/>
+        <a:lstStyle/>
+        <a:p>
+          <a:endParaRPr lang="en-US"/>
+        </a:p>
+      </dgm:t>
+    </dgm:pt>
+    <dgm:pt modelId="{8D42E886-D412-4853-8615-E0000207DA87}" type="sibTrans" cxnId="{D683A15A-F522-4B58-B72E-C44D20DF2294}">
+      <dgm:prSet/>
+      <dgm:spPr/>
+      <dgm:t>
+        <a:bodyPr/>
+        <a:lstStyle/>
+        <a:p>
+          <a:endParaRPr lang="en-US"/>
+        </a:p>
+      </dgm:t>
+    </dgm:pt>
+    <dgm:pt modelId="{7B4B983B-A37B-4F83-AEBC-1254E862FF47}">
+      <dgm:prSet/>
+      <dgm:spPr/>
+      <dgm:t>
+        <a:bodyPr/>
+        <a:lstStyle/>
+        <a:p>
+          <a:r>
+            <a:rPr lang="de-DE"/>
+            <a:t>Halte Komponenten klein und funktionsspezifisch</a:t>
+          </a:r>
+          <a:endParaRPr lang="en-US"/>
+        </a:p>
+      </dgm:t>
+    </dgm:pt>
+    <dgm:pt modelId="{2771AAF8-06CC-43C1-BB63-E99C89B388DC}" type="parTrans" cxnId="{7345879E-3F27-4D54-8EAA-7E60D0D80E2B}">
+      <dgm:prSet/>
+      <dgm:spPr/>
+      <dgm:t>
+        <a:bodyPr/>
+        <a:lstStyle/>
+        <a:p>
+          <a:endParaRPr lang="en-US"/>
+        </a:p>
+      </dgm:t>
+    </dgm:pt>
+    <dgm:pt modelId="{C02EE28D-F920-4FFE-998B-EA9A4019431A}" type="sibTrans" cxnId="{7345879E-3F27-4D54-8EAA-7E60D0D80E2B}">
+      <dgm:prSet/>
+      <dgm:spPr/>
+      <dgm:t>
+        <a:bodyPr/>
+        <a:lstStyle/>
+        <a:p>
+          <a:endParaRPr lang="en-US"/>
+        </a:p>
+      </dgm:t>
+    </dgm:pt>
+    <dgm:pt modelId="{83A6146B-C2C7-4F3E-B6BD-AF1F48A37F5D}">
+      <dgm:prSet/>
+      <dgm:spPr/>
+      <dgm:t>
+        <a:bodyPr/>
+        <a:lstStyle/>
+        <a:p>
+          <a:r>
+            <a:rPr lang="de-DE"/>
+            <a:t>Baue Komponenten wiederverwendbar</a:t>
+          </a:r>
+          <a:endParaRPr lang="en-US"/>
+        </a:p>
+      </dgm:t>
+    </dgm:pt>
+    <dgm:pt modelId="{252C2641-7DE3-4965-8AF9-922A72B22946}" type="parTrans" cxnId="{91E735B3-108F-4207-BDD1-C9AC1AF8B75D}">
+      <dgm:prSet/>
+      <dgm:spPr/>
+      <dgm:t>
+        <a:bodyPr/>
+        <a:lstStyle/>
+        <a:p>
+          <a:endParaRPr lang="en-US"/>
+        </a:p>
+      </dgm:t>
+    </dgm:pt>
+    <dgm:pt modelId="{CE630046-4179-4CDC-9A8F-249553DEAEFB}" type="sibTrans" cxnId="{91E735B3-108F-4207-BDD1-C9AC1AF8B75D}">
+      <dgm:prSet/>
+      <dgm:spPr/>
+      <dgm:t>
+        <a:bodyPr/>
+        <a:lstStyle/>
+        <a:p>
+          <a:endParaRPr lang="en-US"/>
+        </a:p>
+      </dgm:t>
+    </dgm:pt>
+    <dgm:pt modelId="{A64BBA2B-8268-401A-BE47-319960FE4963}">
+      <dgm:prSet/>
+      <dgm:spPr/>
+      <dgm:t>
+        <a:bodyPr/>
+        <a:lstStyle/>
+        <a:p>
+          <a:r>
+            <a:rPr lang="de-DE"/>
+            <a:t>Benenne Komponenten nach dem was sie tun</a:t>
+          </a:r>
+          <a:endParaRPr lang="en-US"/>
+        </a:p>
+      </dgm:t>
+    </dgm:pt>
+    <dgm:pt modelId="{2A4A1697-DA24-41C3-9A5F-D7EA7F364823}" type="parTrans" cxnId="{E567290A-2220-48E8-8DB8-B012A91C75D7}">
+      <dgm:prSet/>
+      <dgm:spPr/>
+      <dgm:t>
+        <a:bodyPr/>
+        <a:lstStyle/>
+        <a:p>
+          <a:endParaRPr lang="en-US"/>
+        </a:p>
+      </dgm:t>
+    </dgm:pt>
+    <dgm:pt modelId="{C4F8C214-4B6D-4213-8945-1AC69C065E8C}" type="sibTrans" cxnId="{E567290A-2220-48E8-8DB8-B012A91C75D7}">
+      <dgm:prSet/>
+      <dgm:spPr/>
+      <dgm:t>
+        <a:bodyPr/>
+        <a:lstStyle/>
+        <a:p>
+          <a:endParaRPr lang="en-US"/>
+        </a:p>
+      </dgm:t>
+    </dgm:pt>
+    <dgm:pt modelId="{497F6BDC-FE95-4144-9C1A-9E4058BC5579}" type="pres">
+      <dgm:prSet presAssocID="{1959D240-3765-4C31-BFCC-7E3D62CF79C6}" presName="root" presStyleCnt="0">
+        <dgm:presLayoutVars>
+          <dgm:dir/>
+          <dgm:resizeHandles val="exact"/>
+        </dgm:presLayoutVars>
+      </dgm:prSet>
+      <dgm:spPr/>
+    </dgm:pt>
+    <dgm:pt modelId="{2C77289E-057C-4C8B-9162-8676D41C4E7C}" type="pres">
+      <dgm:prSet presAssocID="{1DAD0C1D-89B2-40C1-BB7F-A43EBCAFD5D0}" presName="compNode" presStyleCnt="0"/>
+      <dgm:spPr/>
+    </dgm:pt>
+    <dgm:pt modelId="{CAEEBA8B-DF96-4237-BC13-26C050984511}" type="pres">
+      <dgm:prSet presAssocID="{1DAD0C1D-89B2-40C1-BB7F-A43EBCAFD5D0}" presName="iconRect" presStyleLbl="node1" presStyleIdx="0" presStyleCnt="4"/>
+      <dgm:spPr>
+        <a:blipFill>
+          <a:blip xmlns:r="http://schemas.openxmlformats.org/officeDocument/2006/relationships" r:embed="rId1">
+            <a:extLst>
+              <a:ext uri="{28A0092B-C50C-407E-A947-70E740481C1C}">
+                <a14:useLocalDpi xmlns:a14="http://schemas.microsoft.com/office/drawing/2010/main" val="0"/>
+              </a:ext>
+              <a:ext uri="{96DAC541-7B7A-43D3-8B79-37D633B846F1}">
+                <asvg:svgBlip xmlns:asvg="http://schemas.microsoft.com/office/drawing/2016/SVG/main" r:embed="rId2"/>
+              </a:ext>
+            </a:extLst>
+          </a:blip>
+          <a:stretch>
+            <a:fillRect/>
+          </a:stretch>
+        </a:blipFill>
+        <a:ln>
+          <a:noFill/>
+        </a:ln>
+      </dgm:spPr>
+      <dgm:extLst>
+        <a:ext uri="{E40237B7-FDA0-4F09-8148-C483321AD2D9}">
+          <dgm14:cNvPr xmlns:dgm14="http://schemas.microsoft.com/office/drawing/2010/diagram" id="0" name="" descr="Glue"/>
+        </a:ext>
+      </dgm:extLst>
+    </dgm:pt>
+    <dgm:pt modelId="{0466076B-B017-4665-AB6B-7D1B427BF50D}" type="pres">
+      <dgm:prSet presAssocID="{1DAD0C1D-89B2-40C1-BB7F-A43EBCAFD5D0}" presName="spaceRect" presStyleCnt="0"/>
+      <dgm:spPr/>
+    </dgm:pt>
+    <dgm:pt modelId="{D10DD63D-CD8B-46CB-A730-7D4233D9AF65}" type="pres">
+      <dgm:prSet presAssocID="{1DAD0C1D-89B2-40C1-BB7F-A43EBCAFD5D0}" presName="textRect" presStyleLbl="revTx" presStyleIdx="0" presStyleCnt="4">
+        <dgm:presLayoutVars>
+          <dgm:chMax val="1"/>
+          <dgm:chPref val="1"/>
+        </dgm:presLayoutVars>
+      </dgm:prSet>
+      <dgm:spPr/>
+    </dgm:pt>
+    <dgm:pt modelId="{956E3EDE-51EF-4BA2-8D89-C92F4A17B42B}" type="pres">
+      <dgm:prSet presAssocID="{8D42E886-D412-4853-8615-E0000207DA87}" presName="sibTrans" presStyleCnt="0"/>
+      <dgm:spPr/>
+    </dgm:pt>
+    <dgm:pt modelId="{C9AD8AE1-3A20-4478-B6FE-5DD4C2813437}" type="pres">
+      <dgm:prSet presAssocID="{7B4B983B-A37B-4F83-AEBC-1254E862FF47}" presName="compNode" presStyleCnt="0"/>
+      <dgm:spPr/>
+    </dgm:pt>
+    <dgm:pt modelId="{6F331DEE-1BFB-4477-A6DA-898DA988E9DE}" type="pres">
+      <dgm:prSet presAssocID="{7B4B983B-A37B-4F83-AEBC-1254E862FF47}" presName="iconRect" presStyleLbl="node1" presStyleIdx="1" presStyleCnt="4"/>
+      <dgm:spPr>
+        <a:blipFill>
+          <a:blip xmlns:r="http://schemas.openxmlformats.org/officeDocument/2006/relationships" r:embed="rId3">
+            <a:extLst>
+              <a:ext uri="{28A0092B-C50C-407E-A947-70E740481C1C}">
+                <a14:useLocalDpi xmlns:a14="http://schemas.microsoft.com/office/drawing/2010/main" val="0"/>
+              </a:ext>
+              <a:ext uri="{96DAC541-7B7A-43D3-8B79-37D633B846F1}">
+                <asvg:svgBlip xmlns:asvg="http://schemas.microsoft.com/office/drawing/2016/SVG/main" r:embed="rId4"/>
+              </a:ext>
+            </a:extLst>
+          </a:blip>
+          <a:stretch>
+            <a:fillRect/>
+          </a:stretch>
+        </a:blipFill>
+        <a:ln>
+          <a:noFill/>
+        </a:ln>
+      </dgm:spPr>
+      <dgm:extLst>
+        <a:ext uri="{E40237B7-FDA0-4F09-8148-C483321AD2D9}">
+          <dgm14:cNvPr xmlns:dgm14="http://schemas.microsoft.com/office/drawing/2010/diagram" id="0" name="" descr="Nerve"/>
+        </a:ext>
+      </dgm:extLst>
+    </dgm:pt>
+    <dgm:pt modelId="{A8A2A00C-DA99-459C-A85B-4BE8812EB7B4}" type="pres">
+      <dgm:prSet presAssocID="{7B4B983B-A37B-4F83-AEBC-1254E862FF47}" presName="spaceRect" presStyleCnt="0"/>
+      <dgm:spPr/>
+    </dgm:pt>
+    <dgm:pt modelId="{4C59F8E2-943D-4202-8355-BE8BB30D9A92}" type="pres">
+      <dgm:prSet presAssocID="{7B4B983B-A37B-4F83-AEBC-1254E862FF47}" presName="textRect" presStyleLbl="revTx" presStyleIdx="1" presStyleCnt="4">
+        <dgm:presLayoutVars>
+          <dgm:chMax val="1"/>
+          <dgm:chPref val="1"/>
+        </dgm:presLayoutVars>
+      </dgm:prSet>
+      <dgm:spPr/>
+    </dgm:pt>
+    <dgm:pt modelId="{3AF04D29-A942-491B-9EC3-E7AC9F7AB4C0}" type="pres">
+      <dgm:prSet presAssocID="{C02EE28D-F920-4FFE-998B-EA9A4019431A}" presName="sibTrans" presStyleCnt="0"/>
+      <dgm:spPr/>
+    </dgm:pt>
+    <dgm:pt modelId="{49BDAB3E-AEBF-4858-BC64-2645AA18EC66}" type="pres">
+      <dgm:prSet presAssocID="{83A6146B-C2C7-4F3E-B6BD-AF1F48A37F5D}" presName="compNode" presStyleCnt="0"/>
+      <dgm:spPr/>
+    </dgm:pt>
+    <dgm:pt modelId="{AE6673E0-543C-4789-9C3A-F7841AB693E9}" type="pres">
+      <dgm:prSet presAssocID="{83A6146B-C2C7-4F3E-B6BD-AF1F48A37F5D}" presName="iconRect" presStyleLbl="node1" presStyleIdx="2" presStyleCnt="4"/>
+      <dgm:spPr>
+        <a:blipFill>
+          <a:blip xmlns:r="http://schemas.openxmlformats.org/officeDocument/2006/relationships" r:embed="rId5">
+            <a:extLst>
+              <a:ext uri="{28A0092B-C50C-407E-A947-70E740481C1C}">
+                <a14:useLocalDpi xmlns:a14="http://schemas.microsoft.com/office/drawing/2010/main" val="0"/>
+              </a:ext>
+              <a:ext uri="{96DAC541-7B7A-43D3-8B79-37D633B846F1}">
+                <asvg:svgBlip xmlns:asvg="http://schemas.microsoft.com/office/drawing/2016/SVG/main" r:embed="rId6"/>
+              </a:ext>
+            </a:extLst>
+          </a:blip>
+          <a:stretch>
+            <a:fillRect/>
+          </a:stretch>
+        </a:blipFill>
+        <a:ln>
+          <a:noFill/>
+        </a:ln>
+      </dgm:spPr>
+      <dgm:extLst>
+        <a:ext uri="{E40237B7-FDA0-4F09-8148-C483321AD2D9}">
+          <dgm14:cNvPr xmlns:dgm14="http://schemas.microsoft.com/office/drawing/2010/diagram" id="0" name="" descr="Gears"/>
+        </a:ext>
+      </dgm:extLst>
+    </dgm:pt>
+    <dgm:pt modelId="{6FD2FE2D-D164-4C73-B653-2F4DEA1F7F37}" type="pres">
+      <dgm:prSet presAssocID="{83A6146B-C2C7-4F3E-B6BD-AF1F48A37F5D}" presName="spaceRect" presStyleCnt="0"/>
+      <dgm:spPr/>
+    </dgm:pt>
+    <dgm:pt modelId="{2CC0A4DF-29AD-4724-A0A7-ED8019A111D2}" type="pres">
+      <dgm:prSet presAssocID="{83A6146B-C2C7-4F3E-B6BD-AF1F48A37F5D}" presName="textRect" presStyleLbl="revTx" presStyleIdx="2" presStyleCnt="4">
+        <dgm:presLayoutVars>
+          <dgm:chMax val="1"/>
+          <dgm:chPref val="1"/>
+        </dgm:presLayoutVars>
+      </dgm:prSet>
+      <dgm:spPr/>
+    </dgm:pt>
+    <dgm:pt modelId="{8325D00A-5EAB-4F77-A4D8-A15389582466}" type="pres">
+      <dgm:prSet presAssocID="{CE630046-4179-4CDC-9A8F-249553DEAEFB}" presName="sibTrans" presStyleCnt="0"/>
+      <dgm:spPr/>
+    </dgm:pt>
+    <dgm:pt modelId="{7CB8D771-D43C-4E09-89DF-6B34926C7A86}" type="pres">
+      <dgm:prSet presAssocID="{A64BBA2B-8268-401A-BE47-319960FE4963}" presName="compNode" presStyleCnt="0"/>
+      <dgm:spPr/>
+    </dgm:pt>
+    <dgm:pt modelId="{1391D2D7-CE05-4EEA-BAF1-0306569472BF}" type="pres">
+      <dgm:prSet presAssocID="{A64BBA2B-8268-401A-BE47-319960FE4963}" presName="iconRect" presStyleLbl="node1" presStyleIdx="3" presStyleCnt="4"/>
+      <dgm:spPr>
+        <a:blipFill>
+          <a:blip xmlns:r="http://schemas.openxmlformats.org/officeDocument/2006/relationships" r:embed="rId7">
+            <a:extLst>
+              <a:ext uri="{28A0092B-C50C-407E-A947-70E740481C1C}">
+                <a14:useLocalDpi xmlns:a14="http://schemas.microsoft.com/office/drawing/2010/main" val="0"/>
+              </a:ext>
+              <a:ext uri="{96DAC541-7B7A-43D3-8B79-37D633B846F1}">
+                <asvg:svgBlip xmlns:asvg="http://schemas.microsoft.com/office/drawing/2016/SVG/main" r:embed="rId8"/>
+              </a:ext>
+            </a:extLst>
+          </a:blip>
+          <a:stretch>
+            <a:fillRect/>
+          </a:stretch>
+        </a:blipFill>
+        <a:ln>
+          <a:noFill/>
+        </a:ln>
+      </dgm:spPr>
+      <dgm:extLst>
+        <a:ext uri="{E40237B7-FDA0-4F09-8148-C483321AD2D9}">
+          <dgm14:cNvPr xmlns:dgm14="http://schemas.microsoft.com/office/drawing/2010/diagram" id="0" name="" descr="Flowchart"/>
+        </a:ext>
+      </dgm:extLst>
+    </dgm:pt>
+    <dgm:pt modelId="{57519015-5ED2-44B8-AD41-18854BC09F36}" type="pres">
+      <dgm:prSet presAssocID="{A64BBA2B-8268-401A-BE47-319960FE4963}" presName="spaceRect" presStyleCnt="0"/>
+      <dgm:spPr/>
+    </dgm:pt>
+    <dgm:pt modelId="{02F80F05-A1F8-4B27-B6E2-FE90918DB530}" type="pres">
+      <dgm:prSet presAssocID="{A64BBA2B-8268-401A-BE47-319960FE4963}" presName="textRect" presStyleLbl="revTx" presStyleIdx="3" presStyleCnt="4">
+        <dgm:presLayoutVars>
+          <dgm:chMax val="1"/>
+          <dgm:chPref val="1"/>
+        </dgm:presLayoutVars>
+      </dgm:prSet>
+      <dgm:spPr/>
+    </dgm:pt>
+  </dgm:ptLst>
+  <dgm:cxnLst>
+    <dgm:cxn modelId="{E567290A-2220-48E8-8DB8-B012A91C75D7}" srcId="{1959D240-3765-4C31-BFCC-7E3D62CF79C6}" destId="{A64BBA2B-8268-401A-BE47-319960FE4963}" srcOrd="3" destOrd="0" parTransId="{2A4A1697-DA24-41C3-9A5F-D7EA7F364823}" sibTransId="{C4F8C214-4B6D-4213-8945-1AC69C065E8C}"/>
+    <dgm:cxn modelId="{A224E827-C1B5-43A0-B060-44295A43D1ED}" type="presOf" srcId="{83A6146B-C2C7-4F3E-B6BD-AF1F48A37F5D}" destId="{2CC0A4DF-29AD-4724-A0A7-ED8019A111D2}" srcOrd="0" destOrd="0" presId="urn:microsoft.com/office/officeart/2018/2/layout/IconLabelList"/>
+    <dgm:cxn modelId="{D683A15A-F522-4B58-B72E-C44D20DF2294}" srcId="{1959D240-3765-4C31-BFCC-7E3D62CF79C6}" destId="{1DAD0C1D-89B2-40C1-BB7F-A43EBCAFD5D0}" srcOrd="0" destOrd="0" parTransId="{FCD79F31-0B3E-4648-8099-39AB0041A604}" sibTransId="{8D42E886-D412-4853-8615-E0000207DA87}"/>
+    <dgm:cxn modelId="{CE59697B-AF44-4DBB-A7B8-9A3BF840A62E}" type="presOf" srcId="{A64BBA2B-8268-401A-BE47-319960FE4963}" destId="{02F80F05-A1F8-4B27-B6E2-FE90918DB530}" srcOrd="0" destOrd="0" presId="urn:microsoft.com/office/officeart/2018/2/layout/IconLabelList"/>
+    <dgm:cxn modelId="{016A0E89-501D-4CB0-AF09-0037704BFD83}" type="presOf" srcId="{7B4B983B-A37B-4F83-AEBC-1254E862FF47}" destId="{4C59F8E2-943D-4202-8355-BE8BB30D9A92}" srcOrd="0" destOrd="0" presId="urn:microsoft.com/office/officeart/2018/2/layout/IconLabelList"/>
+    <dgm:cxn modelId="{7345879E-3F27-4D54-8EAA-7E60D0D80E2B}" srcId="{1959D240-3765-4C31-BFCC-7E3D62CF79C6}" destId="{7B4B983B-A37B-4F83-AEBC-1254E862FF47}" srcOrd="1" destOrd="0" parTransId="{2771AAF8-06CC-43C1-BB63-E99C89B388DC}" sibTransId="{C02EE28D-F920-4FFE-998B-EA9A4019431A}"/>
+    <dgm:cxn modelId="{91E735B3-108F-4207-BDD1-C9AC1AF8B75D}" srcId="{1959D240-3765-4C31-BFCC-7E3D62CF79C6}" destId="{83A6146B-C2C7-4F3E-B6BD-AF1F48A37F5D}" srcOrd="2" destOrd="0" parTransId="{252C2641-7DE3-4965-8AF9-922A72B22946}" sibTransId="{CE630046-4179-4CDC-9A8F-249553DEAEFB}"/>
+    <dgm:cxn modelId="{826168C0-7ED6-4649-8893-13C480715474}" type="presOf" srcId="{1959D240-3765-4C31-BFCC-7E3D62CF79C6}" destId="{497F6BDC-FE95-4144-9C1A-9E4058BC5579}" srcOrd="0" destOrd="0" presId="urn:microsoft.com/office/officeart/2018/2/layout/IconLabelList"/>
+    <dgm:cxn modelId="{E29436E9-5C05-46C9-9A02-A0B54AC5AD28}" type="presOf" srcId="{1DAD0C1D-89B2-40C1-BB7F-A43EBCAFD5D0}" destId="{D10DD63D-CD8B-46CB-A730-7D4233D9AF65}" srcOrd="0" destOrd="0" presId="urn:microsoft.com/office/officeart/2018/2/layout/IconLabelList"/>
+    <dgm:cxn modelId="{C6990C7D-4B65-43CE-A9DD-756C1BECF548}" type="presParOf" srcId="{497F6BDC-FE95-4144-9C1A-9E4058BC5579}" destId="{2C77289E-057C-4C8B-9162-8676D41C4E7C}" srcOrd="0" destOrd="0" presId="urn:microsoft.com/office/officeart/2018/2/layout/IconLabelList"/>
+    <dgm:cxn modelId="{82C3D74E-BC4C-4A30-B6B5-604855B124B5}" type="presParOf" srcId="{2C77289E-057C-4C8B-9162-8676D41C4E7C}" destId="{CAEEBA8B-DF96-4237-BC13-26C050984511}" srcOrd="0" destOrd="0" presId="urn:microsoft.com/office/officeart/2018/2/layout/IconLabelList"/>
+    <dgm:cxn modelId="{580F1DDC-0AEC-4CBF-8B3D-73D11A2C5DCC}" type="presParOf" srcId="{2C77289E-057C-4C8B-9162-8676D41C4E7C}" destId="{0466076B-B017-4665-AB6B-7D1B427BF50D}" srcOrd="1" destOrd="0" presId="urn:microsoft.com/office/officeart/2018/2/layout/IconLabelList"/>
+    <dgm:cxn modelId="{B5F0B253-D286-45D6-AEAD-D7263EF7440A}" type="presParOf" srcId="{2C77289E-057C-4C8B-9162-8676D41C4E7C}" destId="{D10DD63D-CD8B-46CB-A730-7D4233D9AF65}" srcOrd="2" destOrd="0" presId="urn:microsoft.com/office/officeart/2018/2/layout/IconLabelList"/>
+    <dgm:cxn modelId="{EA28BBEB-6CDB-4404-B9E9-D99DE5D669BA}" type="presParOf" srcId="{497F6BDC-FE95-4144-9C1A-9E4058BC5579}" destId="{956E3EDE-51EF-4BA2-8D89-C92F4A17B42B}" srcOrd="1" destOrd="0" presId="urn:microsoft.com/office/officeart/2018/2/layout/IconLabelList"/>
+    <dgm:cxn modelId="{23284601-85C8-4810-841D-16B9EA171344}" type="presParOf" srcId="{497F6BDC-FE95-4144-9C1A-9E4058BC5579}" destId="{C9AD8AE1-3A20-4478-B6FE-5DD4C2813437}" srcOrd="2" destOrd="0" presId="urn:microsoft.com/office/officeart/2018/2/layout/IconLabelList"/>
+    <dgm:cxn modelId="{3960AA58-EC9A-4C8B-A8EC-EB9882A57E87}" type="presParOf" srcId="{C9AD8AE1-3A20-4478-B6FE-5DD4C2813437}" destId="{6F331DEE-1BFB-4477-A6DA-898DA988E9DE}" srcOrd="0" destOrd="0" presId="urn:microsoft.com/office/officeart/2018/2/layout/IconLabelList"/>
+    <dgm:cxn modelId="{6894E54D-1919-4324-8B83-7617C92B86FF}" type="presParOf" srcId="{C9AD8AE1-3A20-4478-B6FE-5DD4C2813437}" destId="{A8A2A00C-DA99-459C-A85B-4BE8812EB7B4}" srcOrd="1" destOrd="0" presId="urn:microsoft.com/office/officeart/2018/2/layout/IconLabelList"/>
+    <dgm:cxn modelId="{D28B8D1C-C5E4-4115-9255-EF6931300726}" type="presParOf" srcId="{C9AD8AE1-3A20-4478-B6FE-5DD4C2813437}" destId="{4C59F8E2-943D-4202-8355-BE8BB30D9A92}" srcOrd="2" destOrd="0" presId="urn:microsoft.com/office/officeart/2018/2/layout/IconLabelList"/>
+    <dgm:cxn modelId="{FAC89C83-AA50-453B-9047-7BDC2B1FD12B}" type="presParOf" srcId="{497F6BDC-FE95-4144-9C1A-9E4058BC5579}" destId="{3AF04D29-A942-491B-9EC3-E7AC9F7AB4C0}" srcOrd="3" destOrd="0" presId="urn:microsoft.com/office/officeart/2018/2/layout/IconLabelList"/>
+    <dgm:cxn modelId="{1AEB220C-4AD7-43F3-A6B8-B2F25A477415}" type="presParOf" srcId="{497F6BDC-FE95-4144-9C1A-9E4058BC5579}" destId="{49BDAB3E-AEBF-4858-BC64-2645AA18EC66}" srcOrd="4" destOrd="0" presId="urn:microsoft.com/office/officeart/2018/2/layout/IconLabelList"/>
+    <dgm:cxn modelId="{DDFD73D6-7356-425B-A2D0-F825F0B39E31}" type="presParOf" srcId="{49BDAB3E-AEBF-4858-BC64-2645AA18EC66}" destId="{AE6673E0-543C-4789-9C3A-F7841AB693E9}" srcOrd="0" destOrd="0" presId="urn:microsoft.com/office/officeart/2018/2/layout/IconLabelList"/>
+    <dgm:cxn modelId="{A1CE49B6-A7CE-4F31-864B-E486DB6E4DDD}" type="presParOf" srcId="{49BDAB3E-AEBF-4858-BC64-2645AA18EC66}" destId="{6FD2FE2D-D164-4C73-B653-2F4DEA1F7F37}" srcOrd="1" destOrd="0" presId="urn:microsoft.com/office/officeart/2018/2/layout/IconLabelList"/>
+    <dgm:cxn modelId="{933A937E-B625-4164-88C2-F091A5020FF9}" type="presParOf" srcId="{49BDAB3E-AEBF-4858-BC64-2645AA18EC66}" destId="{2CC0A4DF-29AD-4724-A0A7-ED8019A111D2}" srcOrd="2" destOrd="0" presId="urn:microsoft.com/office/officeart/2018/2/layout/IconLabelList"/>
+    <dgm:cxn modelId="{6E01D100-C2AE-472A-88E8-117E2046A71D}" type="presParOf" srcId="{497F6BDC-FE95-4144-9C1A-9E4058BC5579}" destId="{8325D00A-5EAB-4F77-A4D8-A15389582466}" srcOrd="5" destOrd="0" presId="urn:microsoft.com/office/officeart/2018/2/layout/IconLabelList"/>
+    <dgm:cxn modelId="{A07F643E-3040-40EF-938D-BE6B21D14CD2}" type="presParOf" srcId="{497F6BDC-FE95-4144-9C1A-9E4058BC5579}" destId="{7CB8D771-D43C-4E09-89DF-6B34926C7A86}" srcOrd="6" destOrd="0" presId="urn:microsoft.com/office/officeart/2018/2/layout/IconLabelList"/>
+    <dgm:cxn modelId="{AF109D3A-E20D-46DB-8E3A-F2302FBD0639}" type="presParOf" srcId="{7CB8D771-D43C-4E09-89DF-6B34926C7A86}" destId="{1391D2D7-CE05-4EEA-BAF1-0306569472BF}" srcOrd="0" destOrd="0" presId="urn:microsoft.com/office/officeart/2018/2/layout/IconLabelList"/>
+    <dgm:cxn modelId="{48FF01EE-B925-49AD-9741-86991F0166E3}" type="presParOf" srcId="{7CB8D771-D43C-4E09-89DF-6B34926C7A86}" destId="{57519015-5ED2-44B8-AD41-18854BC09F36}" srcOrd="1" destOrd="0" presId="urn:microsoft.com/office/officeart/2018/2/layout/IconLabelList"/>
+    <dgm:cxn modelId="{205CAAE5-8D07-42B0-8E52-E384111D7D0D}" type="presParOf" srcId="{7CB8D771-D43C-4E09-89DF-6B34926C7A86}" destId="{02F80F05-A1F8-4B27-B6E2-FE90918DB530}" srcOrd="2" destOrd="0" presId="urn:microsoft.com/office/officeart/2018/2/layout/IconLabelList"/>
+  </dgm:cxnLst>
+  <dgm:bg/>
+  <dgm:whole/>
+  <dgm:extLst>
+    <a:ext uri="http://schemas.microsoft.com/office/drawing/2008/diagram">
+      <dsp:dataModelExt xmlns:dsp="http://schemas.microsoft.com/office/drawing/2008/diagram" relId="rId7" minVer="http://schemas.openxmlformats.org/drawingml/2006/diagram"/>
+    </a:ext>
+  </dgm:extLst>
+</dgm:dataModel>
+</file>
+
+<file path=ppt/diagrams/drawing1.xml><?xml version="1.0" encoding="utf-8"?>
+<dsp:drawing xmlns:dgm="http://schemas.openxmlformats.org/drawingml/2006/diagram" xmlns:dsp="http://schemas.microsoft.com/office/drawing/2008/diagram" xmlns:a="http://schemas.openxmlformats.org/drawingml/2006/main">
+  <dsp:spTree>
+    <dsp:nvGrpSpPr>
+      <dsp:cNvPr id="0" name=""/>
+      <dsp:cNvGrpSpPr/>
+    </dsp:nvGrpSpPr>
+    <dsp:grpSpPr/>
+    <dsp:sp modelId="{CAEEBA8B-DF96-4237-BC13-26C050984511}">
+      <dsp:nvSpPr>
+        <dsp:cNvPr id="0" name=""/>
+        <dsp:cNvSpPr/>
+      </dsp:nvSpPr>
+      <dsp:spPr>
+        <a:xfrm>
+          <a:off x="934711" y="1250746"/>
+          <a:ext cx="1080352" cy="1080352"/>
+        </a:xfrm>
+        <a:prstGeom prst="rect">
+          <a:avLst/>
+        </a:prstGeom>
+        <a:blipFill>
+          <a:blip xmlns:r="http://schemas.openxmlformats.org/officeDocument/2006/relationships" r:embed="rId1">
+            <a:extLst>
+              <a:ext uri="{28A0092B-C50C-407E-A947-70E740481C1C}">
+                <a14:useLocalDpi xmlns:a14="http://schemas.microsoft.com/office/drawing/2010/main" val="0"/>
+              </a:ext>
+              <a:ext uri="{96DAC541-7B7A-43D3-8B79-37D633B846F1}">
+                <asvg:svgBlip xmlns:asvg="http://schemas.microsoft.com/office/drawing/2016/SVG/main" r:embed="rId2"/>
+              </a:ext>
+            </a:extLst>
+          </a:blip>
+          <a:stretch>
+            <a:fillRect/>
+          </a:stretch>
+        </a:blipFill>
+        <a:ln w="15875" cap="flat" cmpd="sng" algn="ctr">
+          <a:noFill/>
+          <a:prstDash val="solid"/>
+        </a:ln>
+        <a:effectLst/>
+      </dsp:spPr>
+      <dsp:style>
+        <a:lnRef idx="2">
+          <a:scrgbClr r="0" g="0" b="0"/>
+        </a:lnRef>
+        <a:fillRef idx="1">
+          <a:scrgbClr r="0" g="0" b="0"/>
+        </a:fillRef>
+        <a:effectRef idx="0">
+          <a:scrgbClr r="0" g="0" b="0"/>
+        </a:effectRef>
+        <a:fontRef idx="minor">
+          <a:schemeClr val="lt1"/>
+        </a:fontRef>
+      </dsp:style>
+    </dsp:sp>
+    <dsp:sp modelId="{D10DD63D-CD8B-46CB-A730-7D4233D9AF65}">
+      <dsp:nvSpPr>
+        <dsp:cNvPr id="0" name=""/>
+        <dsp:cNvSpPr/>
+      </dsp:nvSpPr>
+      <dsp:spPr>
+        <a:xfrm>
+          <a:off x="274495" y="2648878"/>
+          <a:ext cx="2400783" cy="720000"/>
+        </a:xfrm>
+        <a:prstGeom prst="rect">
+          <a:avLst/>
+        </a:prstGeom>
+        <a:noFill/>
+        <a:ln>
+          <a:noFill/>
+        </a:ln>
+        <a:effectLst/>
+      </dsp:spPr>
+      <dsp:style>
+        <a:lnRef idx="0">
+          <a:scrgbClr r="0" g="0" b="0"/>
+        </a:lnRef>
+        <a:fillRef idx="0">
+          <a:scrgbClr r="0" g="0" b="0"/>
+        </a:fillRef>
+        <a:effectRef idx="0">
+          <a:scrgbClr r="0" g="0" b="0"/>
+        </a:effectRef>
+        <a:fontRef idx="minor"/>
+      </dsp:style>
+      <dsp:txBody>
+        <a:bodyPr spcFirstLastPara="0" vert="horz" wrap="square" lIns="0" tIns="0" rIns="0" bIns="0" numCol="1" spcCol="1270" anchor="t" anchorCtr="0">
+          <a:noAutofit/>
+        </a:bodyPr>
+        <a:lstStyle/>
+        <a:p>
+          <a:pPr marL="0" lvl="0" indent="0" algn="ctr" defTabSz="844550">
+            <a:lnSpc>
+              <a:spcPct val="90000"/>
+            </a:lnSpc>
+            <a:spcBef>
+              <a:spcPct val="0"/>
+            </a:spcBef>
+            <a:spcAft>
+              <a:spcPct val="35000"/>
+            </a:spcAft>
+            <a:buNone/>
+          </a:pPr>
+          <a:r>
+            <a:rPr lang="de-DE" sz="1900" kern="1200"/>
+            <a:t>Benutze PropTypes</a:t>
+          </a:r>
+          <a:endParaRPr lang="en-US" sz="1900" kern="1200"/>
+        </a:p>
+      </dsp:txBody>
+      <dsp:txXfrm>
+        <a:off x="274495" y="2648878"/>
+        <a:ext cx="2400783" cy="720000"/>
+      </dsp:txXfrm>
+    </dsp:sp>
+    <dsp:sp modelId="{6F331DEE-1BFB-4477-A6DA-898DA988E9DE}">
+      <dsp:nvSpPr>
+        <dsp:cNvPr id="0" name=""/>
+        <dsp:cNvSpPr/>
+      </dsp:nvSpPr>
+      <dsp:spPr>
+        <a:xfrm>
+          <a:off x="3755631" y="1250746"/>
+          <a:ext cx="1080352" cy="1080352"/>
+        </a:xfrm>
+        <a:prstGeom prst="rect">
+          <a:avLst/>
+        </a:prstGeom>
+        <a:blipFill>
+          <a:blip xmlns:r="http://schemas.openxmlformats.org/officeDocument/2006/relationships" r:embed="rId3">
+            <a:extLst>
+              <a:ext uri="{28A0092B-C50C-407E-A947-70E740481C1C}">
+                <a14:useLocalDpi xmlns:a14="http://schemas.microsoft.com/office/drawing/2010/main" val="0"/>
+              </a:ext>
+              <a:ext uri="{96DAC541-7B7A-43D3-8B79-37D633B846F1}">
+                <asvg:svgBlip xmlns:asvg="http://schemas.microsoft.com/office/drawing/2016/SVG/main" r:embed="rId4"/>
+              </a:ext>
+            </a:extLst>
+          </a:blip>
+          <a:stretch>
+            <a:fillRect/>
+          </a:stretch>
+        </a:blipFill>
+        <a:ln w="15875" cap="flat" cmpd="sng" algn="ctr">
+          <a:noFill/>
+          <a:prstDash val="solid"/>
+        </a:ln>
+        <a:effectLst/>
+      </dsp:spPr>
+      <dsp:style>
+        <a:lnRef idx="2">
+          <a:scrgbClr r="0" g="0" b="0"/>
+        </a:lnRef>
+        <a:fillRef idx="1">
+          <a:scrgbClr r="0" g="0" b="0"/>
+        </a:fillRef>
+        <a:effectRef idx="0">
+          <a:scrgbClr r="0" g="0" b="0"/>
+        </a:effectRef>
+        <a:fontRef idx="minor">
+          <a:schemeClr val="lt1"/>
+        </a:fontRef>
+      </dsp:style>
+    </dsp:sp>
+    <dsp:sp modelId="{4C59F8E2-943D-4202-8355-BE8BB30D9A92}">
+      <dsp:nvSpPr>
+        <dsp:cNvPr id="0" name=""/>
+        <dsp:cNvSpPr/>
+      </dsp:nvSpPr>
+      <dsp:spPr>
+        <a:xfrm>
+          <a:off x="3095416" y="2648878"/>
+          <a:ext cx="2400783" cy="720000"/>
+        </a:xfrm>
+        <a:prstGeom prst="rect">
+          <a:avLst/>
+        </a:prstGeom>
+        <a:noFill/>
+        <a:ln>
+          <a:noFill/>
+        </a:ln>
+        <a:effectLst/>
+      </dsp:spPr>
+      <dsp:style>
+        <a:lnRef idx="0">
+          <a:scrgbClr r="0" g="0" b="0"/>
+        </a:lnRef>
+        <a:fillRef idx="0">
+          <a:scrgbClr r="0" g="0" b="0"/>
+        </a:fillRef>
+        <a:effectRef idx="0">
+          <a:scrgbClr r="0" g="0" b="0"/>
+        </a:effectRef>
+        <a:fontRef idx="minor"/>
+      </dsp:style>
+      <dsp:txBody>
+        <a:bodyPr spcFirstLastPara="0" vert="horz" wrap="square" lIns="0" tIns="0" rIns="0" bIns="0" numCol="1" spcCol="1270" anchor="t" anchorCtr="0">
+          <a:noAutofit/>
+        </a:bodyPr>
+        <a:lstStyle/>
+        <a:p>
+          <a:pPr marL="0" lvl="0" indent="0" algn="ctr" defTabSz="844550">
+            <a:lnSpc>
+              <a:spcPct val="90000"/>
+            </a:lnSpc>
+            <a:spcBef>
+              <a:spcPct val="0"/>
+            </a:spcBef>
+            <a:spcAft>
+              <a:spcPct val="35000"/>
+            </a:spcAft>
+            <a:buNone/>
+          </a:pPr>
+          <a:r>
+            <a:rPr lang="de-DE" sz="1900" kern="1200"/>
+            <a:t>Halte Komponenten klein und funktionsspezifisch</a:t>
+          </a:r>
+          <a:endParaRPr lang="en-US" sz="1900" kern="1200"/>
+        </a:p>
+      </dsp:txBody>
+      <dsp:txXfrm>
+        <a:off x="3095416" y="2648878"/>
+        <a:ext cx="2400783" cy="720000"/>
+      </dsp:txXfrm>
+    </dsp:sp>
+    <dsp:sp modelId="{AE6673E0-543C-4789-9C3A-F7841AB693E9}">
+      <dsp:nvSpPr>
+        <dsp:cNvPr id="0" name=""/>
+        <dsp:cNvSpPr/>
+      </dsp:nvSpPr>
+      <dsp:spPr>
+        <a:xfrm>
+          <a:off x="6576552" y="1250746"/>
+          <a:ext cx="1080352" cy="1080352"/>
+        </a:xfrm>
+        <a:prstGeom prst="rect">
+          <a:avLst/>
+        </a:prstGeom>
+        <a:blipFill>
+          <a:blip xmlns:r="http://schemas.openxmlformats.org/officeDocument/2006/relationships" r:embed="rId5">
+            <a:extLst>
+              <a:ext uri="{28A0092B-C50C-407E-A947-70E740481C1C}">
+                <a14:useLocalDpi xmlns:a14="http://schemas.microsoft.com/office/drawing/2010/main" val="0"/>
+              </a:ext>
+              <a:ext uri="{96DAC541-7B7A-43D3-8B79-37D633B846F1}">
+                <asvg:svgBlip xmlns:asvg="http://schemas.microsoft.com/office/drawing/2016/SVG/main" r:embed="rId6"/>
+              </a:ext>
+            </a:extLst>
+          </a:blip>
+          <a:stretch>
+            <a:fillRect/>
+          </a:stretch>
+        </a:blipFill>
+        <a:ln w="15875" cap="flat" cmpd="sng" algn="ctr">
+          <a:noFill/>
+          <a:prstDash val="solid"/>
+        </a:ln>
+        <a:effectLst/>
+      </dsp:spPr>
+      <dsp:style>
+        <a:lnRef idx="2">
+          <a:scrgbClr r="0" g="0" b="0"/>
+        </a:lnRef>
+        <a:fillRef idx="1">
+          <a:scrgbClr r="0" g="0" b="0"/>
+        </a:fillRef>
+        <a:effectRef idx="0">
+          <a:scrgbClr r="0" g="0" b="0"/>
+        </a:effectRef>
+        <a:fontRef idx="minor">
+          <a:schemeClr val="lt1"/>
+        </a:fontRef>
+      </dsp:style>
+    </dsp:sp>
+    <dsp:sp modelId="{2CC0A4DF-29AD-4724-A0A7-ED8019A111D2}">
+      <dsp:nvSpPr>
+        <dsp:cNvPr id="0" name=""/>
+        <dsp:cNvSpPr/>
+      </dsp:nvSpPr>
+      <dsp:spPr>
+        <a:xfrm>
+          <a:off x="5916337" y="2648878"/>
+          <a:ext cx="2400783" cy="720000"/>
+        </a:xfrm>
+        <a:prstGeom prst="rect">
+          <a:avLst/>
+        </a:prstGeom>
+        <a:noFill/>
+        <a:ln>
+          <a:noFill/>
+        </a:ln>
+        <a:effectLst/>
+      </dsp:spPr>
+      <dsp:style>
+        <a:lnRef idx="0">
+          <a:scrgbClr r="0" g="0" b="0"/>
+        </a:lnRef>
+        <a:fillRef idx="0">
+          <a:scrgbClr r="0" g="0" b="0"/>
+        </a:fillRef>
+        <a:effectRef idx="0">
+          <a:scrgbClr r="0" g="0" b="0"/>
+        </a:effectRef>
+        <a:fontRef idx="minor"/>
+      </dsp:style>
+      <dsp:txBody>
+        <a:bodyPr spcFirstLastPara="0" vert="horz" wrap="square" lIns="0" tIns="0" rIns="0" bIns="0" numCol="1" spcCol="1270" anchor="t" anchorCtr="0">
+          <a:noAutofit/>
+        </a:bodyPr>
+        <a:lstStyle/>
+        <a:p>
+          <a:pPr marL="0" lvl="0" indent="0" algn="ctr" defTabSz="844550">
+            <a:lnSpc>
+              <a:spcPct val="90000"/>
+            </a:lnSpc>
+            <a:spcBef>
+              <a:spcPct val="0"/>
+            </a:spcBef>
+            <a:spcAft>
+              <a:spcPct val="35000"/>
+            </a:spcAft>
+            <a:buNone/>
+          </a:pPr>
+          <a:r>
+            <a:rPr lang="de-DE" sz="1900" kern="1200"/>
+            <a:t>Baue Komponenten wiederverwendbar</a:t>
+          </a:r>
+          <a:endParaRPr lang="en-US" sz="1900" kern="1200"/>
+        </a:p>
+      </dsp:txBody>
+      <dsp:txXfrm>
+        <a:off x="5916337" y="2648878"/>
+        <a:ext cx="2400783" cy="720000"/>
+      </dsp:txXfrm>
+    </dsp:sp>
+    <dsp:sp modelId="{1391D2D7-CE05-4EEA-BAF1-0306569472BF}">
+      <dsp:nvSpPr>
+        <dsp:cNvPr id="0" name=""/>
+        <dsp:cNvSpPr/>
+      </dsp:nvSpPr>
+      <dsp:spPr>
+        <a:xfrm>
+          <a:off x="9397473" y="1250746"/>
+          <a:ext cx="1080352" cy="1080352"/>
+        </a:xfrm>
+        <a:prstGeom prst="rect">
+          <a:avLst/>
+        </a:prstGeom>
+        <a:blipFill>
+          <a:blip xmlns:r="http://schemas.openxmlformats.org/officeDocument/2006/relationships" r:embed="rId7">
+            <a:extLst>
+              <a:ext uri="{28A0092B-C50C-407E-A947-70E740481C1C}">
+                <a14:useLocalDpi xmlns:a14="http://schemas.microsoft.com/office/drawing/2010/main" val="0"/>
+              </a:ext>
+              <a:ext uri="{96DAC541-7B7A-43D3-8B79-37D633B846F1}">
+                <asvg:svgBlip xmlns:asvg="http://schemas.microsoft.com/office/drawing/2016/SVG/main" r:embed="rId8"/>
+              </a:ext>
+            </a:extLst>
+          </a:blip>
+          <a:stretch>
+            <a:fillRect/>
+          </a:stretch>
+        </a:blipFill>
+        <a:ln w="15875" cap="flat" cmpd="sng" algn="ctr">
+          <a:noFill/>
+          <a:prstDash val="solid"/>
+        </a:ln>
+        <a:effectLst/>
+      </dsp:spPr>
+      <dsp:style>
+        <a:lnRef idx="2">
+          <a:scrgbClr r="0" g="0" b="0"/>
+        </a:lnRef>
+        <a:fillRef idx="1">
+          <a:scrgbClr r="0" g="0" b="0"/>
+        </a:fillRef>
+        <a:effectRef idx="0">
+          <a:scrgbClr r="0" g="0" b="0"/>
+        </a:effectRef>
+        <a:fontRef idx="minor">
+          <a:schemeClr val="lt1"/>
+        </a:fontRef>
+      </dsp:style>
+    </dsp:sp>
+    <dsp:sp modelId="{02F80F05-A1F8-4B27-B6E2-FE90918DB530}">
+      <dsp:nvSpPr>
+        <dsp:cNvPr id="0" name=""/>
+        <dsp:cNvSpPr/>
+      </dsp:nvSpPr>
+      <dsp:spPr>
+        <a:xfrm>
+          <a:off x="8737257" y="2648878"/>
+          <a:ext cx="2400783" cy="720000"/>
+        </a:xfrm>
+        <a:prstGeom prst="rect">
+          <a:avLst/>
+        </a:prstGeom>
+        <a:noFill/>
+        <a:ln>
+          <a:noFill/>
+        </a:ln>
+        <a:effectLst/>
+      </dsp:spPr>
+      <dsp:style>
+        <a:lnRef idx="0">
+          <a:scrgbClr r="0" g="0" b="0"/>
+        </a:lnRef>
+        <a:fillRef idx="0">
+          <a:scrgbClr r="0" g="0" b="0"/>
+        </a:fillRef>
+        <a:effectRef idx="0">
+          <a:scrgbClr r="0" g="0" b="0"/>
+        </a:effectRef>
+        <a:fontRef idx="minor"/>
+      </dsp:style>
+      <dsp:txBody>
+        <a:bodyPr spcFirstLastPara="0" vert="horz" wrap="square" lIns="0" tIns="0" rIns="0" bIns="0" numCol="1" spcCol="1270" anchor="t" anchorCtr="0">
+          <a:noAutofit/>
+        </a:bodyPr>
+        <a:lstStyle/>
+        <a:p>
+          <a:pPr marL="0" lvl="0" indent="0" algn="ctr" defTabSz="844550">
+            <a:lnSpc>
+              <a:spcPct val="90000"/>
+            </a:lnSpc>
+            <a:spcBef>
+              <a:spcPct val="0"/>
+            </a:spcBef>
+            <a:spcAft>
+              <a:spcPct val="35000"/>
+            </a:spcAft>
+            <a:buNone/>
+          </a:pPr>
+          <a:r>
+            <a:rPr lang="de-DE" sz="1900" kern="1200"/>
+            <a:t>Benenne Komponenten nach dem was sie tun</a:t>
+          </a:r>
+          <a:endParaRPr lang="en-US" sz="1900" kern="1200"/>
+        </a:p>
+      </dsp:txBody>
+      <dsp:txXfrm>
+        <a:off x="8737257" y="2648878"/>
+        <a:ext cx="2400783" cy="720000"/>
+      </dsp:txXfrm>
+    </dsp:sp>
+  </dsp:spTree>
+</dsp:drawing>
+</file>
+
+<file path=ppt/diagrams/layout1.xml><?xml version="1.0" encoding="utf-8"?>
+<dgm:layoutDef xmlns:dgm="http://schemas.openxmlformats.org/drawingml/2006/diagram" xmlns:a="http://schemas.openxmlformats.org/drawingml/2006/main" uniqueId="urn:microsoft.com/office/officeart/2018/2/layout/IconLabelList">
+  <dgm:title val="Icon Label List"/>
+  <dgm:desc val="Use to show non-sequential or grouped chunks of information accompanied by a related visuals. Works best with icons or small pictures with short text captions."/>
+  <dgm:catLst>
+    <dgm:cat type="icon" pri="500"/>
+  </dgm:catLst>
+  <dgm:sampData useDef="1">
+    <dgm:dataModel>
+      <dgm:ptLst/>
+      <dgm:bg/>
+      <dgm:whole/>
+    </dgm:dataModel>
+  </dgm:sampData>
+  <dgm:styleData useDef="1">
+    <dgm:dataModel>
+      <dgm:ptLst/>
+      <dgm:bg/>
+      <dgm:whole/>
+    </dgm:dataModel>
+  </dgm:styleData>
+  <dgm:clrData useDef="1">
+    <dgm:dataModel>
+      <dgm:ptLst/>
+      <dgm:bg/>
+      <dgm:whole/>
+    </dgm:dataModel>
+  </dgm:clrData>
+  <dgm:layoutNode name="root">
+    <dgm:varLst>
+      <dgm:dir/>
+      <dgm:resizeHandles val="exact"/>
+    </dgm:varLst>
+    <dgm:choose name="Name0">
+      <dgm:if name="Name1" axis="self" func="var" arg="dir" op="equ" val="norm">
+        <dgm:alg type="snake">
+          <dgm:param type="grDir" val="tL"/>
+          <dgm:param type="flowDir" val="row"/>
+          <dgm:param type="contDir" val="sameDir"/>
+          <dgm:param type="off" val="ctr"/>
+          <dgm:param type="vertAlign" val="mid"/>
+          <dgm:param type="horzAlign" val="ctr"/>
+        </dgm:alg>
+      </dgm:if>
+      <dgm:else name="Name2">
+        <dgm:alg type="snake">
+          <dgm:param type="grDir" val="tR"/>
+          <dgm:param type="flowDir" val="row"/>
+          <dgm:param type="contDir" val="sameDir"/>
+          <dgm:param type="off" val="ctr"/>
+          <dgm:param type="vertAlign" val="mid"/>
+          <dgm:param type="horzAlign" val="ctr"/>
+        </dgm:alg>
+      </dgm:else>
+    </dgm:choose>
+    <dgm:shape xmlns:r="http://schemas.openxmlformats.org/officeDocument/2006/relationships" r:blip="">
+      <dgm:adjLst/>
+    </dgm:shape>
+    <dgm:presOf/>
+    <dgm:choose name="Name3">
+      <dgm:if name="Name4" axis="ch" ptType="node" func="cnt" op="lte" val="2">
+        <dgm:constrLst>
+          <dgm:constr type="h" for="ch" forName="compNode" refType="h" fact="0.4"/>
+          <dgm:constr type="w" for="ch" forName="compNode" val="120"/>
+          <dgm:constr type="w" for="ch" forName="sibTrans" refType="w" refFor="ch" refForName="compNode" fact="0.175"/>
+          <dgm:constr type="sp" refType="w" refFor="ch" refForName="compNode" op="equ" fact="0.25"/>
+          <dgm:constr type="primFontSz" for="des" ptType="node" op="equ" val="50"/>
+          <dgm:constr type="h" for="des" forName="compNode" op="equ"/>
+          <dgm:constr type="h" for="des" forName="textRect" op="equ"/>
+        </dgm:constrLst>
+      </dgm:if>
+      <dgm:if name="Name5" axis="ch" ptType="node" func="cnt" op="lte" val="4">
+        <dgm:constrLst>
+          <dgm:constr type="h" for="ch" forName="compNode" refType="h" fact="0.4"/>
+          <dgm:constr type="w" for="ch" forName="compNode" refType="w"/>
+          <dgm:constr type="w" for="ch" forName="sibTrans" refType="w" refFor="ch" refForName="compNode" fact="0.175"/>
+          <dgm:constr type="sp" refType="w" refFor="ch" refForName="compNode" op="equ" fact="0.25"/>
+          <dgm:constr type="primFontSz" for="des" ptType="node" op="equ" val="36"/>
+          <dgm:constr type="h" for="des" forName="compNode" op="equ"/>
+          <dgm:constr type="h" for="des" forName="textRect" op="equ"/>
+        </dgm:constrLst>
+      </dgm:if>
+      <dgm:else name="Name6">
+        <dgm:constrLst>
+          <dgm:constr type="h" for="ch" forName="compNode" refType="h" fact="0.4"/>
+          <dgm:constr type="w" for="ch" forName="compNode" refType="w"/>
+          <dgm:constr type="w" for="ch" forName="sibTrans" refType="w" refFor="ch" refForName="compNode" fact="0.175"/>
+          <dgm:constr type="sp" refType="w" refFor="ch" refForName="compNode" op="equ" fact="0.25"/>
+          <dgm:constr type="primFontSz" for="des" ptType="node" op="equ" val="24"/>
+          <dgm:constr type="h" for="des" forName="compNode" op="equ"/>
+          <dgm:constr type="h" for="des" forName="textRect" op="equ"/>
+        </dgm:constrLst>
+      </dgm:else>
+    </dgm:choose>
+    <dgm:ruleLst>
+      <dgm:rule type="w" for="ch" forName="compNode" val="50" fact="NaN" max="NaN"/>
+    </dgm:ruleLst>
+    <dgm:forEach name="Name7" axis="ch" ptType="node">
+      <dgm:layoutNode name="compNode">
+        <dgm:alg type="composite"/>
+        <dgm:shape xmlns:r="http://schemas.openxmlformats.org/officeDocument/2006/relationships" r:blip="">
+          <dgm:adjLst/>
+        </dgm:shape>
+        <dgm:presOf axis="self"/>
+        <dgm:constrLst>
+          <dgm:constr type="w" for="ch" forName="iconRect" refType="w" fact="0.45"/>
+          <dgm:constr type="h" for="ch" forName="iconRect" refType="w" refFor="ch" refForName="iconRect"/>
+          <dgm:constr type="ctrX" for="ch" forName="iconRect" refType="w" fact="0.5"/>
+          <dgm:constr type="t" for="ch" forName="iconRect"/>
+          <dgm:constr type="h" for="ch" forName="spaceRect" refType="h" fact="0.15"/>
+          <dgm:constr type="w" for="ch" forName="spaceRect" refType="w"/>
+          <dgm:constr type="l" for="ch" forName="spaceRect"/>
+          <dgm:constr type="t" for="ch" forName="spaceRect" refType="b" refFor="ch" refForName="iconRect"/>
+          <dgm:constr type="h" for="ch" forName="textRect" val="20"/>
+          <dgm:constr type="w" for="ch" forName="textRect" refType="w"/>
+          <dgm:constr type="l" for="ch" forName="textRect"/>
+          <dgm:constr type="t" for="ch" forName="textRect" refType="b" refFor="ch" refForName="spaceRect"/>
+        </dgm:constrLst>
+        <dgm:ruleLst>
+          <dgm:rule type="h" val="INF" fact="NaN" max="NaN"/>
+        </dgm:ruleLst>
+        <dgm:layoutNode name="iconRect" styleLbl="node1">
+          <dgm:alg type="sp"/>
+          <dgm:shape xmlns:r="http://schemas.openxmlformats.org/officeDocument/2006/relationships" type="rect" r:blip="" blipPhldr="1">
+            <dgm:adjLst/>
+          </dgm:shape>
+          <dgm:presOf/>
+          <dgm:constrLst/>
+          <dgm:ruleLst/>
+        </dgm:layoutNode>
+        <dgm:layoutNode name="spaceRect">
+          <dgm:alg type="sp"/>
+          <dgm:shape xmlns:r="http://schemas.openxmlformats.org/officeDocument/2006/relationships" r:blip="">
+            <dgm:adjLst/>
+          </dgm:shape>
+          <dgm:presOf/>
+          <dgm:constrLst/>
+          <dgm:ruleLst/>
+        </dgm:layoutNode>
+        <dgm:layoutNode name="textRect" styleLbl="revTx">
+          <dgm:varLst>
+            <dgm:chMax val="1"/>
+            <dgm:chPref val="1"/>
+          </dgm:varLst>
+          <dgm:alg type="tx">
+            <dgm:param type="txAnchorVert" val="t"/>
+          </dgm:alg>
+          <dgm:shape xmlns:r="http://schemas.openxmlformats.org/officeDocument/2006/relationships" type="rect" r:blip="">
+            <dgm:adjLst/>
+          </dgm:shape>
+          <dgm:presOf axis="self" ptType="node"/>
+          <dgm:constrLst>
+            <dgm:constr type="lMarg"/>
+            <dgm:constr type="rMarg"/>
+            <dgm:constr type="tMarg"/>
+            <dgm:constr type="bMarg"/>
+          </dgm:constrLst>
+          <dgm:ruleLst>
+            <dgm:rule type="primFontSz" val="11" fact="NaN" max="NaN"/>
+            <dgm:rule type="h" val="INF" fact="NaN" max="NaN"/>
+          </dgm:ruleLst>
+        </dgm:layoutNode>
+      </dgm:layoutNode>
+      <dgm:forEach name="Name8" axis="followSib" ptType="sibTrans" cnt="1">
+        <dgm:layoutNode name="sibTrans">
+          <dgm:alg type="sp"/>
+          <dgm:shape xmlns:r="http://schemas.openxmlformats.org/officeDocument/2006/relationships" r:blip="">
+            <dgm:adjLst/>
+          </dgm:shape>
+          <dgm:presOf axis="self"/>
+          <dgm:constrLst/>
+          <dgm:ruleLst/>
+        </dgm:layoutNode>
+      </dgm:forEach>
+    </dgm:forEach>
+  </dgm:layoutNode>
+  <dgm:extLst>
+    <a:ext uri="{68A01E43-0DF5-4B5B-8FA6-DAF915123BFB}">
+      <dgm1612:lstStyle xmlns:dgm1612="http://schemas.microsoft.com/office/drawing/2016/12/diagram">
+        <a:lvl1pPr>
+          <a:lnSpc>
+            <a:spcPct val="100000"/>
+          </a:lnSpc>
+        </a:lvl1pPr>
+      </dgm1612:lstStyle>
+    </a:ext>
+  </dgm:extLst>
+</dgm:layoutDef>
+</file>
+
+<file path=ppt/diagrams/quickStyle1.xml><?xml version="1.0" encoding="utf-8"?>
+<dgm:styleDef xmlns:dgm="http://schemas.openxmlformats.org/drawingml/2006/diagram" xmlns:a="http://schemas.openxmlformats.org/drawingml/2006/main" uniqueId="urn:microsoft.com/office/officeart/2005/8/quickstyle/simple1">
+  <dgm:title val=""/>
+  <dgm:desc val=""/>
+  <dgm:catLst>
+    <dgm:cat type="simple" pri="10100"/>
+  </dgm:catLst>
+  <dgm:scene3d>
+    <a:camera prst="orthographicFront"/>
+    <a:lightRig rig="threePt" dir="t"/>
+  </dgm:scene3d>
+  <dgm:styleLbl name="node0">
+    <dgm:scene3d>
+      <a:camera prst="orthographicFront"/>
+      <a:lightRig rig="threePt" dir="t"/>
+    </dgm:scene3d>
+    <dgm:sp3d/>
+    <dgm:txPr/>
+    <dgm:style>
+      <a:lnRef idx="2">
+        <a:scrgbClr r="0" g="0" b="0"/>
+      </a:lnRef>
+      <a:fillRef idx="1">
+        <a:scrgbClr r="0" g="0" b="0"/>
+      </a:fillRef>
+      <a:effectRef idx="0">
+        <a:scrgbClr r="0" g="0" b="0"/>
+      </a:effectRef>
+      <a:fontRef idx="minor">
+        <a:schemeClr val="lt1"/>
+      </a:fontRef>
+    </dgm:style>
+  </dgm:styleLbl>
+  <dgm:styleLbl name="lnNode1">
+    <dgm:scene3d>
+      <a:camera prst="orthographicFront"/>
+      <a:lightRig rig="threePt" dir="t"/>
+    </dgm:scene3d>
+    <dgm:sp3d/>
+    <dgm:txPr/>
+    <dgm:style>
+      <a:lnRef idx="2">
+        <a:scrgbClr r="0" g="0" b="0"/>
+      </a:lnRef>
+      <a:fillRef idx="1">
+        <a:scrgbClr r="0" g="0" b="0"/>
+      </a:fillRef>
+      <a:effectRef idx="0">
+        <a:scrgbClr r="0" g="0" b="0"/>
+      </a:effectRef>
+      <a:fontRef idx="minor">
+        <a:schemeClr val="lt1"/>
+      </a:fontRef>
+    </dgm:style>
+  </dgm:styleLbl>
+  <dgm:styleLbl name="vennNode1">
+    <dgm:scene3d>
+      <a:camera prst="orthographicFront"/>
+      <a:lightRig rig="threePt" dir="t"/>
+    </dgm:scene3d>
+    <dgm:sp3d/>
+    <dgm:txPr/>
+    <dgm:style>
+      <a:lnRef idx="2">
+        <a:scrgbClr r="0" g="0" b="0"/>
+      </a:lnRef>
+      <a:fillRef idx="1">
+        <a:scrgbClr r="0" g="0" b="0"/>
+      </a:fillRef>
+      <a:effectRef idx="0">
+        <a:scrgbClr r="0" g="0" b="0"/>
+      </a:effectRef>
+      <a:fontRef idx="minor">
+        <a:schemeClr val="tx1"/>
+      </a:fontRef>
+    </dgm:style>
+  </dgm:styleLbl>
+  <dgm:styleLbl name="alignNode1">
+    <dgm:scene3d>
+      <a:camera prst="orthographicFront"/>
+      <a:lightRig rig="threePt" dir="t"/>
+    </dgm:scene3d>
+    <dgm:sp3d/>
+    <dgm:txPr/>
+    <dgm:style>
+      <a:lnRef idx="2">
+        <a:scrgbClr r="0" g="0" b="0"/>
+      </a:lnRef>
+      <a:fillRef idx="1">
+        <a:scrgbClr r="0" g="0" b="0"/>
+      </a:fillRef>
+      <a:effectRef idx="0">
+        <a:scrgbClr r="0" g="0" b="0"/>
+      </a:effectRef>
+      <a:fontRef idx="minor">
+        <a:schemeClr val="lt1"/>
+      </a:fontRef>
+    </dgm:style>
+  </dgm:styleLbl>
+  <dgm:styleLbl name="node1">
+    <dgm:scene3d>
+      <a:camera prst="orthographicFront"/>
+      <a:lightRig rig="threePt" dir="t"/>
+    </dgm:scene3d>
+    <dgm:sp3d/>
+    <dgm:txPr/>
+    <dgm:style>
+      <a:lnRef idx="2">
+        <a:scrgbClr r="0" g="0" b="0"/>
+      </a:lnRef>
+      <a:fillRef idx="1">
+        <a:scrgbClr r="0" g="0" b="0"/>
+      </a:fillRef>
+      <a:effectRef idx="0">
+        <a:scrgbClr r="0" g="0" b="0"/>
+      </a:effectRef>
+      <a:fontRef idx="minor">
+        <a:schemeClr val="lt1"/>
+      </a:fontRef>
+    </dgm:style>
+  </dgm:styleLbl>
+  <dgm:styleLbl name="node2">
+    <dgm:scene3d>
+      <a:camera prst="orthographicFront"/>
+      <a:lightRig rig="threePt" dir="t"/>
+    </dgm:scene3d>
+    <dgm:sp3d/>
+    <dgm:txPr/>
+    <dgm:style>
+      <a:lnRef idx="2">
+        <a:scrgbClr r="0" g="0" b="0"/>
+      </a:lnRef>
+      <a:fillRef idx="1">
+        <a:scrgbClr r="0" g="0" b="0"/>
+      </a:fillRef>
+      <a:effectRef idx="0">
+        <a:scrgbClr r="0" g="0" b="0"/>
+      </a:effectRef>
+      <a:fontRef idx="minor">
+        <a:schemeClr val="lt1"/>
+      </a:fontRef>
+    </dgm:style>
+  </dgm:styleLbl>
+  <dgm:styleLbl name="node3">
+    <dgm:scene3d>
+      <a:camera prst="orthographicFront"/>
+      <a:lightRig rig="threePt" dir="t"/>
+    </dgm:scene3d>
+    <dgm:sp3d/>
+    <dgm:txPr/>
+    <dgm:style>
+      <a:lnRef idx="2">
+        <a:scrgbClr r="0" g="0" b="0"/>
+      </a:lnRef>
+      <a:fillRef idx="1">
+        <a:scrgbClr r="0" g="0" b="0"/>
+      </a:fillRef>
+      <a:effectRef idx="0">
+        <a:scrgbClr r="0" g="0" b="0"/>
+      </a:effectRef>
+      <a:fontRef idx="minor">
+        <a:schemeClr val="lt1"/>
+      </a:fontRef>
+    </dgm:style>
+  </dgm:styleLbl>
+  <dgm:styleLbl name="node4">
+    <dgm:scene3d>
+      <a:camera prst="orthographicFront"/>
+      <a:lightRig rig="threePt" dir="t"/>
+    </dgm:scene3d>
+    <dgm:sp3d/>
+    <dgm:txPr/>
+    <dgm:style>
+      <a:lnRef idx="2">
+        <a:scrgbClr r="0" g="0" b="0"/>
+      </a:lnRef>
+      <a:fillRef idx="1">
+        <a:scrgbClr r="0" g="0" b="0"/>
+      </a:fillRef>
+      <a:effectRef idx="0">
+        <a:scrgbClr r="0" g="0" b="0"/>
+      </a:effectRef>
+      <a:fontRef idx="minor">
+        <a:schemeClr val="lt1"/>
+      </a:fontRef>
+    </dgm:style>
+  </dgm:styleLbl>
+  <dgm:styleLbl name="fgImgPlace1">
+    <dgm:scene3d>
+      <a:camera prst="orthographicFront"/>
+      <a:lightRig rig="threePt" dir="t"/>
+    </dgm:scene3d>
+    <dgm:sp3d/>
+    <dgm:txPr/>
+    <dgm:style>
+      <a:lnRef idx="2">
+        <a:scrgbClr r="0" g="0" b="0"/>
+      </a:lnRef>
+      <a:fillRef idx="1">
+        <a:scrgbClr r="0" g="0" b="0"/>
+      </a:fillRef>
+      <a:effectRef idx="0">
+        <a:scrgbClr r="0" g="0" b="0"/>
+      </a:effectRef>
+      <a:fontRef idx="minor"/>
+    </dgm:style>
+  </dgm:styleLbl>
+  <dgm:styleLbl name="alignImgPlace1">
+    <dgm:scene3d>
+      <a:camera prst="orthographicFront"/>
+      <a:lightRig rig="threePt" dir="t"/>
+    </dgm:scene3d>
+    <dgm:sp3d/>
+    <dgm:txPr/>
+    <dgm:style>
+      <a:lnRef idx="2">
+        <a:scrgbClr r="0" g="0" b="0"/>
+      </a:lnRef>
+      <a:fillRef idx="1">
+        <a:scrgbClr r="0" g="0" b="0"/>
+      </a:fillRef>
+      <a:effectRef idx="0">
+        <a:scrgbClr r="0" g="0" b="0"/>
+      </a:effectRef>
+      <a:fontRef idx="minor"/>
+    </dgm:style>
+  </dgm:styleLbl>
+  <dgm:styleLbl name="bgImgPlace1">
+    <dgm:scene3d>
+      <a:camera prst="orthographicFront"/>
+      <a:lightRig rig="threePt" dir="t"/>
+    </dgm:scene3d>
+    <dgm:sp3d/>
+    <dgm:txPr/>
+    <dgm:style>
+      <a:lnRef idx="2">
+        <a:scrgbClr r="0" g="0" b="0"/>
+      </a:lnRef>
+      <a:fillRef idx="1">
+        <a:scrgbClr r="0" g="0" b="0"/>
+      </a:fillRef>
+      <a:effectRef idx="0">
+        <a:scrgbClr r="0" g="0" b="0"/>
+      </a:effectRef>
+      <a:fontRef idx="minor"/>
+    </dgm:style>
+  </dgm:styleLbl>
+  <dgm:styleLbl name="sibTrans2D1">
+    <dgm:scene3d>
+      <a:camera prst="orthographicFront"/>
+      <a:lightRig rig="threePt" dir="t"/>
+    </dgm:scene3d>
+    <dgm:sp3d/>
+    <dgm:txPr/>
+    <dgm:style>
+      <a:lnRef idx="0">
+        <a:scrgbClr r="0" g="0" b="0"/>
+      </a:lnRef>
+      <a:fillRef idx="1">
+        <a:scrgbClr r="0" g="0" b="0"/>
+      </a:fillRef>
+      <a:effectRef idx="0">
+        <a:scrgbClr r="0" g="0" b="0"/>
+      </a:effectRef>
+      <a:fontRef idx="minor">
+        <a:schemeClr val="lt1"/>
+      </a:fontRef>
+    </dgm:style>
+  </dgm:styleLbl>
+  <dgm:styleLbl name="fgSibTrans2D1">
+    <dgm:scene3d>
+      <a:camera prst="orthographicFront"/>
+      <a:lightRig rig="threePt" dir="t"/>
+    </dgm:scene3d>
+    <dgm:sp3d/>
+    <dgm:txPr/>
+    <dgm:style>
+      <a:lnRef idx="0">
+        <a:scrgbClr r="0" g="0" b="0"/>
+      </a:lnRef>
+      <a:fillRef idx="1">
+        <a:scrgbClr r="0" g="0" b="0"/>
+      </a:fillRef>
+      <a:effectRef idx="0">
+        <a:scrgbClr r="0" g="0" b="0"/>
+      </a:effectRef>
+      <a:fontRef idx="minor">
+        <a:schemeClr val="lt1"/>
+      </a:fontRef>
+    </dgm:style>
+  </dgm:styleLbl>
+  <dgm:styleLbl name="bgSibTrans2D1">
+    <dgm:scene3d>
+      <a:camera prst="orthographicFront"/>
+      <a:lightRig rig="threePt" dir="t"/>
+    </dgm:scene3d>
+    <dgm:sp3d/>
+    <dgm:txPr/>
+    <dgm:style>
+      <a:lnRef idx="0">
+        <a:scrgbClr r="0" g="0" b="0"/>
+      </a:lnRef>
+      <a:fillRef idx="1">
+        <a:scrgbClr r="0" g="0" b="0"/>
+      </a:fillRef>
+      <a:effectRef idx="0">
+        <a:scrgbClr r="0" g="0" b="0"/>
+      </a:effectRef>
+      <a:fontRef idx="minor">
+        <a:schemeClr val="lt1"/>
+      </a:fontRef>
+    </dgm:style>
+  </dgm:styleLbl>
+  <dgm:styleLbl name="sibTrans1D1">
+    <dgm:scene3d>
+      <a:camera prst="orthographicFront"/>
+      <a:lightRig rig="threePt" dir="t"/>
+    </dgm:scene3d>
+    <dgm:sp3d/>
+    <dgm:txPr/>
+    <dgm:style>
+      <a:lnRef idx="1">
+        <a:scrgbClr r="0" g="0" b="0"/>
+      </a:lnRef>
+      <a:fillRef idx="0">
+        <a:scrgbClr r="0" g="0" b="0"/>
+      </a:fillRef>
+      <a:effectRef idx="0">
+        <a:scrgbClr r="0" g="0" b="0"/>
+      </a:effectRef>
+      <a:fontRef idx="minor"/>
+    </dgm:style>
+  </dgm:styleLbl>
+  <dgm:styleLbl name="callout">
+    <dgm:scene3d>
+      <a:camera prst="orthographicFront"/>
+      <a:lightRig rig="threePt" dir="t"/>
+    </dgm:scene3d>
+    <dgm:sp3d/>
+    <dgm:txPr/>
+    <dgm:style>
+      <a:lnRef idx="2">
+        <a:scrgbClr r="0" g="0" b="0"/>
+      </a:lnRef>
+      <a:fillRef idx="1">
+        <a:scrgbClr r="0" g="0" b="0"/>
+      </a:fillRef>
+      <a:effectRef idx="0">
+        <a:scrgbClr r="0" g="0" b="0"/>
+      </a:effectRef>
+      <a:fontRef idx="minor"/>
+    </dgm:style>
+  </dgm:styleLbl>
+  <dgm:styleLbl name="asst0">
+    <dgm:scene3d>
+      <a:camera prst="orthographicFront"/>
+      <a:lightRig rig="threePt" dir="t"/>
+    </dgm:scene3d>
+    <dgm:sp3d/>
+    <dgm:txPr/>
+    <dgm:style>
+      <a:lnRef idx="2">
+        <a:scrgbClr r="0" g="0" b="0"/>
+      </a:lnRef>
+      <a:fillRef idx="1">
+        <a:scrgbClr r="0" g="0" b="0"/>
+      </a:fillRef>
+      <a:effectRef idx="0">
+        <a:scrgbClr r="0" g="0" b="0"/>
+      </a:effectRef>
+      <a:fontRef idx="minor">
+        <a:schemeClr val="lt1"/>
+      </a:fontRef>
+    </dgm:style>
+  </dgm:styleLbl>
+  <dgm:styleLbl name="asst1">
+    <dgm:scene3d>
+      <a:camera prst="orthographicFront"/>
+      <a:lightRig rig="threePt" dir="t"/>
+    </dgm:scene3d>
+    <dgm:sp3d/>
+    <dgm:txPr/>
+    <dgm:style>
+      <a:lnRef idx="2">
+        <a:scrgbClr r="0" g="0" b="0"/>
+      </a:lnRef>
+      <a:fillRef idx="1">
+        <a:scrgbClr r="0" g="0" b="0"/>
+      </a:fillRef>
+      <a:effectRef idx="0">
+        <a:scrgbClr r="0" g="0" b="0"/>
+      </a:effectRef>
+      <a:fontRef idx="minor">
+        <a:schemeClr val="lt1"/>
+      </a:fontRef>
+    </dgm:style>
+  </dgm:styleLbl>
+  <dgm:styleLbl name="asst2">
+    <dgm:scene3d>
+      <a:camera prst="orthographicFront"/>
+      <a:lightRig rig="threePt" dir="t"/>
+    </dgm:scene3d>
+    <dgm:sp3d/>
+    <dgm:txPr/>
+    <dgm:style>
+      <a:lnRef idx="2">
+        <a:scrgbClr r="0" g="0" b="0"/>
+      </a:lnRef>
+      <a:fillRef idx="1">
+        <a:scrgbClr r="0" g="0" b="0"/>
+      </a:fillRef>
+      <a:effectRef idx="0">
+        <a:scrgbClr r="0" g="0" b="0"/>
+      </a:effectRef>
+      <a:fontRef idx="minor">
+        <a:schemeClr val="lt1"/>
+      </a:fontRef>
+    </dgm:style>
+  </dgm:styleLbl>
+  <dgm:styleLbl name="asst3">
+    <dgm:scene3d>
+      <a:camera prst="orthographicFront"/>
+      <a:lightRig rig="threePt" dir="t"/>
+    </dgm:scene3d>
+    <dgm:sp3d/>
+    <dgm:txPr/>
+    <dgm:style>
+      <a:lnRef idx="2">
+        <a:scrgbClr r="0" g="0" b="0"/>
+      </a:lnRef>
+      <a:fillRef idx="1">
+        <a:scrgbClr r="0" g="0" b="0"/>
+      </a:fillRef>
+      <a:effectRef idx="0">
+        <a:scrgbClr r="0" g="0" b="0"/>
+      </a:effectRef>
+      <a:fontRef idx="minor">
+        <a:schemeClr val="lt1"/>
+      </a:fontRef>
+    </dgm:style>
+  </dgm:styleLbl>
+  <dgm:styleLbl name="asst4">
+    <dgm:scene3d>
+      <a:camera prst="orthographicFront"/>
+      <a:lightRig rig="threePt" dir="t"/>
+    </dgm:scene3d>
+    <dgm:sp3d/>
+    <dgm:txPr/>
+    <dgm:style>
+      <a:lnRef idx="2">
+        <a:scrgbClr r="0" g="0" b="0"/>
+      </a:lnRef>
+      <a:fillRef idx="1">
+        <a:scrgbClr r="0" g="0" b="0"/>
+      </a:fillRef>
+      <a:effectRef idx="0">
+        <a:scrgbClr r="0" g="0" b="0"/>
+      </a:effectRef>
+      <a:fontRef idx="minor">
+        <a:schemeClr val="lt1"/>
+      </a:fontRef>
+    </dgm:style>
+  </dgm:styleLbl>
+  <dgm:styleLbl name="parChTrans2D1">
+    <dgm:scene3d>
+      <a:camera prst="orthographicFront"/>
+      <a:lightRig rig="threePt" dir="t"/>
+    </dgm:scene3d>
+    <dgm:sp3d/>
+    <dgm:txPr/>
+    <dgm:style>
+      <a:lnRef idx="2">
+        <a:scrgbClr r="0" g="0" b="0"/>
+      </a:lnRef>
+      <a:fillRef idx="1">
+        <a:scrgbClr r="0" g="0" b="0"/>
+      </a:fillRef>
+      <a:effectRef idx="0">
+        <a:scrgbClr r="0" g="0" b="0"/>
+      </a:effectRef>
+      <a:fontRef idx="minor">
+        <a:schemeClr val="lt1"/>
+      </a:fontRef>
+    </dgm:style>
+  </dgm:styleLbl>
+  <dgm:styleLbl name="parChTrans2D2">
+    <dgm:scene3d>
+      <a:camera prst="orthographicFront"/>
+      <a:lightRig rig="threePt" dir="t"/>
+    </dgm:scene3d>
+    <dgm:sp3d/>
+    <dgm:txPr/>
+    <dgm:style>
+      <a:lnRef idx="2">
+        <a:scrgbClr r="0" g="0" b="0"/>
+      </a:lnRef>
+      <a:fillRef idx="1">
+        <a:scrgbClr r="0" g="0" b="0"/>
+      </a:fillRef>
+      <a:effectRef idx="0">
+        <a:scrgbClr r="0" g="0" b="0"/>
+      </a:effectRef>
+      <a:fontRef idx="minor">
+        <a:schemeClr val="lt1"/>
+      </a:fontRef>
+    </dgm:style>
+  </dgm:styleLbl>
+  <dgm:styleLbl name="parChTrans2D3">
+    <dgm:scene3d>
+      <a:camera prst="orthographicFront"/>
+      <a:lightRig rig="threePt" dir="t"/>
+    </dgm:scene3d>
+    <dgm:sp3d/>
+    <dgm:txPr/>
+    <dgm:style>
+      <a:lnRef idx="2">
+        <a:scrgbClr r="0" g="0" b="0"/>
+      </a:lnRef>
+      <a:fillRef idx="1">
+        <a:scrgbClr r="0" g="0" b="0"/>
+      </a:fillRef>
+      <a:effectRef idx="0">
+        <a:scrgbClr r="0" g="0" b="0"/>
+      </a:effectRef>
+      <a:fontRef idx="minor">
+        <a:schemeClr val="lt1"/>
+      </a:fontRef>
+    </dgm:style>
+  </dgm:styleLbl>
+  <dgm:styleLbl name="parChTrans2D4">
+    <dgm:scene3d>
+      <a:camera prst="orthographicFront"/>
+      <a:lightRig rig="threePt" dir="t"/>
+    </dgm:scene3d>
+    <dgm:sp3d/>
+    <dgm:txPr/>
+    <dgm:style>
+      <a:lnRef idx="2">
+        <a:scrgbClr r="0" g="0" b="0"/>
+      </a:lnRef>
+      <a:fillRef idx="1">
+        <a:scrgbClr r="0" g="0" b="0"/>
+      </a:fillRef>
+      <a:effectRef idx="0">
+        <a:scrgbClr r="0" g="0" b="0"/>
+      </a:effectRef>
+      <a:fontRef idx="minor">
+        <a:schemeClr val="lt1"/>
+      </a:fontRef>
+    </dgm:style>
+  </dgm:styleLbl>
+  <dgm:styleLbl name="parChTrans1D1">
+    <dgm:scene3d>
+      <a:camera prst="orthographicFront"/>
+      <a:lightRig rig="threePt" dir="t"/>
+    </dgm:scene3d>
+    <dgm:sp3d/>
+    <dgm:txPr/>
+    <dgm:style>
+      <a:lnRef idx="2">
+        <a:scrgbClr r="0" g="0" b="0"/>
+      </a:lnRef>
+      <a:fillRef idx="0">
+        <a:scrgbClr r="0" g="0" b="0"/>
+      </a:fillRef>
+      <a:effectRef idx="0">
+        <a:scrgbClr r="0" g="0" b="0"/>
+      </a:effectRef>
+      <a:fontRef idx="minor"/>
+    </dgm:style>
+  </dgm:styleLbl>
+  <dgm:styleLbl name="parChTrans1D2">
+    <dgm:scene3d>
+      <a:camera prst="orthographicFront"/>
+      <a:lightRig rig="threePt" dir="t"/>
+    </dgm:scene3d>
+    <dgm:sp3d/>
+    <dgm:txPr/>
+    <dgm:style>
+      <a:lnRef idx="2">
+        <a:scrgbClr r="0" g="0" b="0"/>
+      </a:lnRef>
+      <a:fillRef idx="0">
+        <a:scrgbClr r="0" g="0" b="0"/>
+      </a:fillRef>
+      <a:effectRef idx="0">
+        <a:scrgbClr r="0" g="0" b="0"/>
+      </a:effectRef>
+      <a:fontRef idx="minor"/>
+    </dgm:style>
+  </dgm:styleLbl>
+  <dgm:styleLbl name="parChTrans1D3">
+    <dgm:scene3d>
+      <a:camera prst="orthographicFront"/>
+      <a:lightRig rig="threePt" dir="t"/>
+    </dgm:scene3d>
+    <dgm:sp3d/>
+    <dgm:txPr/>
+    <dgm:style>
+      <a:lnRef idx="2">
+        <a:scrgbClr r="0" g="0" b="0"/>
+      </a:lnRef>
+      <a:fillRef idx="0">
+        <a:scrgbClr r="0" g="0" b="0"/>
+      </a:fillRef>
+      <a:effectRef idx="0">
+        <a:scrgbClr r="0" g="0" b="0"/>
+      </a:effectRef>
+      <a:fontRef idx="minor"/>
+    </dgm:style>
+  </dgm:styleLbl>
+  <dgm:styleLbl name="parChTrans1D4">
+    <dgm:scene3d>
+      <a:camera prst="orthographicFront"/>
+      <a:lightRig rig="threePt" dir="t"/>
+    </dgm:scene3d>
+    <dgm:sp3d/>
+    <dgm:txPr/>
+    <dgm:style>
+      <a:lnRef idx="2">
+        <a:scrgbClr r="0" g="0" b="0"/>
+      </a:lnRef>
+      <a:fillRef idx="0">
+        <a:scrgbClr r="0" g="0" b="0"/>
+      </a:fillRef>
+      <a:effectRef idx="0">
+        <a:scrgbClr r="0" g="0" b="0"/>
+      </a:effectRef>
+      <a:fontRef idx="minor"/>
+    </dgm:style>
+  </dgm:styleLbl>
+  <dgm:styleLbl name="fgAcc1">
+    <dgm:scene3d>
+      <a:camera prst="orthographicFront"/>
+      <a:lightRig rig="threePt" dir="t"/>
+    </dgm:scene3d>
+    <dgm:sp3d/>
+    <dgm:txPr/>
+    <dgm:style>
+      <a:lnRef idx="2">
+        <a:scrgbClr r="0" g="0" b="0"/>
+      </a:lnRef>
+      <a:fillRef idx="1">
+        <a:scrgbClr r="0" g="0" b="0"/>
+      </a:fillRef>
+      <a:effectRef idx="0">
+        <a:scrgbClr r="0" g="0" b="0"/>
+      </a:effectRef>
+      <a:fontRef idx="minor"/>
+    </dgm:style>
+  </dgm:styleLbl>
+  <dgm:styleLbl name="conFgAcc1">
+    <dgm:scene3d>
+      <a:camera prst="orthographicFront"/>
+      <a:lightRig rig="threePt" dir="t"/>
+    </dgm:scene3d>
+    <dgm:sp3d/>
+    <dgm:txPr/>
+    <dgm:style>
+      <a:lnRef idx="2">
+        <a:scrgbClr r="0" g="0" b="0"/>
+      </a:lnRef>
+      <a:fillRef idx="1">
+        <a:scrgbClr r="0" g="0" b="0"/>
+      </a:fillRef>
+      <a:effectRef idx="0">
+        <a:scrgbClr r="0" g="0" b="0"/>
+      </a:effectRef>
+      <a:fontRef idx="minor"/>
+    </dgm:style>
+  </dgm:styleLbl>
+  <dgm:styleLbl name="alignAcc1">
+    <dgm:scene3d>
+      <a:camera prst="orthographicFront"/>
+      <a:lightRig rig="threePt" dir="t"/>
+    </dgm:scene3d>
+    <dgm:sp3d/>
+    <dgm:txPr/>
+    <dgm:style>
+      <a:lnRef idx="2">
+        <a:scrgbClr r="0" g="0" b="0"/>
+      </a:lnRef>
+      <a:fillRef idx="1">
+        <a:scrgbClr r="0" g="0" b="0"/>
+      </a:fillRef>
+      <a:effectRef idx="0">
+        <a:scrgbClr r="0" g="0" b="0"/>
+      </a:effectRef>
+      <a:fontRef idx="minor"/>
+    </dgm:style>
+  </dgm:styleLbl>
+  <dgm:styleLbl name="trAlignAcc1">
+    <dgm:scene3d>
+      <a:camera prst="orthographicFront"/>
+      <a:lightRig rig="threePt" dir="t"/>
+    </dgm:scene3d>
+    <dgm:sp3d/>
+    <dgm:txPr/>
+    <dgm:style>
+      <a:lnRef idx="1">
+        <a:scrgbClr r="0" g="0" b="0"/>
+      </a:lnRef>
+      <a:fillRef idx="1">
+        <a:scrgbClr r="0" g="0" b="0"/>
+      </a:fillRef>
+      <a:effectRef idx="0">
+        <a:scrgbClr r="0" g="0" b="0"/>
+      </a:effectRef>
+      <a:fontRef idx="minor"/>
+    </dgm:style>
+  </dgm:styleLbl>
+  <dgm:styleLbl name="bgAcc1">
+    <dgm:scene3d>
+      <a:camera prst="orthographicFront"/>
+      <a:lightRig rig="threePt" dir="t"/>
+    </dgm:scene3d>
+    <dgm:sp3d/>
+    <dgm:txPr/>
+    <dgm:style>
+      <a:lnRef idx="2">
+        <a:scrgbClr r="0" g="0" b="0"/>
+      </a:lnRef>
+      <a:fillRef idx="1">
+        <a:scrgbClr r="0" g="0" b="0"/>
+      </a:fillRef>
+      <a:effectRef idx="0">
+        <a:scrgbClr r="0" g="0" b="0"/>
+      </a:effectRef>
+      <a:fontRef idx="minor"/>
+    </dgm:style>
+  </dgm:styleLbl>
+  <dgm:styleLbl name="solidFgAcc1">
+    <dgm:scene3d>
+      <a:camera prst="orthographicFront"/>
+      <a:lightRig rig="threePt" dir="t"/>
+    </dgm:scene3d>
+    <dgm:sp3d/>
+    <dgm:txPr/>
+    <dgm:style>
+      <a:lnRef idx="2">
+        <a:scrgbClr r="0" g="0" b="0"/>
+      </a:lnRef>
+      <a:fillRef idx="1">
+        <a:scrgbClr r="0" g="0" b="0"/>
+      </a:fillRef>
+      <a:effectRef idx="0">
+        <a:scrgbClr r="0" g="0" b="0"/>
+      </a:effectRef>
+      <a:fontRef idx="minor"/>
+    </dgm:style>
+  </dgm:styleLbl>
+  <dgm:styleLbl name="solidAlignAcc1">
+    <dgm:scene3d>
+      <a:camera prst="orthographicFront"/>
+      <a:lightRig rig="threePt" dir="t"/>
+    </dgm:scene3d>
+    <dgm:sp3d/>
+    <dgm:txPr/>
+    <dgm:style>
+      <a:lnRef idx="2">
+        <a:scrgbClr r="0" g="0" b="0"/>
+      </a:lnRef>
+      <a:fillRef idx="1">
+        <a:scrgbClr r="0" g="0" b="0"/>
+      </a:fillRef>
+      <a:effectRef idx="0">
+        <a:scrgbClr r="0" g="0" b="0"/>
+      </a:effectRef>
+      <a:fontRef idx="minor"/>
+    </dgm:style>
+  </dgm:styleLbl>
+  <dgm:styleLbl name="solidBgAcc1">
+    <dgm:scene3d>
+      <a:camera prst="orthographicFront"/>
+      <a:lightRig rig="threePt" dir="t"/>
+    </dgm:scene3d>
+    <dgm:sp3d/>
+    <dgm:txPr/>
+    <dgm:style>
+      <a:lnRef idx="2">
+        <a:scrgbClr r="0" g="0" b="0"/>
+      </a:lnRef>
+      <a:fillRef idx="1">
+        <a:scrgbClr r="0" g="0" b="0"/>
+      </a:fillRef>
+      <a:effectRef idx="0">
+        <a:scrgbClr r="0" g="0" b="0"/>
+      </a:effectRef>
+      <a:fontRef idx="minor"/>
+    </dgm:style>
+  </dgm:styleLbl>
+  <dgm:styleLbl name="fgAccFollowNode1">
+    <dgm:scene3d>
+      <a:camera prst="orthographicFront"/>
+      <a:lightRig rig="threePt" dir="t"/>
+    </dgm:scene3d>
+    <dgm:sp3d/>
+    <dgm:txPr/>
+    <dgm:style>
+      <a:lnRef idx="2">
+        <a:scrgbClr r="0" g="0" b="0"/>
+      </a:lnRef>
+      <a:fillRef idx="1">
+        <a:scrgbClr r="0" g="0" b="0"/>
+      </a:fillRef>
+      <a:effectRef idx="0">
+        <a:scrgbClr r="0" g="0" b="0"/>
+      </a:effectRef>
+      <a:fontRef idx="minor"/>
+    </dgm:style>
+  </dgm:styleLbl>
+  <dgm:styleLbl name="alignAccFollowNode1">
+    <dgm:scene3d>
+      <a:camera prst="orthographicFront"/>
+      <a:lightRig rig="threePt" dir="t"/>
+    </dgm:scene3d>
+    <dgm:sp3d/>
+    <dgm:txPr/>
+    <dgm:style>
+      <a:lnRef idx="2">
+        <a:scrgbClr r="0" g="0" b="0"/>
+      </a:lnRef>
+      <a:fillRef idx="1">
+        <a:scrgbClr r="0" g="0" b="0"/>
+      </a:fillRef>
+      <a:effectRef idx="0">
+        <a:scrgbClr r="0" g="0" b="0"/>
+      </a:effectRef>
+      <a:fontRef idx="minor"/>
+    </dgm:style>
+  </dgm:styleLbl>
+  <dgm:styleLbl name="bgAccFollowNode1">
+    <dgm:scene3d>
+      <a:camera prst="orthographicFront"/>
+      <a:lightRig rig="threePt" dir="t"/>
+    </dgm:scene3d>
+    <dgm:sp3d/>
+    <dgm:txPr/>
+    <dgm:style>
+      <a:lnRef idx="2">
+        <a:scrgbClr r="0" g="0" b="0"/>
+      </a:lnRef>
+      <a:fillRef idx="1">
+        <a:scrgbClr r="0" g="0" b="0"/>
+      </a:fillRef>
+      <a:effectRef idx="0">
+        <a:scrgbClr r="0" g="0" b="0"/>
+      </a:effectRef>
+      <a:fontRef idx="minor"/>
+    </dgm:style>
+  </dgm:styleLbl>
+  <dgm:styleLbl name="fgAcc0">
+    <dgm:scene3d>
+      <a:camera prst="orthographicFront"/>
+      <a:lightRig rig="threePt" dir="t"/>
+    </dgm:scene3d>
+    <dgm:sp3d/>
+    <dgm:txPr/>
+    <dgm:style>
+      <a:lnRef idx="2">
+        <a:scrgbClr r="0" g="0" b="0"/>
+      </a:lnRef>
+      <a:fillRef idx="1">
+        <a:scrgbClr r="0" g="0" b="0"/>
+      </a:fillRef>
+      <a:effectRef idx="0">
+        <a:scrgbClr r="0" g="0" b="0"/>
+      </a:effectRef>
+      <a:fontRef idx="minor"/>
+    </dgm:style>
+  </dgm:styleLbl>
+  <dgm:styleLbl name="fgAcc2">
+    <dgm:scene3d>
+      <a:camera prst="orthographicFront"/>
+      <a:lightRig rig="threePt" dir="t"/>
+    </dgm:scene3d>
+    <dgm:sp3d/>
+    <dgm:txPr/>
+    <dgm:style>
+      <a:lnRef idx="2">
+        <a:scrgbClr r="0" g="0" b="0"/>
+      </a:lnRef>
+      <a:fillRef idx="1">
+        <a:scrgbClr r="0" g="0" b="0"/>
+      </a:fillRef>
+      <a:effectRef idx="0">
+        <a:scrgbClr r="0" g="0" b="0"/>
+      </a:effectRef>
+      <a:fontRef idx="minor"/>
+    </dgm:style>
+  </dgm:styleLbl>
+  <dgm:styleLbl name="fgAcc3">
+    <dgm:scene3d>
+      <a:camera prst="orthographicFront"/>
+      <a:lightRig rig="threePt" dir="t"/>
+    </dgm:scene3d>
+    <dgm:sp3d/>
+    <dgm:txPr/>
+    <dgm:style>
+      <a:lnRef idx="2">
+        <a:scrgbClr r="0" g="0" b="0"/>
+      </a:lnRef>
+      <a:fillRef idx="1">
+        <a:scrgbClr r="0" g="0" b="0"/>
+      </a:fillRef>
+      <a:effectRef idx="0">
+        <a:scrgbClr r="0" g="0" b="0"/>
+      </a:effectRef>
+      <a:fontRef idx="minor"/>
+    </dgm:style>
+  </dgm:styleLbl>
+  <dgm:styleLbl name="fgAcc4">
+    <dgm:scene3d>
+      <a:camera prst="orthographicFront"/>
+      <a:lightRig rig="threePt" dir="t"/>
+    </dgm:scene3d>
+    <dgm:sp3d/>
+    <dgm:txPr/>
+    <dgm:style>
+      <a:lnRef idx="2">
+        <a:scrgbClr r="0" g="0" b="0"/>
+      </a:lnRef>
+      <a:fillRef idx="1">
+        <a:scrgbClr r="0" g="0" b="0"/>
+      </a:fillRef>
+      <a:effectRef idx="0">
+        <a:scrgbClr r="0" g="0" b="0"/>
+      </a:effectRef>
+      <a:fontRef idx="minor"/>
+    </dgm:style>
+  </dgm:styleLbl>
+  <dgm:styleLbl name="bgShp">
+    <dgm:scene3d>
+      <a:camera prst="orthographicFront"/>
+      <a:lightRig rig="threePt" dir="t"/>
+    </dgm:scene3d>
+    <dgm:sp3d/>
+    <dgm:txPr/>
+    <dgm:style>
+      <a:lnRef idx="0">
+        <a:scrgbClr r="0" g="0" b="0"/>
+      </a:lnRef>
+      <a:fillRef idx="1">
+        <a:scrgbClr r="0" g="0" b="0"/>
+      </a:fillRef>
+      <a:effectRef idx="0">
+        <a:scrgbClr r="0" g="0" b="0"/>
+      </a:effectRef>
+      <a:fontRef idx="minor"/>
+    </dgm:style>
+  </dgm:styleLbl>
+  <dgm:styleLbl name="dkBgShp">
+    <dgm:scene3d>
+      <a:camera prst="orthographicFront"/>
+      <a:lightRig rig="threePt" dir="t"/>
+    </dgm:scene3d>
+    <dgm:sp3d/>
+    <dgm:txPr/>
+    <dgm:style>
+      <a:lnRef idx="0">
+        <a:scrgbClr r="0" g="0" b="0"/>
+      </a:lnRef>
+      <a:fillRef idx="1">
+        <a:scrgbClr r="0" g="0" b="0"/>
+      </a:fillRef>
+      <a:effectRef idx="0">
+        <a:scrgbClr r="0" g="0" b="0"/>
+      </a:effectRef>
+      <a:fontRef idx="minor"/>
+    </dgm:style>
+  </dgm:styleLbl>
+  <dgm:styleLbl name="trBgShp">
+    <dgm:scene3d>
+      <a:camera prst="orthographicFront"/>
+      <a:lightRig rig="threePt" dir="t"/>
+    </dgm:scene3d>
+    <dgm:sp3d/>
+    <dgm:txPr/>
+    <dgm:style>
+      <a:lnRef idx="0">
+        <a:scrgbClr r="0" g="0" b="0"/>
+      </a:lnRef>
+      <a:fillRef idx="1">
+        <a:scrgbClr r="0" g="0" b="0"/>
+      </a:fillRef>
+      <a:effectRef idx="0">
+        <a:scrgbClr r="0" g="0" b="0"/>
+      </a:effectRef>
+      <a:fontRef idx="minor"/>
+    </dgm:style>
+  </dgm:styleLbl>
+  <dgm:styleLbl name="fgShp">
+    <dgm:scene3d>
+      <a:camera prst="orthographicFront"/>
+      <a:lightRig rig="threePt" dir="t"/>
+    </dgm:scene3d>
+    <dgm:sp3d/>
+    <dgm:txPr/>
+    <dgm:style>
+      <a:lnRef idx="2">
+        <a:scrgbClr r="0" g="0" b="0"/>
+      </a:lnRef>
+      <a:fillRef idx="1">
+        <a:scrgbClr r="0" g="0" b="0"/>
+      </a:fillRef>
+      <a:effectRef idx="0">
+        <a:scrgbClr r="0" g="0" b="0"/>
+      </a:effectRef>
+      <a:fontRef idx="minor"/>
+    </dgm:style>
+  </dgm:styleLbl>
+  <dgm:styleLbl name="revTx">
+    <dgm:scene3d>
+      <a:camera prst="orthographicFront"/>
+      <a:lightRig rig="threePt" dir="t"/>
+    </dgm:scene3d>
+    <dgm:sp3d/>
+    <dgm:txPr/>
+    <dgm:style>
+      <a:lnRef idx="0">
+        <a:scrgbClr r="0" g="0" b="0"/>
+      </a:lnRef>
+      <a:fillRef idx="0">
+        <a:scrgbClr r="0" g="0" b="0"/>
+      </a:fillRef>
+      <a:effectRef idx="0">
+        <a:scrgbClr r="0" g="0" b="0"/>
+      </a:effectRef>
+      <a:fontRef idx="minor"/>
+    </dgm:style>
+  </dgm:styleLbl>
+</dgm:styleDef>
+</file>
+
 <file path=ppt/slideLayouts/slideLayout1.xml><?xml version="1.0" encoding="utf-8"?>
 <p:sldLayout xmlns:a="http://schemas.openxmlformats.org/drawingml/2006/main" xmlns:r="http://schemas.openxmlformats.org/officeDocument/2006/relationships" xmlns:p="http://schemas.openxmlformats.org/presentationml/2006/main" showMasterSp="0" type="title" preserve="1">
   <p:cSld name="Titelfolie">
@@ -517,7 +3525,7 @@
           <a:noFill/>
           <a:extLst>
             <a:ext uri="{909E8E84-426E-40dd-AFC4-6F175D3DCCD1}">
-              <a14:hiddenFill xmlns:a14="http://schemas.microsoft.com/office/drawing/2010/main" xmlns="">
+              <a14:hiddenFill xmlns="" xmlns:a14="http://schemas.microsoft.com/office/drawing/2010/main">
                 <a:solidFill>
                   <a:srgbClr val="FFFFFF"/>
                 </a:solidFill>
@@ -576,7 +3584,7 @@
             </a:ln>
             <a:extLst>
               <a:ext uri="{91240B29-F687-4f45-9708-019B960494DF}">
-                <a14:hiddenLine xmlns:a14="http://schemas.microsoft.com/office/drawing/2010/main" xmlns="" w="9525">
+                <a14:hiddenLine xmlns="" xmlns:a14="http://schemas.microsoft.com/office/drawing/2010/main" w="9525">
                   <a:solidFill>
                     <a:srgbClr val="000000"/>
                   </a:solidFill>
@@ -666,7 +3674,7 @@
             </a:ln>
             <a:extLst>
               <a:ext uri="{91240B29-F687-4f45-9708-019B960494DF}">
-                <a14:hiddenLine xmlns:a14="http://schemas.microsoft.com/office/drawing/2010/main" xmlns="" w="9525">
+                <a14:hiddenLine xmlns="" xmlns:a14="http://schemas.microsoft.com/office/drawing/2010/main" w="9525">
                   <a:solidFill>
                     <a:srgbClr val="000000"/>
                   </a:solidFill>
@@ -756,7 +3764,7 @@
             </a:ln>
             <a:extLst>
               <a:ext uri="{91240B29-F687-4f45-9708-019B960494DF}">
-                <a14:hiddenLine xmlns:a14="http://schemas.microsoft.com/office/drawing/2010/main" xmlns="" w="9525">
+                <a14:hiddenLine xmlns="" xmlns:a14="http://schemas.microsoft.com/office/drawing/2010/main" w="9525">
                   <a:solidFill>
                     <a:srgbClr val="000000"/>
                   </a:solidFill>
@@ -790,7 +3798,7 @@
             </a:ln>
             <a:extLst>
               <a:ext uri="{91240B29-F687-4f45-9708-019B960494DF}">
-                <a14:hiddenLine xmlns:a14="http://schemas.microsoft.com/office/drawing/2010/main" xmlns="" w="9525">
+                <a14:hiddenLine xmlns="" xmlns:a14="http://schemas.microsoft.com/office/drawing/2010/main" w="9525">
                   <a:solidFill>
                     <a:srgbClr val="000000"/>
                   </a:solidFill>
@@ -880,7 +3888,7 @@
             </a:ln>
             <a:extLst>
               <a:ext uri="{91240B29-F687-4f45-9708-019B960494DF}">
-                <a14:hiddenLine xmlns:a14="http://schemas.microsoft.com/office/drawing/2010/main" xmlns="" w="9525">
+                <a14:hiddenLine xmlns="" xmlns:a14="http://schemas.microsoft.com/office/drawing/2010/main" w="9525">
                   <a:solidFill>
                     <a:srgbClr val="000000"/>
                   </a:solidFill>
@@ -942,7 +3950,7 @@
             </a:ln>
             <a:extLst>
               <a:ext uri="{91240B29-F687-4f45-9708-019B960494DF}">
-                <a14:hiddenLine xmlns:a14="http://schemas.microsoft.com/office/drawing/2010/main" xmlns="" w="9525">
+                <a14:hiddenLine xmlns="" xmlns:a14="http://schemas.microsoft.com/office/drawing/2010/main" w="9525">
                   <a:solidFill>
                     <a:srgbClr val="000000"/>
                   </a:solidFill>
@@ -1004,7 +4012,7 @@
             </a:ln>
             <a:extLst>
               <a:ext uri="{91240B29-F687-4f45-9708-019B960494DF}">
-                <a14:hiddenLine xmlns:a14="http://schemas.microsoft.com/office/drawing/2010/main" xmlns="" w="9525">
+                <a14:hiddenLine xmlns="" xmlns:a14="http://schemas.microsoft.com/office/drawing/2010/main" w="9525">
                   <a:solidFill>
                     <a:srgbClr val="000000"/>
                   </a:solidFill>
@@ -1094,7 +4102,7 @@
             </a:ln>
             <a:extLst>
               <a:ext uri="{91240B29-F687-4f45-9708-019B960494DF}">
-                <a14:hiddenLine xmlns:a14="http://schemas.microsoft.com/office/drawing/2010/main" xmlns="" w="9525">
+                <a14:hiddenLine xmlns="" xmlns:a14="http://schemas.microsoft.com/office/drawing/2010/main" w="9525">
                   <a:solidFill>
                     <a:srgbClr val="000000"/>
                   </a:solidFill>
@@ -1156,7 +4164,7 @@
             </a:ln>
             <a:extLst>
               <a:ext uri="{91240B29-F687-4f45-9708-019B960494DF}">
-                <a14:hiddenLine xmlns:a14="http://schemas.microsoft.com/office/drawing/2010/main" xmlns="" w="9525">
+                <a14:hiddenLine xmlns="" xmlns:a14="http://schemas.microsoft.com/office/drawing/2010/main" w="9525">
                   <a:solidFill>
                     <a:srgbClr val="000000"/>
                   </a:solidFill>
@@ -1218,7 +4226,7 @@
             </a:ln>
             <a:extLst>
               <a:ext uri="{91240B29-F687-4f45-9708-019B960494DF}">
-                <a14:hiddenLine xmlns:a14="http://schemas.microsoft.com/office/drawing/2010/main" xmlns="" w="9525">
+                <a14:hiddenLine xmlns="" xmlns:a14="http://schemas.microsoft.com/office/drawing/2010/main" w="9525">
                   <a:solidFill>
                     <a:srgbClr val="000000"/>
                   </a:solidFill>
@@ -1308,7 +4316,7 @@
             </a:ln>
             <a:extLst>
               <a:ext uri="{91240B29-F687-4f45-9708-019B960494DF}">
-                <a14:hiddenLine xmlns:a14="http://schemas.microsoft.com/office/drawing/2010/main" xmlns="" w="9525">
+                <a14:hiddenLine xmlns="" xmlns:a14="http://schemas.microsoft.com/office/drawing/2010/main" w="9525">
                   <a:solidFill>
                     <a:srgbClr val="000000"/>
                   </a:solidFill>
@@ -1398,7 +4406,7 @@
             </a:ln>
             <a:extLst>
               <a:ext uri="{91240B29-F687-4f45-9708-019B960494DF}">
-                <a14:hiddenLine xmlns:a14="http://schemas.microsoft.com/office/drawing/2010/main" xmlns="" w="9525">
+                <a14:hiddenLine xmlns="" xmlns:a14="http://schemas.microsoft.com/office/drawing/2010/main" w="9525">
                   <a:solidFill>
                     <a:srgbClr val="000000"/>
                   </a:solidFill>
@@ -1460,7 +4468,7 @@
             </a:ln>
             <a:extLst>
               <a:ext uri="{91240B29-F687-4f45-9708-019B960494DF}">
-                <a14:hiddenLine xmlns:a14="http://schemas.microsoft.com/office/drawing/2010/main" xmlns="" w="9525">
+                <a14:hiddenLine xmlns="" xmlns:a14="http://schemas.microsoft.com/office/drawing/2010/main" w="9525">
                   <a:solidFill>
                     <a:srgbClr val="000000"/>
                   </a:solidFill>
@@ -1570,7 +4578,7 @@
             </a:ln>
             <a:extLst>
               <a:ext uri="{91240B29-F687-4f45-9708-019B960494DF}">
-                <a14:hiddenLine xmlns:a14="http://schemas.microsoft.com/office/drawing/2010/main" xmlns="" w="9525">
+                <a14:hiddenLine xmlns="" xmlns:a14="http://schemas.microsoft.com/office/drawing/2010/main" w="9525">
                   <a:solidFill>
                     <a:srgbClr val="000000"/>
                   </a:solidFill>
@@ -1632,7 +4640,7 @@
             </a:ln>
             <a:extLst>
               <a:ext uri="{91240B29-F687-4f45-9708-019B960494DF}">
-                <a14:hiddenLine xmlns:a14="http://schemas.microsoft.com/office/drawing/2010/main" xmlns="" w="9525">
+                <a14:hiddenLine xmlns="" xmlns:a14="http://schemas.microsoft.com/office/drawing/2010/main" w="9525">
                   <a:solidFill>
                     <a:srgbClr val="000000"/>
                   </a:solidFill>
@@ -1722,7 +4730,7 @@
             </a:ln>
             <a:extLst>
               <a:ext uri="{91240B29-F687-4f45-9708-019B960494DF}">
-                <a14:hiddenLine xmlns:a14="http://schemas.microsoft.com/office/drawing/2010/main" xmlns="" w="9525">
+                <a14:hiddenLine xmlns="" xmlns:a14="http://schemas.microsoft.com/office/drawing/2010/main" w="9525">
                   <a:solidFill>
                     <a:srgbClr val="000000"/>
                   </a:solidFill>
@@ -1812,7 +4820,7 @@
             </a:ln>
             <a:extLst>
               <a:ext uri="{91240B29-F687-4f45-9708-019B960494DF}">
-                <a14:hiddenLine xmlns:a14="http://schemas.microsoft.com/office/drawing/2010/main" xmlns="" w="9525">
+                <a14:hiddenLine xmlns="" xmlns:a14="http://schemas.microsoft.com/office/drawing/2010/main" w="9525">
                   <a:solidFill>
                     <a:srgbClr val="000000"/>
                   </a:solidFill>
@@ -1874,7 +4882,7 @@
             </a:ln>
             <a:extLst>
               <a:ext uri="{91240B29-F687-4f45-9708-019B960494DF}">
-                <a14:hiddenLine xmlns:a14="http://schemas.microsoft.com/office/drawing/2010/main" xmlns="" w="9525">
+                <a14:hiddenLine xmlns="" xmlns:a14="http://schemas.microsoft.com/office/drawing/2010/main" w="9525">
                   <a:solidFill>
                     <a:srgbClr val="000000"/>
                   </a:solidFill>
@@ -1964,7 +4972,7 @@
             </a:ln>
             <a:extLst>
               <a:ext uri="{91240B29-F687-4f45-9708-019B960494DF}">
-                <a14:hiddenLine xmlns:a14="http://schemas.microsoft.com/office/drawing/2010/main" xmlns="" w="9525">
+                <a14:hiddenLine xmlns="" xmlns:a14="http://schemas.microsoft.com/office/drawing/2010/main" w="9525">
                   <a:solidFill>
                     <a:srgbClr val="000000"/>
                   </a:solidFill>
@@ -2054,7 +5062,7 @@
             </a:ln>
             <a:extLst>
               <a:ext uri="{91240B29-F687-4f45-9708-019B960494DF}">
-                <a14:hiddenLine xmlns:a14="http://schemas.microsoft.com/office/drawing/2010/main" xmlns="" w="9525">
+                <a14:hiddenLine xmlns="" xmlns:a14="http://schemas.microsoft.com/office/drawing/2010/main" w="9525">
                   <a:solidFill>
                     <a:srgbClr val="000000"/>
                   </a:solidFill>
@@ -2110,7 +5118,7 @@
             </a:ln>
             <a:extLst>
               <a:ext uri="{91240B29-F687-4f45-9708-019B960494DF}">
-                <a14:hiddenLine xmlns:a14="http://schemas.microsoft.com/office/drawing/2010/main" xmlns="" w="9525">
+                <a14:hiddenLine xmlns="" xmlns:a14="http://schemas.microsoft.com/office/drawing/2010/main" w="9525">
                   <a:solidFill>
                     <a:srgbClr val="000000"/>
                   </a:solidFill>
@@ -2200,7 +5208,7 @@
             </a:ln>
             <a:extLst>
               <a:ext uri="{91240B29-F687-4f45-9708-019B960494DF}">
-                <a14:hiddenLine xmlns:a14="http://schemas.microsoft.com/office/drawing/2010/main" xmlns="" w="9525">
+                <a14:hiddenLine xmlns="" xmlns:a14="http://schemas.microsoft.com/office/drawing/2010/main" w="9525">
                   <a:solidFill>
                     <a:srgbClr val="000000"/>
                   </a:solidFill>
@@ -2256,7 +5264,7 @@
             </a:ln>
             <a:extLst>
               <a:ext uri="{91240B29-F687-4f45-9708-019B960494DF}">
-                <a14:hiddenLine xmlns:a14="http://schemas.microsoft.com/office/drawing/2010/main" xmlns="" w="9525">
+                <a14:hiddenLine xmlns="" xmlns:a14="http://schemas.microsoft.com/office/drawing/2010/main" w="9525">
                   <a:solidFill>
                     <a:srgbClr val="000000"/>
                   </a:solidFill>
@@ -2346,7 +5354,7 @@
             </a:ln>
             <a:extLst>
               <a:ext uri="{91240B29-F687-4f45-9708-019B960494DF}">
-                <a14:hiddenLine xmlns:a14="http://schemas.microsoft.com/office/drawing/2010/main" xmlns="" w="9525">
+                <a14:hiddenLine xmlns="" xmlns:a14="http://schemas.microsoft.com/office/drawing/2010/main" w="9525">
                   <a:solidFill>
                     <a:srgbClr val="000000"/>
                   </a:solidFill>
@@ -2414,7 +5422,7 @@
             </a:ln>
             <a:extLst>
               <a:ext uri="{91240B29-F687-4f45-9708-019B960494DF}">
-                <a14:hiddenLine xmlns:a14="http://schemas.microsoft.com/office/drawing/2010/main" xmlns="" w="9525">
+                <a14:hiddenLine xmlns="" xmlns:a14="http://schemas.microsoft.com/office/drawing/2010/main" w="9525">
                   <a:solidFill>
                     <a:srgbClr val="000000"/>
                   </a:solidFill>
@@ -2504,7 +5512,7 @@
             </a:ln>
             <a:extLst>
               <a:ext uri="{91240B29-F687-4f45-9708-019B960494DF}">
-                <a14:hiddenLine xmlns:a14="http://schemas.microsoft.com/office/drawing/2010/main" xmlns="" w="9525">
+                <a14:hiddenLine xmlns="" xmlns:a14="http://schemas.microsoft.com/office/drawing/2010/main" w="9525">
                   <a:solidFill>
                     <a:srgbClr val="000000"/>
                   </a:solidFill>
@@ -2572,7 +5580,7 @@
             </a:ln>
             <a:extLst>
               <a:ext uri="{91240B29-F687-4f45-9708-019B960494DF}">
-                <a14:hiddenLine xmlns:a14="http://schemas.microsoft.com/office/drawing/2010/main" xmlns="" w="9525">
+                <a14:hiddenLine xmlns="" xmlns:a14="http://schemas.microsoft.com/office/drawing/2010/main" w="9525">
                   <a:solidFill>
                     <a:srgbClr val="000000"/>
                   </a:solidFill>
@@ -2662,7 +5670,7 @@
             </a:ln>
             <a:extLst>
               <a:ext uri="{91240B29-F687-4f45-9708-019B960494DF}">
-                <a14:hiddenLine xmlns:a14="http://schemas.microsoft.com/office/drawing/2010/main" xmlns="" w="9525">
+                <a14:hiddenLine xmlns="" xmlns:a14="http://schemas.microsoft.com/office/drawing/2010/main" w="9525">
                   <a:solidFill>
                     <a:srgbClr val="000000"/>
                   </a:solidFill>
@@ -2696,7 +5704,7 @@
             </a:ln>
             <a:extLst>
               <a:ext uri="{91240B29-F687-4f45-9708-019B960494DF}">
-                <a14:hiddenLine xmlns:a14="http://schemas.microsoft.com/office/drawing/2010/main" xmlns="" w="9525">
+                <a14:hiddenLine xmlns="" xmlns:a14="http://schemas.microsoft.com/office/drawing/2010/main" w="9525">
                   <a:solidFill>
                     <a:srgbClr val="000000"/>
                   </a:solidFill>
@@ -2786,7 +5794,7 @@
             </a:ln>
             <a:extLst>
               <a:ext uri="{91240B29-F687-4f45-9708-019B960494DF}">
-                <a14:hiddenLine xmlns:a14="http://schemas.microsoft.com/office/drawing/2010/main" xmlns="" w="9525">
+                <a14:hiddenLine xmlns="" xmlns:a14="http://schemas.microsoft.com/office/drawing/2010/main" w="9525">
                   <a:solidFill>
                     <a:srgbClr val="000000"/>
                   </a:solidFill>
@@ -2848,7 +5856,7 @@
             </a:ln>
             <a:extLst>
               <a:ext uri="{91240B29-F687-4f45-9708-019B960494DF}">
-                <a14:hiddenLine xmlns:a14="http://schemas.microsoft.com/office/drawing/2010/main" xmlns="" w="9525">
+                <a14:hiddenLine xmlns="" xmlns:a14="http://schemas.microsoft.com/office/drawing/2010/main" w="9525">
                   <a:solidFill>
                     <a:srgbClr val="000000"/>
                   </a:solidFill>
@@ -2910,7 +5918,7 @@
             </a:ln>
             <a:extLst>
               <a:ext uri="{91240B29-F687-4f45-9708-019B960494DF}">
-                <a14:hiddenLine xmlns:a14="http://schemas.microsoft.com/office/drawing/2010/main" xmlns="" w="9525">
+                <a14:hiddenLine xmlns="" xmlns:a14="http://schemas.microsoft.com/office/drawing/2010/main" w="9525">
                   <a:solidFill>
                     <a:srgbClr val="000000"/>
                   </a:solidFill>
@@ -3000,7 +6008,7 @@
             </a:ln>
             <a:extLst>
               <a:ext uri="{91240B29-F687-4f45-9708-019B960494DF}">
-                <a14:hiddenLine xmlns:a14="http://schemas.microsoft.com/office/drawing/2010/main" xmlns="" w="9525">
+                <a14:hiddenLine xmlns="" xmlns:a14="http://schemas.microsoft.com/office/drawing/2010/main" w="9525">
                   <a:solidFill>
                     <a:srgbClr val="000000"/>
                   </a:solidFill>
@@ -3068,7 +6076,7 @@
             </a:ln>
             <a:extLst>
               <a:ext uri="{91240B29-F687-4f45-9708-019B960494DF}">
-                <a14:hiddenLine xmlns:a14="http://schemas.microsoft.com/office/drawing/2010/main" xmlns="" w="9525">
+                <a14:hiddenLine xmlns="" xmlns:a14="http://schemas.microsoft.com/office/drawing/2010/main" w="9525">
                   <a:solidFill>
                     <a:srgbClr val="000000"/>
                   </a:solidFill>
@@ -3130,7 +6138,7 @@
             </a:ln>
             <a:extLst>
               <a:ext uri="{91240B29-F687-4f45-9708-019B960494DF}">
-                <a14:hiddenLine xmlns:a14="http://schemas.microsoft.com/office/drawing/2010/main" xmlns="" w="9525">
+                <a14:hiddenLine xmlns="" xmlns:a14="http://schemas.microsoft.com/office/drawing/2010/main" w="9525">
                   <a:solidFill>
                     <a:srgbClr val="000000"/>
                   </a:solidFill>
@@ -3220,7 +6228,7 @@
             </a:ln>
             <a:extLst>
               <a:ext uri="{91240B29-F687-4f45-9708-019B960494DF}">
-                <a14:hiddenLine xmlns:a14="http://schemas.microsoft.com/office/drawing/2010/main" xmlns="" w="9525">
+                <a14:hiddenLine xmlns="" xmlns:a14="http://schemas.microsoft.com/office/drawing/2010/main" w="9525">
                   <a:solidFill>
                     <a:srgbClr val="000000"/>
                   </a:solidFill>
@@ -3282,7 +6290,7 @@
             </a:ln>
             <a:extLst>
               <a:ext uri="{91240B29-F687-4f45-9708-019B960494DF}">
-                <a14:hiddenLine xmlns:a14="http://schemas.microsoft.com/office/drawing/2010/main" xmlns="" w="9525">
+                <a14:hiddenLine xmlns="" xmlns:a14="http://schemas.microsoft.com/office/drawing/2010/main" w="9525">
                   <a:solidFill>
                     <a:srgbClr val="000000"/>
                   </a:solidFill>
@@ -3372,7 +6380,7 @@
             </a:ln>
             <a:extLst>
               <a:ext uri="{91240B29-F687-4f45-9708-019B960494DF}">
-                <a14:hiddenLine xmlns:a14="http://schemas.microsoft.com/office/drawing/2010/main" xmlns="" w="9525">
+                <a14:hiddenLine xmlns="" xmlns:a14="http://schemas.microsoft.com/office/drawing/2010/main" w="9525">
                   <a:solidFill>
                     <a:srgbClr val="000000"/>
                   </a:solidFill>
@@ -3434,7 +6442,7 @@
             </a:ln>
             <a:extLst>
               <a:ext uri="{91240B29-F687-4f45-9708-019B960494DF}">
-                <a14:hiddenLine xmlns:a14="http://schemas.microsoft.com/office/drawing/2010/main" xmlns="" w="9525">
+                <a14:hiddenLine xmlns="" xmlns:a14="http://schemas.microsoft.com/office/drawing/2010/main" w="9525">
                   <a:solidFill>
                     <a:srgbClr val="000000"/>
                   </a:solidFill>
@@ -3524,7 +6532,7 @@
             </a:ln>
             <a:extLst>
               <a:ext uri="{91240B29-F687-4f45-9708-019B960494DF}">
-                <a14:hiddenLine xmlns:a14="http://schemas.microsoft.com/office/drawing/2010/main" xmlns="" w="9525">
+                <a14:hiddenLine xmlns="" xmlns:a14="http://schemas.microsoft.com/office/drawing/2010/main" w="9525">
                   <a:solidFill>
                     <a:srgbClr val="000000"/>
                   </a:solidFill>
@@ -3558,7 +6566,7 @@
             </a:ln>
             <a:extLst>
               <a:ext uri="{91240B29-F687-4f45-9708-019B960494DF}">
-                <a14:hiddenLine xmlns:a14="http://schemas.microsoft.com/office/drawing/2010/main" xmlns="" w="9525">
+                <a14:hiddenLine xmlns="" xmlns:a14="http://schemas.microsoft.com/office/drawing/2010/main" w="9525">
                   <a:solidFill>
                     <a:srgbClr val="000000"/>
                   </a:solidFill>
@@ -3623,7 +6631,7 @@
             </a:ln>
             <a:extLst>
               <a:ext uri="{91240B29-F687-4f45-9708-019B960494DF}">
-                <a14:hiddenLine xmlns:a14="http://schemas.microsoft.com/office/drawing/2010/main" xmlns="" w="9525">
+                <a14:hiddenLine xmlns="" xmlns:a14="http://schemas.microsoft.com/office/drawing/2010/main" w="9525">
                   <a:solidFill>
                     <a:srgbClr val="000000"/>
                   </a:solidFill>
@@ -3713,7 +6721,7 @@
             </a:ln>
             <a:extLst>
               <a:ext uri="{91240B29-F687-4f45-9708-019B960494DF}">
-                <a14:hiddenLine xmlns:a14="http://schemas.microsoft.com/office/drawing/2010/main" xmlns="" w="9525">
+                <a14:hiddenLine xmlns="" xmlns:a14="http://schemas.microsoft.com/office/drawing/2010/main" w="9525">
                   <a:solidFill>
                     <a:srgbClr val="000000"/>
                   </a:solidFill>
@@ -3775,7 +6783,7 @@
             </a:ln>
             <a:extLst>
               <a:ext uri="{91240B29-F687-4f45-9708-019B960494DF}">
-                <a14:hiddenLine xmlns:a14="http://schemas.microsoft.com/office/drawing/2010/main" xmlns="" w="9525">
+                <a14:hiddenLine xmlns="" xmlns:a14="http://schemas.microsoft.com/office/drawing/2010/main" w="9525">
                   <a:solidFill>
                     <a:srgbClr val="000000"/>
                   </a:solidFill>
@@ -3865,7 +6873,7 @@
             </a:ln>
             <a:extLst>
               <a:ext uri="{91240B29-F687-4f45-9708-019B960494DF}">
-                <a14:hiddenLine xmlns:a14="http://schemas.microsoft.com/office/drawing/2010/main" xmlns="" w="9525">
+                <a14:hiddenLine xmlns="" xmlns:a14="http://schemas.microsoft.com/office/drawing/2010/main" w="9525">
                   <a:solidFill>
                     <a:srgbClr val="000000"/>
                   </a:solidFill>
@@ -3955,7 +6963,7 @@
             </a:ln>
             <a:extLst>
               <a:ext uri="{91240B29-F687-4f45-9708-019B960494DF}">
-                <a14:hiddenLine xmlns:a14="http://schemas.microsoft.com/office/drawing/2010/main" xmlns="" w="9525">
+                <a14:hiddenLine xmlns="" xmlns:a14="http://schemas.microsoft.com/office/drawing/2010/main" w="9525">
                   <a:solidFill>
                     <a:srgbClr val="000000"/>
                   </a:solidFill>
@@ -4020,7 +7028,7 @@
             </a:ln>
             <a:extLst>
               <a:ext uri="{91240B29-F687-4f45-9708-019B960494DF}">
-                <a14:hiddenLine xmlns:a14="http://schemas.microsoft.com/office/drawing/2010/main" xmlns="" w="9525">
+                <a14:hiddenLine xmlns="" xmlns:a14="http://schemas.microsoft.com/office/drawing/2010/main" w="9525">
                   <a:solidFill>
                     <a:srgbClr val="000000"/>
                   </a:solidFill>
@@ -4082,7 +7090,7 @@
             </a:ln>
             <a:extLst>
               <a:ext uri="{91240B29-F687-4f45-9708-019B960494DF}">
-                <a14:hiddenLine xmlns:a14="http://schemas.microsoft.com/office/drawing/2010/main" xmlns="" w="9525">
+                <a14:hiddenLine xmlns="" xmlns:a14="http://schemas.microsoft.com/office/drawing/2010/main" w="9525">
                   <a:solidFill>
                     <a:srgbClr val="000000"/>
                   </a:solidFill>
@@ -4172,7 +7180,7 @@
             </a:ln>
             <a:extLst>
               <a:ext uri="{91240B29-F687-4f45-9708-019B960494DF}">
-                <a14:hiddenLine xmlns:a14="http://schemas.microsoft.com/office/drawing/2010/main" xmlns="" w="9525">
+                <a14:hiddenLine xmlns="" xmlns:a14="http://schemas.microsoft.com/office/drawing/2010/main" w="9525">
                   <a:solidFill>
                     <a:srgbClr val="000000"/>
                   </a:solidFill>
@@ -4262,7 +7270,7 @@
             </a:ln>
             <a:extLst>
               <a:ext uri="{91240B29-F687-4f45-9708-019B960494DF}">
-                <a14:hiddenLine xmlns:a14="http://schemas.microsoft.com/office/drawing/2010/main" xmlns="" w="9525">
+                <a14:hiddenLine xmlns="" xmlns:a14="http://schemas.microsoft.com/office/drawing/2010/main" w="9525">
                   <a:solidFill>
                     <a:srgbClr val="000000"/>
                   </a:solidFill>
@@ -4324,7 +7332,7 @@
             </a:ln>
             <a:extLst>
               <a:ext uri="{91240B29-F687-4f45-9708-019B960494DF}">
-                <a14:hiddenLine xmlns:a14="http://schemas.microsoft.com/office/drawing/2010/main" xmlns="" w="9525">
+                <a14:hiddenLine xmlns="" xmlns:a14="http://schemas.microsoft.com/office/drawing/2010/main" w="9525">
                   <a:solidFill>
                     <a:srgbClr val="000000"/>
                   </a:solidFill>
@@ -4444,7 +7452,7 @@
             </a:ln>
             <a:extLst>
               <a:ext uri="{91240B29-F687-4f45-9708-019B960494DF}">
-                <a14:hiddenLine xmlns:a14="http://schemas.microsoft.com/office/drawing/2010/main" xmlns="" w="9525">
+                <a14:hiddenLine xmlns="" xmlns:a14="http://schemas.microsoft.com/office/drawing/2010/main" w="9525">
                   <a:solidFill>
                     <a:srgbClr val="000000"/>
                   </a:solidFill>
@@ -4512,7 +7520,7 @@
             </a:ln>
             <a:extLst>
               <a:ext uri="{91240B29-F687-4f45-9708-019B960494DF}">
-                <a14:hiddenLine xmlns:a14="http://schemas.microsoft.com/office/drawing/2010/main" xmlns="" w="9525">
+                <a14:hiddenLine xmlns="" xmlns:a14="http://schemas.microsoft.com/office/drawing/2010/main" w="9525">
                   <a:solidFill>
                     <a:srgbClr val="000000"/>
                   </a:solidFill>
@@ -4602,7 +7610,7 @@
             </a:ln>
             <a:extLst>
               <a:ext uri="{91240B29-F687-4f45-9708-019B960494DF}">
-                <a14:hiddenLine xmlns:a14="http://schemas.microsoft.com/office/drawing/2010/main" xmlns="" w="9525">
+                <a14:hiddenLine xmlns="" xmlns:a14="http://schemas.microsoft.com/office/drawing/2010/main" w="9525">
                   <a:solidFill>
                     <a:srgbClr val="000000"/>
                   </a:solidFill>
@@ -4742,7 +7750,7 @@
           <a:p>
             <a:fld id="{48A87A34-81AB-432B-8DAE-1953F412C126}" type="datetimeFigureOut">
               <a:rPr lang="en-US" dirty="0"/>
-              <a:t>4/28/2020</a:t>
+              <a:t>4/29/2020</a:t>
             </a:fld>
             <a:endParaRPr lang="en-US" dirty="0"/>
           </a:p>
@@ -5004,7 +8012,7 @@
           <a:p>
             <a:fld id="{48A87A34-81AB-432B-8DAE-1953F412C126}" type="datetimeFigureOut">
               <a:rPr lang="en-US" dirty="0"/>
-              <a:t>4/28/2020</a:t>
+              <a:t>4/29/2020</a:t>
             </a:fld>
             <a:endParaRPr lang="en-US" dirty="0"/>
           </a:p>
@@ -5195,7 +8203,7 @@
           <a:p>
             <a:fld id="{48A87A34-81AB-432B-8DAE-1953F412C126}" type="datetimeFigureOut">
               <a:rPr lang="en-US" dirty="0"/>
-              <a:t>4/28/2020</a:t>
+              <a:t>4/29/2020</a:t>
             </a:fld>
             <a:endParaRPr lang="en-US" dirty="0"/>
           </a:p>
@@ -5453,7 +8461,7 @@
           <a:p>
             <a:fld id="{48A87A34-81AB-432B-8DAE-1953F412C126}" type="datetimeFigureOut">
               <a:rPr lang="en-US" dirty="0"/>
-              <a:t>4/28/2020</a:t>
+              <a:t>4/29/2020</a:t>
             </a:fld>
             <a:endParaRPr lang="en-US" dirty="0"/>
           </a:p>
@@ -5882,7 +8890,7 @@
           <a:p>
             <a:fld id="{48A87A34-81AB-432B-8DAE-1953F412C126}" type="datetimeFigureOut">
               <a:rPr lang="en-US" dirty="0"/>
-              <a:t>4/28/2020</a:t>
+              <a:t>4/29/2020</a:t>
             </a:fld>
             <a:endParaRPr lang="en-US" dirty="0"/>
           </a:p>
@@ -6423,7 +9431,7 @@
           <a:p>
             <a:fld id="{48A87A34-81AB-432B-8DAE-1953F412C126}" type="datetimeFigureOut">
               <a:rPr lang="en-US" dirty="0"/>
-              <a:t>4/28/2020</a:t>
+              <a:t>4/29/2020</a:t>
             </a:fld>
             <a:endParaRPr lang="en-US" dirty="0"/>
           </a:p>
@@ -7138,7 +10146,7 @@
           <a:p>
             <a:fld id="{48A87A34-81AB-432B-8DAE-1953F412C126}" type="datetimeFigureOut">
               <a:rPr lang="en-US" dirty="0"/>
-              <a:t>4/28/2020</a:t>
+              <a:t>4/29/2020</a:t>
             </a:fld>
             <a:endParaRPr lang="en-US" dirty="0"/>
           </a:p>
@@ -7303,7 +10311,7 @@
           <a:p>
             <a:fld id="{48A87A34-81AB-432B-8DAE-1953F412C126}" type="datetimeFigureOut">
               <a:rPr lang="en-US" dirty="0"/>
-              <a:t>4/28/2020</a:t>
+              <a:t>4/29/2020</a:t>
             </a:fld>
             <a:endParaRPr lang="en-US" dirty="0"/>
           </a:p>
@@ -7478,7 +10486,7 @@
           <a:p>
             <a:fld id="{48A87A34-81AB-432B-8DAE-1953F412C126}" type="datetimeFigureOut">
               <a:rPr lang="en-US" dirty="0"/>
-              <a:t>4/28/2020</a:t>
+              <a:t>4/29/2020</a:t>
             </a:fld>
             <a:endParaRPr lang="en-US" dirty="0"/>
           </a:p>
@@ -7643,7 +10651,7 @@
           <a:p>
             <a:fld id="{48A87A34-81AB-432B-8DAE-1953F412C126}" type="datetimeFigureOut">
               <a:rPr lang="en-US" dirty="0"/>
-              <a:t>4/28/2020</a:t>
+              <a:t>4/29/2020</a:t>
             </a:fld>
             <a:endParaRPr lang="en-US" dirty="0"/>
           </a:p>
@@ -7888,7 +10896,7 @@
           <a:p>
             <a:fld id="{48A87A34-81AB-432B-8DAE-1953F412C126}" type="datetimeFigureOut">
               <a:rPr lang="en-US" dirty="0"/>
-              <a:t>4/28/2020</a:t>
+              <a:t>4/29/2020</a:t>
             </a:fld>
             <a:endParaRPr lang="en-US" dirty="0"/>
           </a:p>
@@ -8115,7 +11123,7 @@
           <a:p>
             <a:fld id="{48A87A34-81AB-432B-8DAE-1953F412C126}" type="datetimeFigureOut">
               <a:rPr lang="en-US" dirty="0"/>
-              <a:t>4/28/2020</a:t>
+              <a:t>4/29/2020</a:t>
             </a:fld>
             <a:endParaRPr lang="en-US" dirty="0"/>
           </a:p>
@@ -8491,7 +11499,7 @@
           <a:p>
             <a:fld id="{48A87A34-81AB-432B-8DAE-1953F412C126}" type="datetimeFigureOut">
               <a:rPr lang="en-US" dirty="0"/>
-              <a:t>4/28/2020</a:t>
+              <a:t>4/29/2020</a:t>
             </a:fld>
             <a:endParaRPr lang="en-US" dirty="0"/>
           </a:p>
@@ -8604,7 +11612,7 @@
           <a:p>
             <a:fld id="{48A87A34-81AB-432B-8DAE-1953F412C126}" type="datetimeFigureOut">
               <a:rPr lang="en-US" dirty="0"/>
-              <a:t>4/28/2020</a:t>
+              <a:t>4/29/2020</a:t>
             </a:fld>
             <a:endParaRPr lang="en-US" dirty="0"/>
           </a:p>
@@ -8694,7 +11702,7 @@
           <a:p>
             <a:fld id="{48A87A34-81AB-432B-8DAE-1953F412C126}" type="datetimeFigureOut">
               <a:rPr lang="en-US" dirty="0"/>
-              <a:t>4/28/2020</a:t>
+              <a:t>4/29/2020</a:t>
             </a:fld>
             <a:endParaRPr lang="en-US" dirty="0"/>
           </a:p>
@@ -8938,7 +11946,7 @@
           <a:p>
             <a:fld id="{48A87A34-81AB-432B-8DAE-1953F412C126}" type="datetimeFigureOut">
               <a:rPr lang="en-US" dirty="0"/>
-              <a:t>4/28/2020</a:t>
+              <a:t>4/29/2020</a:t>
             </a:fld>
             <a:endParaRPr lang="en-US" dirty="0"/>
           </a:p>
@@ -9213,7 +12221,7 @@
           <a:p>
             <a:fld id="{48A87A34-81AB-432B-8DAE-1953F412C126}" type="datetimeFigureOut">
               <a:rPr lang="en-US" dirty="0"/>
-              <a:t>4/28/2020</a:t>
+              <a:t>4/29/2020</a:t>
             </a:fld>
             <a:endParaRPr lang="en-US" dirty="0"/>
           </a:p>
@@ -9331,7 +12339,7 @@
           <a:noFill/>
           <a:extLst>
             <a:ext uri="{909E8E84-426E-40dd-AFC4-6F175D3DCCD1}">
-              <a14:hiddenFill xmlns:a14="http://schemas.microsoft.com/office/drawing/2010/main" xmlns="">
+              <a14:hiddenFill xmlns="" xmlns:a14="http://schemas.microsoft.com/office/drawing/2010/main">
                 <a:solidFill>
                   <a:srgbClr val="FFFFFF"/>
                 </a:solidFill>
@@ -9405,7 +12413,7 @@
               </a:ln>
               <a:extLst>
                 <a:ext uri="{91240B29-F687-4f45-9708-019B960494DF}">
-                  <a14:hiddenLine xmlns:a14="http://schemas.microsoft.com/office/drawing/2010/main" xmlns="" w="9525">
+                  <a14:hiddenLine xmlns="" xmlns:a14="http://schemas.microsoft.com/office/drawing/2010/main" w="9525">
                     <a:solidFill>
                       <a:srgbClr val="000000"/>
                     </a:solidFill>
@@ -9495,7 +12503,7 @@
               </a:ln>
               <a:extLst>
                 <a:ext uri="{91240B29-F687-4f45-9708-019B960494DF}">
-                  <a14:hiddenLine xmlns:a14="http://schemas.microsoft.com/office/drawing/2010/main" xmlns="" w="9525">
+                  <a14:hiddenLine xmlns="" xmlns:a14="http://schemas.microsoft.com/office/drawing/2010/main" w="9525">
                     <a:solidFill>
                       <a:srgbClr val="000000"/>
                     </a:solidFill>
@@ -9585,7 +12593,7 @@
               </a:ln>
               <a:extLst>
                 <a:ext uri="{91240B29-F687-4f45-9708-019B960494DF}">
-                  <a14:hiddenLine xmlns:a14="http://schemas.microsoft.com/office/drawing/2010/main" xmlns="" w="9525">
+                  <a14:hiddenLine xmlns="" xmlns:a14="http://schemas.microsoft.com/office/drawing/2010/main" w="9525">
                     <a:solidFill>
                       <a:srgbClr val="000000"/>
                     </a:solidFill>
@@ -9647,7 +12655,7 @@
               </a:ln>
               <a:extLst>
                 <a:ext uri="{91240B29-F687-4f45-9708-019B960494DF}">
-                  <a14:hiddenLine xmlns:a14="http://schemas.microsoft.com/office/drawing/2010/main" xmlns="" w="9525">
+                  <a14:hiddenLine xmlns="" xmlns:a14="http://schemas.microsoft.com/office/drawing/2010/main" w="9525">
                     <a:solidFill>
                       <a:srgbClr val="000000"/>
                     </a:solidFill>
@@ -9737,7 +12745,7 @@
               </a:ln>
               <a:extLst>
                 <a:ext uri="{91240B29-F687-4f45-9708-019B960494DF}">
-                  <a14:hiddenLine xmlns:a14="http://schemas.microsoft.com/office/drawing/2010/main" xmlns="" w="9525">
+                  <a14:hiddenLine xmlns="" xmlns:a14="http://schemas.microsoft.com/office/drawing/2010/main" w="9525">
                     <a:solidFill>
                       <a:srgbClr val="000000"/>
                     </a:solidFill>
@@ -9799,7 +12807,7 @@
               </a:ln>
               <a:extLst>
                 <a:ext uri="{91240B29-F687-4f45-9708-019B960494DF}">
-                  <a14:hiddenLine xmlns:a14="http://schemas.microsoft.com/office/drawing/2010/main" xmlns="" w="9525">
+                  <a14:hiddenLine xmlns="" xmlns:a14="http://schemas.microsoft.com/office/drawing/2010/main" w="9525">
                     <a:solidFill>
                       <a:srgbClr val="000000"/>
                     </a:solidFill>
@@ -9861,7 +12869,7 @@
               </a:ln>
               <a:extLst>
                 <a:ext uri="{91240B29-F687-4f45-9708-019B960494DF}">
-                  <a14:hiddenLine xmlns:a14="http://schemas.microsoft.com/office/drawing/2010/main" xmlns="" w="9525">
+                  <a14:hiddenLine xmlns="" xmlns:a14="http://schemas.microsoft.com/office/drawing/2010/main" w="9525">
                     <a:solidFill>
                       <a:srgbClr val="000000"/>
                     </a:solidFill>
@@ -9951,7 +12959,7 @@
               </a:ln>
               <a:extLst>
                 <a:ext uri="{91240B29-F687-4f45-9708-019B960494DF}">
-                  <a14:hiddenLine xmlns:a14="http://schemas.microsoft.com/office/drawing/2010/main" xmlns="" w="9525">
+                  <a14:hiddenLine xmlns="" xmlns:a14="http://schemas.microsoft.com/office/drawing/2010/main" w="9525">
                     <a:solidFill>
                       <a:srgbClr val="000000"/>
                     </a:solidFill>
@@ -10041,7 +13049,7 @@
               </a:ln>
               <a:extLst>
                 <a:ext uri="{91240B29-F687-4f45-9708-019B960494DF}">
-                  <a14:hiddenLine xmlns:a14="http://schemas.microsoft.com/office/drawing/2010/main" xmlns="" w="9525">
+                  <a14:hiddenLine xmlns="" xmlns:a14="http://schemas.microsoft.com/office/drawing/2010/main" w="9525">
                     <a:solidFill>
                       <a:srgbClr val="000000"/>
                     </a:solidFill>
@@ -10103,7 +13111,7 @@
               </a:ln>
               <a:extLst>
                 <a:ext uri="{91240B29-F687-4f45-9708-019B960494DF}">
-                  <a14:hiddenLine xmlns:a14="http://schemas.microsoft.com/office/drawing/2010/main" xmlns="" w="9525">
+                  <a14:hiddenLine xmlns="" xmlns:a14="http://schemas.microsoft.com/office/drawing/2010/main" w="9525">
                     <a:solidFill>
                       <a:srgbClr val="000000"/>
                     </a:solidFill>
@@ -10213,7 +13221,7 @@
               </a:ln>
               <a:extLst>
                 <a:ext uri="{91240B29-F687-4f45-9708-019B960494DF}">
-                  <a14:hiddenLine xmlns:a14="http://schemas.microsoft.com/office/drawing/2010/main" xmlns="" w="9525">
+                  <a14:hiddenLine xmlns="" xmlns:a14="http://schemas.microsoft.com/office/drawing/2010/main" w="9525">
                     <a:solidFill>
                       <a:srgbClr val="000000"/>
                     </a:solidFill>
@@ -10297,7 +13305,7 @@
               </a:ln>
               <a:extLst>
                 <a:ext uri="{91240B29-F687-4f45-9708-019B960494DF}">
-                  <a14:hiddenLine xmlns:a14="http://schemas.microsoft.com/office/drawing/2010/main" xmlns="" w="9525">
+                  <a14:hiddenLine xmlns="" xmlns:a14="http://schemas.microsoft.com/office/drawing/2010/main" w="9525">
                     <a:solidFill>
                       <a:srgbClr val="000000"/>
                     </a:solidFill>
@@ -10359,7 +13367,7 @@
               </a:ln>
               <a:extLst>
                 <a:ext uri="{91240B29-F687-4f45-9708-019B960494DF}">
-                  <a14:hiddenLine xmlns:a14="http://schemas.microsoft.com/office/drawing/2010/main" xmlns="" w="9525">
+                  <a14:hiddenLine xmlns="" xmlns:a14="http://schemas.microsoft.com/office/drawing/2010/main" w="9525">
                     <a:solidFill>
                       <a:srgbClr val="000000"/>
                     </a:solidFill>
@@ -10421,7 +13429,7 @@
               </a:ln>
               <a:extLst>
                 <a:ext uri="{91240B29-F687-4f45-9708-019B960494DF}">
-                  <a14:hiddenLine xmlns:a14="http://schemas.microsoft.com/office/drawing/2010/main" xmlns="" w="9525">
+                  <a14:hiddenLine xmlns="" xmlns:a14="http://schemas.microsoft.com/office/drawing/2010/main" w="9525">
                     <a:solidFill>
                       <a:srgbClr val="000000"/>
                     </a:solidFill>
@@ -10511,7 +13519,7 @@
               </a:ln>
               <a:extLst>
                 <a:ext uri="{91240B29-F687-4f45-9708-019B960494DF}">
-                  <a14:hiddenLine xmlns:a14="http://schemas.microsoft.com/office/drawing/2010/main" xmlns="" w="9525">
+                  <a14:hiddenLine xmlns="" xmlns:a14="http://schemas.microsoft.com/office/drawing/2010/main" w="9525">
                     <a:solidFill>
                       <a:srgbClr val="000000"/>
                     </a:solidFill>
@@ -10545,7 +13553,7 @@
               </a:ln>
               <a:extLst>
                 <a:ext uri="{91240B29-F687-4f45-9708-019B960494DF}">
-                  <a14:hiddenLine xmlns:a14="http://schemas.microsoft.com/office/drawing/2010/main" xmlns="" w="9525">
+                  <a14:hiddenLine xmlns="" xmlns:a14="http://schemas.microsoft.com/office/drawing/2010/main" w="9525">
                     <a:solidFill>
                       <a:srgbClr val="000000"/>
                     </a:solidFill>
@@ -10610,7 +13618,7 @@
               </a:ln>
               <a:extLst>
                 <a:ext uri="{91240B29-F687-4f45-9708-019B960494DF}">
-                  <a14:hiddenLine xmlns:a14="http://schemas.microsoft.com/office/drawing/2010/main" xmlns="" w="9525">
+                  <a14:hiddenLine xmlns="" xmlns:a14="http://schemas.microsoft.com/office/drawing/2010/main" w="9525">
                     <a:solidFill>
                       <a:srgbClr val="000000"/>
                     </a:solidFill>
@@ -10700,7 +13708,7 @@
               </a:ln>
               <a:extLst>
                 <a:ext uri="{91240B29-F687-4f45-9708-019B960494DF}">
-                  <a14:hiddenLine xmlns:a14="http://schemas.microsoft.com/office/drawing/2010/main" xmlns="" w="9525">
+                  <a14:hiddenLine xmlns="" xmlns:a14="http://schemas.microsoft.com/office/drawing/2010/main" w="9525">
                     <a:solidFill>
                       <a:srgbClr val="000000"/>
                     </a:solidFill>
@@ -10762,7 +13770,7 @@
               </a:ln>
               <a:extLst>
                 <a:ext uri="{91240B29-F687-4f45-9708-019B960494DF}">
-                  <a14:hiddenLine xmlns:a14="http://schemas.microsoft.com/office/drawing/2010/main" xmlns="" w="9525">
+                  <a14:hiddenLine xmlns="" xmlns:a14="http://schemas.microsoft.com/office/drawing/2010/main" w="9525">
                     <a:solidFill>
                       <a:srgbClr val="000000"/>
                     </a:solidFill>
@@ -10852,7 +13860,7 @@
               </a:ln>
               <a:extLst>
                 <a:ext uri="{91240B29-F687-4f45-9708-019B960494DF}">
-                  <a14:hiddenLine xmlns:a14="http://schemas.microsoft.com/office/drawing/2010/main" xmlns="" w="9525">
+                  <a14:hiddenLine xmlns="" xmlns:a14="http://schemas.microsoft.com/office/drawing/2010/main" w="9525">
                     <a:solidFill>
                       <a:srgbClr val="000000"/>
                     </a:solidFill>
@@ -10917,7 +13925,7 @@
               </a:ln>
               <a:extLst>
                 <a:ext uri="{91240B29-F687-4f45-9708-019B960494DF}">
-                  <a14:hiddenLine xmlns:a14="http://schemas.microsoft.com/office/drawing/2010/main" xmlns="" w="9525">
+                  <a14:hiddenLine xmlns="" xmlns:a14="http://schemas.microsoft.com/office/drawing/2010/main" w="9525">
                     <a:solidFill>
                       <a:srgbClr val="000000"/>
                     </a:solidFill>
@@ -10979,7 +13987,7 @@
               </a:ln>
               <a:extLst>
                 <a:ext uri="{91240B29-F687-4f45-9708-019B960494DF}">
-                  <a14:hiddenLine xmlns:a14="http://schemas.microsoft.com/office/drawing/2010/main" xmlns="" w="9525">
+                  <a14:hiddenLine xmlns="" xmlns:a14="http://schemas.microsoft.com/office/drawing/2010/main" w="9525">
                     <a:solidFill>
                       <a:srgbClr val="000000"/>
                     </a:solidFill>
@@ -11069,7 +14077,7 @@
               </a:ln>
               <a:extLst>
                 <a:ext uri="{91240B29-F687-4f45-9708-019B960494DF}">
-                  <a14:hiddenLine xmlns:a14="http://schemas.microsoft.com/office/drawing/2010/main" xmlns="" w="9525">
+                  <a14:hiddenLine xmlns="" xmlns:a14="http://schemas.microsoft.com/office/drawing/2010/main" w="9525">
                     <a:solidFill>
                       <a:srgbClr val="000000"/>
                     </a:solidFill>
@@ -11159,7 +14167,7 @@
               </a:ln>
               <a:extLst>
                 <a:ext uri="{91240B29-F687-4f45-9708-019B960494DF}">
-                  <a14:hiddenLine xmlns:a14="http://schemas.microsoft.com/office/drawing/2010/main" xmlns="" w="9525">
+                  <a14:hiddenLine xmlns="" xmlns:a14="http://schemas.microsoft.com/office/drawing/2010/main" w="9525">
                     <a:solidFill>
                       <a:srgbClr val="000000"/>
                     </a:solidFill>
@@ -11224,7 +14232,7 @@
               </a:ln>
               <a:extLst>
                 <a:ext uri="{91240B29-F687-4f45-9708-019B960494DF}">
-                  <a14:hiddenLine xmlns:a14="http://schemas.microsoft.com/office/drawing/2010/main" xmlns="" w="9525">
+                  <a14:hiddenLine xmlns="" xmlns:a14="http://schemas.microsoft.com/office/drawing/2010/main" w="9525">
                     <a:solidFill>
                       <a:srgbClr val="000000"/>
                     </a:solidFill>
@@ -11344,7 +14352,7 @@
               </a:ln>
               <a:extLst>
                 <a:ext uri="{91240B29-F687-4f45-9708-019B960494DF}">
-                  <a14:hiddenLine xmlns:a14="http://schemas.microsoft.com/office/drawing/2010/main" xmlns="" w="9525">
+                  <a14:hiddenLine xmlns="" xmlns:a14="http://schemas.microsoft.com/office/drawing/2010/main" w="9525">
                     <a:solidFill>
                       <a:srgbClr val="000000"/>
                     </a:solidFill>
@@ -11425,7 +14433,7 @@
               </a:ln>
               <a:extLst>
                 <a:ext uri="{91240B29-F687-4f45-9708-019B960494DF}">
-                  <a14:hiddenLine xmlns:a14="http://schemas.microsoft.com/office/drawing/2010/main" xmlns="" w="9525">
+                  <a14:hiddenLine xmlns="" xmlns:a14="http://schemas.microsoft.com/office/drawing/2010/main" w="9525">
                     <a:solidFill>
                       <a:srgbClr val="000000"/>
                     </a:solidFill>
@@ -11540,7 +14548,7 @@
               </a:ln>
               <a:extLst>
                 <a:ext uri="{91240B29-F687-4f45-9708-019B960494DF}">
-                  <a14:hiddenLine xmlns:a14="http://schemas.microsoft.com/office/drawing/2010/main" xmlns="" w="9525">
+                  <a14:hiddenLine xmlns="" xmlns:a14="http://schemas.microsoft.com/office/drawing/2010/main" w="9525">
                     <a:solidFill>
                       <a:srgbClr val="000000"/>
                     </a:solidFill>
@@ -11630,7 +14638,7 @@
               </a:ln>
               <a:extLst>
                 <a:ext uri="{91240B29-F687-4f45-9708-019B960494DF}">
-                  <a14:hiddenLine xmlns:a14="http://schemas.microsoft.com/office/drawing/2010/main" xmlns="" w="9525">
+                  <a14:hiddenLine xmlns="" xmlns:a14="http://schemas.microsoft.com/office/drawing/2010/main" w="9525">
                     <a:solidFill>
                       <a:srgbClr val="000000"/>
                     </a:solidFill>
@@ -11695,7 +14703,7 @@
               </a:ln>
               <a:extLst>
                 <a:ext uri="{91240B29-F687-4f45-9708-019B960494DF}">
-                  <a14:hiddenLine xmlns:a14="http://schemas.microsoft.com/office/drawing/2010/main" xmlns="" w="9525">
+                  <a14:hiddenLine xmlns="" xmlns:a14="http://schemas.microsoft.com/office/drawing/2010/main" w="9525">
                     <a:solidFill>
                       <a:srgbClr val="000000"/>
                     </a:solidFill>
@@ -11785,7 +14793,7 @@
               </a:ln>
               <a:extLst>
                 <a:ext uri="{91240B29-F687-4f45-9708-019B960494DF}">
-                  <a14:hiddenLine xmlns:a14="http://schemas.microsoft.com/office/drawing/2010/main" xmlns="" w="9525">
+                  <a14:hiddenLine xmlns="" xmlns:a14="http://schemas.microsoft.com/office/drawing/2010/main" w="9525">
                     <a:solidFill>
                       <a:srgbClr val="000000"/>
                     </a:solidFill>
@@ -11853,7 +14861,7 @@
               </a:ln>
               <a:extLst>
                 <a:ext uri="{91240B29-F687-4f45-9708-019B960494DF}">
-                  <a14:hiddenLine xmlns:a14="http://schemas.microsoft.com/office/drawing/2010/main" xmlns="" w="9525">
+                  <a14:hiddenLine xmlns="" xmlns:a14="http://schemas.microsoft.com/office/drawing/2010/main" w="9525">
                     <a:solidFill>
                       <a:srgbClr val="000000"/>
                     </a:solidFill>
@@ -11943,7 +14951,7 @@
               </a:ln>
               <a:extLst>
                 <a:ext uri="{91240B29-F687-4f45-9708-019B960494DF}">
-                  <a14:hiddenLine xmlns:a14="http://schemas.microsoft.com/office/drawing/2010/main" xmlns="" w="9525">
+                  <a14:hiddenLine xmlns="" xmlns:a14="http://schemas.microsoft.com/office/drawing/2010/main" w="9525">
                     <a:solidFill>
                       <a:srgbClr val="000000"/>
                     </a:solidFill>
@@ -12011,7 +15019,7 @@
               </a:ln>
               <a:extLst>
                 <a:ext uri="{91240B29-F687-4f45-9708-019B960494DF}">
-                  <a14:hiddenLine xmlns:a14="http://schemas.microsoft.com/office/drawing/2010/main" xmlns="" w="9525">
+                  <a14:hiddenLine xmlns="" xmlns:a14="http://schemas.microsoft.com/office/drawing/2010/main" w="9525">
                     <a:solidFill>
                       <a:srgbClr val="000000"/>
                     </a:solidFill>
@@ -12101,7 +15109,7 @@
               </a:ln>
               <a:extLst>
                 <a:ext uri="{91240B29-F687-4f45-9708-019B960494DF}">
-                  <a14:hiddenLine xmlns:a14="http://schemas.microsoft.com/office/drawing/2010/main" xmlns="" w="9525">
+                  <a14:hiddenLine xmlns="" xmlns:a14="http://schemas.microsoft.com/office/drawing/2010/main" w="9525">
                     <a:solidFill>
                       <a:srgbClr val="000000"/>
                     </a:solidFill>
@@ -12135,7 +15143,7 @@
               </a:ln>
               <a:extLst>
                 <a:ext uri="{91240B29-F687-4f45-9708-019B960494DF}">
-                  <a14:hiddenLine xmlns:a14="http://schemas.microsoft.com/office/drawing/2010/main" xmlns="" w="9525">
+                  <a14:hiddenLine xmlns="" xmlns:a14="http://schemas.microsoft.com/office/drawing/2010/main" w="9525">
                     <a:solidFill>
                       <a:srgbClr val="000000"/>
                     </a:solidFill>
@@ -12276,7 +15284,7 @@
             <a:fld id="{48A87A34-81AB-432B-8DAE-1953F412C126}" type="datetimeFigureOut">
               <a:rPr lang="en-US" dirty="0"/>
               <a:pPr/>
-              <a:t>4/28/2020</a:t>
+              <a:t>4/29/2020</a:t>
             </a:fld>
             <a:endParaRPr lang="en-US" dirty="0"/>
           </a:p>
@@ -12800,6 +15808,270 @@
 <file path=ppt/slides/slide10.xml><?xml version="1.0" encoding="utf-8"?>
 <p:sld xmlns:a="http://schemas.openxmlformats.org/drawingml/2006/main" xmlns:r="http://schemas.openxmlformats.org/officeDocument/2006/relationships" xmlns:p="http://schemas.openxmlformats.org/presentationml/2006/main">
   <p:cSld>
+    <p:spTree>
+      <p:nvGrpSpPr>
+        <p:cNvPr id="1" name=""/>
+        <p:cNvGrpSpPr/>
+        <p:nvPr/>
+      </p:nvGrpSpPr>
+      <p:grpSpPr>
+        <a:xfrm>
+          <a:off x="0" y="0"/>
+          <a:ext cx="0" cy="0"/>
+          <a:chOff x="0" y="0"/>
+          <a:chExt cx="0" cy="0"/>
+        </a:xfrm>
+      </p:grpSpPr>
+      <p:sp>
+        <p:nvSpPr>
+          <p:cNvPr id="4" name="Titel 3">
+            <a:extLst>
+              <a:ext uri="{FF2B5EF4-FFF2-40B4-BE49-F238E27FC236}">
+                <a16:creationId xmlns:a16="http://schemas.microsoft.com/office/drawing/2014/main" id="{B14B337D-689A-4732-B6B5-8FCD5B51D76F}"/>
+              </a:ext>
+            </a:extLst>
+          </p:cNvPr>
+          <p:cNvSpPr>
+            <a:spLocks noGrp="1"/>
+          </p:cNvSpPr>
+          <p:nvPr>
+            <p:ph type="title"/>
+          </p:nvPr>
+        </p:nvSpPr>
+        <p:spPr/>
+        <p:txBody>
+          <a:bodyPr/>
+          <a:lstStyle/>
+          <a:p>
+            <a:r>
+              <a:rPr lang="de-DE" dirty="0"/>
+              <a:t>Vor- und Nachteile von </a:t>
+            </a:r>
+            <a:r>
+              <a:rPr lang="de-DE" dirty="0" err="1"/>
+              <a:t>React</a:t>
+            </a:r>
+            <a:endParaRPr lang="de-DE" dirty="0"/>
+          </a:p>
+        </p:txBody>
+      </p:sp>
+      <p:sp>
+        <p:nvSpPr>
+          <p:cNvPr id="6" name="Textplatzhalter 5">
+            <a:extLst>
+              <a:ext uri="{FF2B5EF4-FFF2-40B4-BE49-F238E27FC236}">
+                <a16:creationId xmlns:a16="http://schemas.microsoft.com/office/drawing/2014/main" id="{DE275C9D-3810-4C12-934A-A17E5BD3D0AD}"/>
+              </a:ext>
+            </a:extLst>
+          </p:cNvPr>
+          <p:cNvSpPr>
+            <a:spLocks noGrp="1"/>
+          </p:cNvSpPr>
+          <p:nvPr>
+            <p:ph type="body" idx="1"/>
+          </p:nvPr>
+        </p:nvSpPr>
+        <p:spPr/>
+        <p:txBody>
+          <a:bodyPr/>
+          <a:lstStyle/>
+          <a:p>
+            <a:r>
+              <a:rPr lang="de-DE" dirty="0"/>
+              <a:t>Pro</a:t>
+            </a:r>
+          </a:p>
+        </p:txBody>
+      </p:sp>
+      <p:sp>
+        <p:nvSpPr>
+          <p:cNvPr id="7" name="Inhaltsplatzhalter 6">
+            <a:extLst>
+              <a:ext uri="{FF2B5EF4-FFF2-40B4-BE49-F238E27FC236}">
+                <a16:creationId xmlns:a16="http://schemas.microsoft.com/office/drawing/2014/main" id="{A350D28E-30A8-4CF2-8513-BA7EE6AE4234}"/>
+              </a:ext>
+            </a:extLst>
+          </p:cNvPr>
+          <p:cNvSpPr>
+            <a:spLocks noGrp="1"/>
+          </p:cNvSpPr>
+          <p:nvPr>
+            <p:ph sz="half" idx="2"/>
+          </p:nvPr>
+        </p:nvSpPr>
+        <p:spPr>
+          <a:xfrm>
+            <a:off x="1141410" y="3073397"/>
+            <a:ext cx="4878391" cy="2717801"/>
+          </a:xfrm>
+        </p:spPr>
+        <p:txBody>
+          <a:bodyPr>
+            <a:normAutofit fontScale="92500" lnSpcReduction="10000"/>
+          </a:bodyPr>
+          <a:lstStyle/>
+          <a:p>
+            <a:pPr>
+              <a:buFont typeface="Tw Cen MT" panose="020B0602020104020603" pitchFamily="34" charset="0"/>
+              <a:buChar char="»"/>
+            </a:pPr>
+            <a:r>
+              <a:rPr lang="de-DE" dirty="0"/>
+              <a:t>Einfache Entwicklung durch reduzierte Redundanz</a:t>
+            </a:r>
+          </a:p>
+          <a:p>
+            <a:pPr>
+              <a:buFont typeface="Tw Cen MT" panose="020B0602020104020603" pitchFamily="34" charset="0"/>
+              <a:buChar char="»"/>
+            </a:pPr>
+            <a:r>
+              <a:rPr lang="de-DE" dirty="0"/>
+              <a:t>Viele Komponentensammlungen online verfügbar</a:t>
+            </a:r>
+          </a:p>
+          <a:p>
+            <a:pPr>
+              <a:buFont typeface="Tw Cen MT" panose="020B0602020104020603" pitchFamily="34" charset="0"/>
+              <a:buChar char="»"/>
+            </a:pPr>
+            <a:r>
+              <a:rPr lang="de-DE" dirty="0"/>
+              <a:t>Bei </a:t>
+            </a:r>
+            <a:r>
+              <a:rPr lang="de-DE" dirty="0" err="1"/>
+              <a:t>NodeJS</a:t>
+            </a:r>
+            <a:r>
+              <a:rPr lang="de-DE" dirty="0"/>
+              <a:t> wird dem Client trotzdem nur statisches HTML ausgeliefert</a:t>
+            </a:r>
+          </a:p>
+        </p:txBody>
+      </p:sp>
+      <p:sp>
+        <p:nvSpPr>
+          <p:cNvPr id="8" name="Textplatzhalter 7">
+            <a:extLst>
+              <a:ext uri="{FF2B5EF4-FFF2-40B4-BE49-F238E27FC236}">
+                <a16:creationId xmlns:a16="http://schemas.microsoft.com/office/drawing/2014/main" id="{A30390F3-5174-4C39-BCA5-2E314D0362E9}"/>
+              </a:ext>
+            </a:extLst>
+          </p:cNvPr>
+          <p:cNvSpPr>
+            <a:spLocks noGrp="1"/>
+          </p:cNvSpPr>
+          <p:nvPr>
+            <p:ph type="body" sz="quarter" idx="3"/>
+          </p:nvPr>
+        </p:nvSpPr>
+        <p:spPr/>
+        <p:txBody>
+          <a:bodyPr/>
+          <a:lstStyle/>
+          <a:p>
+            <a:r>
+              <a:rPr lang="de-DE" dirty="0"/>
+              <a:t>Contra</a:t>
+            </a:r>
+          </a:p>
+        </p:txBody>
+      </p:sp>
+      <p:sp>
+        <p:nvSpPr>
+          <p:cNvPr id="9" name="Inhaltsplatzhalter 8">
+            <a:extLst>
+              <a:ext uri="{FF2B5EF4-FFF2-40B4-BE49-F238E27FC236}">
+                <a16:creationId xmlns:a16="http://schemas.microsoft.com/office/drawing/2014/main" id="{298F1ECF-984C-438F-B634-119D22D632A5}"/>
+              </a:ext>
+            </a:extLst>
+          </p:cNvPr>
+          <p:cNvSpPr>
+            <a:spLocks noGrp="1"/>
+          </p:cNvSpPr>
+          <p:nvPr>
+            <p:ph sz="quarter" idx="4"/>
+          </p:nvPr>
+        </p:nvSpPr>
+        <p:spPr/>
+        <p:txBody>
+          <a:bodyPr>
+            <a:normAutofit fontScale="92500" lnSpcReduction="10000"/>
+          </a:bodyPr>
+          <a:lstStyle/>
+          <a:p>
+            <a:pPr>
+              <a:buFont typeface="Tw Cen MT" panose="020B0602020104020603" pitchFamily="34" charset="0"/>
+              <a:buChar char="»"/>
+            </a:pPr>
+            <a:r>
+              <a:rPr lang="de-DE" dirty="0"/>
+              <a:t>Trotz </a:t>
+            </a:r>
+            <a:r>
+              <a:rPr lang="de-DE" dirty="0" err="1"/>
+              <a:t>NodeJS</a:t>
+            </a:r>
+            <a:r>
+              <a:rPr lang="de-DE" dirty="0"/>
+              <a:t> kann dynamischer Inhalt teilweise nicht von Crawlern (Google, …) gefunden werden</a:t>
+            </a:r>
+          </a:p>
+        </p:txBody>
+      </p:sp>
+      <p:pic>
+        <p:nvPicPr>
+          <p:cNvPr id="10" name="Grafik 9">
+            <a:extLst>
+              <a:ext uri="{FF2B5EF4-FFF2-40B4-BE49-F238E27FC236}">
+                <a16:creationId xmlns:a16="http://schemas.microsoft.com/office/drawing/2014/main" id="{AF0EE73D-F704-40E5-88F3-F18426586576}"/>
+              </a:ext>
+            </a:extLst>
+          </p:cNvPr>
+          <p:cNvPicPr>
+            <a:picLocks noChangeAspect="1"/>
+          </p:cNvPicPr>
+          <p:nvPr/>
+        </p:nvPicPr>
+        <p:blipFill>
+          <a:blip r:embed="rId2">
+            <a:extLst>
+              <a:ext uri="{96DAC541-7B7A-43D3-8B79-37D633B846F1}">
+                <asvg:svgBlip xmlns:asvg="http://schemas.microsoft.com/office/drawing/2016/SVG/main" r:embed="rId3"/>
+              </a:ext>
+            </a:extLst>
+          </a:blip>
+          <a:stretch>
+            <a:fillRect/>
+          </a:stretch>
+        </p:blipFill>
+        <p:spPr>
+          <a:xfrm>
+            <a:off x="8392858" y="529192"/>
+            <a:ext cx="2429123" cy="2112281"/>
+          </a:xfrm>
+          <a:prstGeom prst="rect">
+            <a:avLst/>
+          </a:prstGeom>
+        </p:spPr>
+      </p:pic>
+    </p:spTree>
+    <p:extLst>
+      <p:ext uri="{BB962C8B-B14F-4D97-AF65-F5344CB8AC3E}">
+        <p14:creationId xmlns:p14="http://schemas.microsoft.com/office/powerpoint/2010/main" val="3580986958"/>
+      </p:ext>
+    </p:extLst>
+  </p:cSld>
+  <p:clrMapOvr>
+    <a:masterClrMapping/>
+  </p:clrMapOvr>
+</p:sld>
+</file>
+
+<file path=ppt/slides/slide11.xml><?xml version="1.0" encoding="utf-8"?>
+<p:sld xmlns:a="http://schemas.openxmlformats.org/drawingml/2006/main" xmlns:r="http://schemas.openxmlformats.org/officeDocument/2006/relationships" xmlns:p="http://schemas.openxmlformats.org/presentationml/2006/main">
+  <p:cSld>
     <p:bg>
       <p:bgPr>
         <a:blipFill>
@@ -12979,24 +16251,40 @@
           </a:bodyPr>
           <a:lstStyle/>
           <a:p>
+            <a:pPr>
+              <a:buFont typeface="Tw Cen MT" panose="020B0602020104020603" pitchFamily="34" charset="0"/>
+              <a:buChar char="»"/>
+            </a:pPr>
             <a:r>
               <a:rPr lang="de-DE" dirty="0"/>
               <a:t>Ähnliche Syntax</a:t>
             </a:r>
           </a:p>
           <a:p>
+            <a:pPr>
+              <a:buFont typeface="Tw Cen MT" panose="020B0602020104020603" pitchFamily="34" charset="0"/>
+              <a:buChar char="»"/>
+            </a:pPr>
             <a:r>
               <a:rPr lang="de-DE" dirty="0"/>
               <a:t>Große Komponenten Library</a:t>
             </a:r>
           </a:p>
           <a:p>
+            <a:pPr>
+              <a:buFont typeface="Tw Cen MT" panose="020B0602020104020603" pitchFamily="34" charset="0"/>
+              <a:buChar char="»"/>
+            </a:pPr>
             <a:r>
               <a:rPr lang="de-DE" dirty="0"/>
               <a:t>Gleicher Code für IOS und ANDROID</a:t>
             </a:r>
           </a:p>
           <a:p>
+            <a:pPr>
+              <a:buFont typeface="Tw Cen MT" panose="020B0602020104020603" pitchFamily="34" charset="0"/>
+              <a:buChar char="»"/>
+            </a:pPr>
             <a:r>
               <a:rPr lang="de-DE" dirty="0"/>
               <a:t>Einfaches Entwickeln durch Live-</a:t>
@@ -13013,6 +16301,137 @@
     <p:extLst>
       <p:ext uri="{BB962C8B-B14F-4D97-AF65-F5344CB8AC3E}">
         <p14:creationId xmlns:p14="http://schemas.microsoft.com/office/powerpoint/2010/main" val="1730416875"/>
+      </p:ext>
+    </p:extLst>
+  </p:cSld>
+  <p:clrMapOvr>
+    <a:masterClrMapping/>
+  </p:clrMapOvr>
+</p:sld>
+</file>
+
+<file path=ppt/slides/slide12.xml><?xml version="1.0" encoding="utf-8"?>
+<p:sld xmlns:a="http://schemas.openxmlformats.org/drawingml/2006/main" xmlns:r="http://schemas.openxmlformats.org/officeDocument/2006/relationships" xmlns:p="http://schemas.openxmlformats.org/presentationml/2006/main">
+  <p:cSld>
+    <p:spTree>
+      <p:nvGrpSpPr>
+        <p:cNvPr id="1" name=""/>
+        <p:cNvGrpSpPr/>
+        <p:nvPr/>
+      </p:nvGrpSpPr>
+      <p:grpSpPr>
+        <a:xfrm>
+          <a:off x="0" y="0"/>
+          <a:ext cx="0" cy="0"/>
+          <a:chOff x="0" y="0"/>
+          <a:chExt cx="0" cy="0"/>
+        </a:xfrm>
+      </p:grpSpPr>
+      <p:sp>
+        <p:nvSpPr>
+          <p:cNvPr id="4" name="Titel 3">
+            <a:extLst>
+              <a:ext uri="{FF2B5EF4-FFF2-40B4-BE49-F238E27FC236}">
+                <a16:creationId xmlns:a16="http://schemas.microsoft.com/office/drawing/2014/main" id="{C45C15A5-0EAF-474D-9B3C-E5B5F22CBD87}"/>
+              </a:ext>
+            </a:extLst>
+          </p:cNvPr>
+          <p:cNvSpPr>
+            <a:spLocks noGrp="1"/>
+          </p:cNvSpPr>
+          <p:nvPr>
+            <p:ph type="title"/>
+          </p:nvPr>
+        </p:nvSpPr>
+        <p:spPr/>
+        <p:txBody>
+          <a:bodyPr/>
+          <a:lstStyle/>
+          <a:p>
+            <a:pPr algn="ctr"/>
+            <a:r>
+              <a:rPr lang="de-DE" dirty="0"/>
+              <a:t>Vielen dank für Eure Aufmerksamkeit</a:t>
+            </a:r>
+            <a:br>
+              <a:rPr lang="de-DE" dirty="0"/>
+            </a:br>
+            <a:r>
+              <a:rPr lang="de-DE" dirty="0"/>
+              <a:t>-</a:t>
+            </a:r>
+            <a:br>
+              <a:rPr lang="de-DE" dirty="0"/>
+            </a:br>
+            <a:r>
+              <a:rPr lang="de-DE" dirty="0" err="1"/>
+              <a:t>Thank</a:t>
+            </a:r>
+            <a:r>
+              <a:rPr lang="de-DE" dirty="0"/>
+              <a:t> </a:t>
+            </a:r>
+            <a:r>
+              <a:rPr lang="de-DE" dirty="0" err="1"/>
+              <a:t>You</a:t>
+            </a:r>
+            <a:r>
+              <a:rPr lang="de-DE" dirty="0"/>
+              <a:t> </a:t>
+            </a:r>
+            <a:r>
+              <a:rPr lang="de-DE" dirty="0" err="1"/>
+              <a:t>for</a:t>
+            </a:r>
+            <a:r>
+              <a:rPr lang="de-DE" dirty="0"/>
+              <a:t> </a:t>
+            </a:r>
+            <a:r>
+              <a:rPr lang="de-DE" dirty="0" err="1"/>
+              <a:t>your</a:t>
+            </a:r>
+            <a:r>
+              <a:rPr lang="de-DE" dirty="0"/>
+              <a:t> </a:t>
+            </a:r>
+            <a:r>
+              <a:rPr lang="de-DE" dirty="0" err="1"/>
+              <a:t>attention</a:t>
+            </a:r>
+            <a:endParaRPr lang="de-DE" dirty="0"/>
+          </a:p>
+        </p:txBody>
+      </p:sp>
+      <p:sp>
+        <p:nvSpPr>
+          <p:cNvPr id="5" name="Textplatzhalter 4">
+            <a:extLst>
+              <a:ext uri="{FF2B5EF4-FFF2-40B4-BE49-F238E27FC236}">
+                <a16:creationId xmlns:a16="http://schemas.microsoft.com/office/drawing/2014/main" id="{73A9F791-2B6E-4260-883F-945B236FCD8C}"/>
+              </a:ext>
+            </a:extLst>
+          </p:cNvPr>
+          <p:cNvSpPr>
+            <a:spLocks noGrp="1"/>
+          </p:cNvSpPr>
+          <p:nvPr>
+            <p:ph type="body" idx="1"/>
+          </p:nvPr>
+        </p:nvSpPr>
+        <p:spPr/>
+        <p:txBody>
+          <a:bodyPr/>
+          <a:lstStyle/>
+          <a:p>
+            <a:endParaRPr lang="de-DE"/>
+          </a:p>
+        </p:txBody>
+      </p:sp>
+    </p:spTree>
+    <p:extLst>
+      <p:ext uri="{BB962C8B-B14F-4D97-AF65-F5344CB8AC3E}">
+        <p14:creationId xmlns:p14="http://schemas.microsoft.com/office/powerpoint/2010/main" val="992901343"/>
       </p:ext>
     </p:extLst>
   </p:cSld>
@@ -13088,6 +16507,10 @@
           <a:bodyPr/>
           <a:lstStyle/>
           <a:p>
+            <a:pPr>
+              <a:buFont typeface="Tw Cen MT" panose="020B0602020104020603" pitchFamily="34" charset="0"/>
+              <a:buChar char="»"/>
+            </a:pPr>
             <a:r>
               <a:rPr lang="de-DE" dirty="0"/>
               <a:t>Was ist </a:t>
@@ -13099,18 +16522,69 @@
             <a:endParaRPr lang="de-DE" dirty="0"/>
           </a:p>
           <a:p>
+            <a:pPr>
+              <a:buFont typeface="Tw Cen MT" panose="020B0602020104020603" pitchFamily="34" charset="0"/>
+              <a:buChar char="»"/>
+            </a:pPr>
+            <a:r>
+              <a:rPr lang="de-DE" dirty="0" err="1"/>
+              <a:t>How</a:t>
+            </a:r>
             <a:r>
               <a:rPr lang="de-DE" dirty="0"/>
-              <a:t>Theorie</a:t>
+              <a:t> </a:t>
             </a:r>
-          </a:p>
-          <a:p>
+            <a:r>
+              <a:rPr lang="de-DE" dirty="0" err="1"/>
+              <a:t>To</a:t>
+            </a:r>
+            <a:endParaRPr lang="de-DE" dirty="0"/>
+          </a:p>
+          <a:p>
+            <a:pPr>
+              <a:buFont typeface="Tw Cen MT" panose="020B0602020104020603" pitchFamily="34" charset="0"/>
+              <a:buChar char="»"/>
+            </a:pPr>
             <a:r>
               <a:rPr lang="de-DE" dirty="0"/>
-              <a:t>Praxisübung</a:t>
+              <a:t>Hands On</a:t>
             </a:r>
           </a:p>
           <a:p>
+            <a:pPr>
+              <a:buFont typeface="Tw Cen MT" panose="020B0602020104020603" pitchFamily="34" charset="0"/>
+              <a:buChar char="»"/>
+            </a:pPr>
+            <a:r>
+              <a:rPr lang="de-DE" dirty="0"/>
+              <a:t>Best </a:t>
+            </a:r>
+            <a:r>
+              <a:rPr lang="de-DE" dirty="0" err="1"/>
+              <a:t>practices</a:t>
+            </a:r>
+            <a:endParaRPr lang="de-DE" dirty="0"/>
+          </a:p>
+          <a:p>
+            <a:pPr>
+              <a:buFont typeface="Tw Cen MT" panose="020B0602020104020603" pitchFamily="34" charset="0"/>
+              <a:buChar char="»"/>
+            </a:pPr>
+            <a:r>
+              <a:rPr lang="de-DE" dirty="0"/>
+              <a:t>Pros und </a:t>
+            </a:r>
+            <a:r>
+              <a:rPr lang="de-DE" dirty="0" err="1"/>
+              <a:t>Cons</a:t>
+            </a:r>
+            <a:endParaRPr lang="de-DE" dirty="0"/>
+          </a:p>
+          <a:p>
+            <a:pPr>
+              <a:buFont typeface="Tw Cen MT" panose="020B0602020104020603" pitchFamily="34" charset="0"/>
+              <a:buChar char="»"/>
+            </a:pPr>
             <a:r>
               <a:rPr lang="de-DE" dirty="0"/>
               <a:t>Ausblick – </a:t>
@@ -13213,18 +16687,40 @@
           <a:bodyPr/>
           <a:lstStyle/>
           <a:p>
+            <a:pPr>
+              <a:buFont typeface="Tw Cen MT" panose="020B0602020104020603" pitchFamily="34" charset="0"/>
+              <a:buChar char="»"/>
+            </a:pPr>
+            <a:r>
+              <a:rPr lang="de-DE" dirty="0"/>
+              <a:t>Facebook Open Source Projekt</a:t>
+            </a:r>
+          </a:p>
+          <a:p>
+            <a:pPr>
+              <a:buFont typeface="Tw Cen MT" panose="020B0602020104020603" pitchFamily="34" charset="0"/>
+              <a:buChar char="»"/>
+            </a:pPr>
             <a:r>
               <a:rPr lang="de-DE" dirty="0"/>
               <a:t>JavaScript Bibliothek für GUI-entwicklung</a:t>
             </a:r>
           </a:p>
           <a:p>
+            <a:pPr>
+              <a:buFont typeface="Tw Cen MT" panose="020B0602020104020603" pitchFamily="34" charset="0"/>
+              <a:buChar char="»"/>
+            </a:pPr>
             <a:r>
               <a:rPr lang="de-DE" dirty="0"/>
               <a:t>Komponenten basiert</a:t>
             </a:r>
           </a:p>
           <a:p>
+            <a:pPr>
+              <a:buFont typeface="Tw Cen MT" panose="020B0602020104020603" pitchFamily="34" charset="0"/>
+              <a:buChar char="»"/>
+            </a:pPr>
             <a:r>
               <a:rPr lang="de-DE" dirty="0"/>
               <a:t>Kann serverseitig per </a:t>
@@ -13239,6 +16735,10 @@
             </a:r>
           </a:p>
           <a:p>
+            <a:pPr>
+              <a:buFont typeface="Tw Cen MT" panose="020B0602020104020603" pitchFamily="34" charset="0"/>
+              <a:buChar char="»"/>
+            </a:pPr>
             <a:r>
               <a:rPr lang="de-DE" dirty="0"/>
               <a:t>Mit </a:t>
@@ -15030,6 +18530,30 @@
 <file path=ppt/slides/slide9.xml><?xml version="1.0" encoding="utf-8"?>
 <p:sld xmlns:a="http://schemas.openxmlformats.org/drawingml/2006/main" xmlns:r="http://schemas.openxmlformats.org/officeDocument/2006/relationships" xmlns:p="http://schemas.openxmlformats.org/presentationml/2006/main">
   <p:cSld>
+    <p:bg>
+      <p:bgPr>
+        <a:blipFill>
+          <a:blip r:embed="rId2">
+            <a:duotone>
+              <a:schemeClr val="bg2">
+                <a:shade val="48000"/>
+                <a:hueMod val="106000"/>
+                <a:satMod val="140000"/>
+                <a:lumMod val="42000"/>
+              </a:schemeClr>
+              <a:schemeClr val="bg2">
+                <a:tint val="98000"/>
+                <a:hueMod val="92000"/>
+                <a:satMod val="220000"/>
+                <a:lumMod val="90000"/>
+              </a:schemeClr>
+            </a:duotone>
+          </a:blip>
+          <a:stretch/>
+        </a:blipFill>
+        <a:effectLst/>
+      </p:bgPr>
+    </p:bg>
     <p:spTree>
       <p:nvGrpSpPr>
         <p:cNvPr id="1" name=""/>
@@ -15044,12 +18568,72 @@
           <a:chExt cx="0" cy="0"/>
         </a:xfrm>
       </p:grpSpPr>
+      <p:sp useBgFill="1">
+        <p:nvSpPr>
+          <p:cNvPr id="12" name="Rectangle 11">
+            <a:extLst>
+              <a:ext uri="{FF2B5EF4-FFF2-40B4-BE49-F238E27FC236}">
+                <a16:creationId xmlns:a16="http://schemas.microsoft.com/office/drawing/2014/main" id="{01F67CC9-D773-4B4B-8A55-D5DAEC3414BD}"/>
+              </a:ext>
+              <a:ext uri="{C183D7F6-B498-43B3-948B-1728B52AA6E4}">
+                <adec:decorative xmlns:adec="http://schemas.microsoft.com/office/drawing/2017/decorative" val="1"/>
+              </a:ext>
+            </a:extLst>
+          </p:cNvPr>
+          <p:cNvSpPr>
+            <a:spLocks noGrp="1" noRot="1" noChangeAspect="1" noMove="1" noResize="1" noEditPoints="1" noAdjustHandles="1" noChangeArrowheads="1" noChangeShapeType="1" noTextEdit="1"/>
+          </p:cNvSpPr>
+          <p:nvPr>
+            <p:extLst>
+              <p:ext uri="{386F3935-93C4-4BCD-93E2-E3B085C9AB24}">
+                <p16:designElem xmlns:p16="http://schemas.microsoft.com/office/powerpoint/2015/main" val="1"/>
+              </p:ext>
+            </p:extLst>
+          </p:nvPr>
+        </p:nvSpPr>
+        <p:spPr>
+          <a:xfrm>
+            <a:off x="0" y="0"/>
+            <a:ext cx="12192000" cy="6858000"/>
+          </a:xfrm>
+          <a:prstGeom prst="rect">
+            <a:avLst/>
+          </a:prstGeom>
+          <a:ln>
+            <a:noFill/>
+          </a:ln>
+        </p:spPr>
+        <p:style>
+          <a:lnRef idx="2">
+            <a:schemeClr val="accent1">
+              <a:shade val="50000"/>
+            </a:schemeClr>
+          </a:lnRef>
+          <a:fillRef idx="1">
+            <a:schemeClr val="accent1"/>
+          </a:fillRef>
+          <a:effectRef idx="0">
+            <a:schemeClr val="accent1"/>
+          </a:effectRef>
+          <a:fontRef idx="minor">
+            <a:schemeClr val="lt1"/>
+          </a:fontRef>
+        </p:style>
+        <p:txBody>
+          <a:bodyPr rtlCol="0" anchor="ctr"/>
+          <a:lstStyle/>
+          <a:p>
+            <a:pPr algn="ctr"/>
+            <a:endParaRPr lang="en-US"/>
+          </a:p>
+        </p:txBody>
+      </p:sp>
       <p:sp>
         <p:nvSpPr>
           <p:cNvPr id="4" name="Titel 3">
             <a:extLst>
               <a:ext uri="{FF2B5EF4-FFF2-40B4-BE49-F238E27FC236}">
-                <a16:creationId xmlns:a16="http://schemas.microsoft.com/office/drawing/2014/main" id="{B14B337D-689A-4732-B6B5-8FCD5B51D76F}"/>
+                <a16:creationId xmlns:a16="http://schemas.microsoft.com/office/drawing/2014/main" id="{BA342407-3E76-423F-8EA9-C29CF65377FD}"/>
               </a:ext>
             </a:extLst>
           </p:cNvPr>
@@ -15060,212 +18644,60 @@
             <p:ph type="title"/>
           </p:nvPr>
         </p:nvSpPr>
-        <p:spPr/>
-        <p:txBody>
-          <a:bodyPr/>
-          <a:lstStyle/>
-          <a:p>
-            <a:r>
-              <a:rPr lang="de-DE" dirty="0"/>
-              <a:t>Vor- und Nachteile von </a:t>
-            </a:r>
-            <a:r>
-              <a:rPr lang="de-DE" dirty="0" err="1"/>
-              <a:t>React</a:t>
-            </a:r>
-            <a:endParaRPr lang="de-DE" dirty="0"/>
-          </a:p>
-        </p:txBody>
-      </p:sp>
-      <p:sp>
-        <p:nvSpPr>
-          <p:cNvPr id="6" name="Textplatzhalter 5">
-            <a:extLst>
-              <a:ext uri="{FF2B5EF4-FFF2-40B4-BE49-F238E27FC236}">
-                <a16:creationId xmlns:a16="http://schemas.microsoft.com/office/drawing/2014/main" id="{DE275C9D-3810-4C12-934A-A17E5BD3D0AD}"/>
-              </a:ext>
-            </a:extLst>
-          </p:cNvPr>
-          <p:cNvSpPr>
-            <a:spLocks noGrp="1"/>
-          </p:cNvSpPr>
-          <p:nvPr>
-            <p:ph type="body" idx="1"/>
-          </p:nvPr>
-        </p:nvSpPr>
-        <p:spPr/>
-        <p:txBody>
-          <a:bodyPr/>
-          <a:lstStyle/>
-          <a:p>
-            <a:r>
-              <a:rPr lang="de-DE" dirty="0"/>
-              <a:t>Pro</a:t>
-            </a:r>
-          </a:p>
-        </p:txBody>
-      </p:sp>
-      <p:sp>
-        <p:nvSpPr>
-          <p:cNvPr id="7" name="Inhaltsplatzhalter 6">
-            <a:extLst>
-              <a:ext uri="{FF2B5EF4-FFF2-40B4-BE49-F238E27FC236}">
-                <a16:creationId xmlns:a16="http://schemas.microsoft.com/office/drawing/2014/main" id="{A350D28E-30A8-4CF2-8513-BA7EE6AE4234}"/>
-              </a:ext>
-            </a:extLst>
-          </p:cNvPr>
-          <p:cNvSpPr>
-            <a:spLocks noGrp="1"/>
-          </p:cNvSpPr>
-          <p:nvPr>
-            <p:ph sz="half" idx="2"/>
-          </p:nvPr>
-        </p:nvSpPr>
         <p:spPr>
           <a:xfrm>
-            <a:off x="1141410" y="3073397"/>
-            <a:ext cx="4878391" cy="2717801"/>
+            <a:off x="1141413" y="618518"/>
+            <a:ext cx="9905998" cy="1478570"/>
           </a:xfrm>
         </p:spPr>
         <p:txBody>
           <a:bodyPr>
-            <a:normAutofit fontScale="92500" lnSpcReduction="10000"/>
+            <a:normAutofit/>
           </a:bodyPr>
           <a:lstStyle/>
           <a:p>
             <a:r>
               <a:rPr lang="de-DE" dirty="0"/>
-              <a:t>Einfache Entwicklung durch reduzierte Redundanz</a:t>
-            </a:r>
-          </a:p>
-          <a:p>
-            <a:r>
-              <a:rPr lang="de-DE" dirty="0"/>
-              <a:t>Viele Komponentensammlungen online verfügbar</a:t>
-            </a:r>
-          </a:p>
-          <a:p>
-            <a:r>
-              <a:rPr lang="de-DE" dirty="0"/>
-              <a:t>Bei </a:t>
-            </a:r>
-            <a:r>
-              <a:rPr lang="de-DE" dirty="0" err="1"/>
-              <a:t>NodeJS</a:t>
-            </a:r>
-            <a:r>
-              <a:rPr lang="de-DE" dirty="0"/>
-              <a:t> wird dem Client trotzdem nur statisches HTML ausgeliefert</a:t>
+              <a:t>Best Practices</a:t>
             </a:r>
           </a:p>
         </p:txBody>
       </p:sp>
-      <p:sp>
-        <p:nvSpPr>
-          <p:cNvPr id="8" name="Textplatzhalter 7">
+      <p:graphicFrame>
+        <p:nvGraphicFramePr>
+          <p:cNvPr id="7" name="Inhaltsplatzhalter 4">
             <a:extLst>
               <a:ext uri="{FF2B5EF4-FFF2-40B4-BE49-F238E27FC236}">
-                <a16:creationId xmlns:a16="http://schemas.microsoft.com/office/drawing/2014/main" id="{A30390F3-5174-4C39-BCA5-2E314D0362E9}"/>
+                <a16:creationId xmlns:a16="http://schemas.microsoft.com/office/drawing/2014/main" id="{B63B175E-97E8-45B5-9E49-D4296AE8947F}"/>
               </a:ext>
             </a:extLst>
           </p:cNvPr>
-          <p:cNvSpPr>
-            <a:spLocks noGrp="1"/>
-          </p:cNvSpPr>
+          <p:cNvGraphicFramePr>
+            <a:graphicFrameLocks noGrp="1"/>
+          </p:cNvGraphicFramePr>
           <p:nvPr>
-            <p:ph type="body" sz="quarter" idx="3"/>
+            <p:ph idx="1"/>
+            <p:extLst>
+              <p:ext uri="{D42A27DB-BD31-4B8C-83A1-F6EECF244321}">
+                <p14:modId xmlns:p14="http://schemas.microsoft.com/office/powerpoint/2010/main" val="1420869744"/>
+              </p:ext>
+            </p:extLst>
           </p:nvPr>
-        </p:nvSpPr>
-        <p:spPr/>
-        <p:txBody>
-          <a:bodyPr/>
-          <a:lstStyle/>
-          <a:p>
-            <a:r>
-              <a:rPr lang="de-DE" dirty="0"/>
-              <a:t>Contra</a:t>
-            </a:r>
-          </a:p>
-        </p:txBody>
-      </p:sp>
-      <p:sp>
-        <p:nvSpPr>
-          <p:cNvPr id="9" name="Inhaltsplatzhalter 8">
-            <a:extLst>
-              <a:ext uri="{FF2B5EF4-FFF2-40B4-BE49-F238E27FC236}">
-                <a16:creationId xmlns:a16="http://schemas.microsoft.com/office/drawing/2014/main" id="{298F1ECF-984C-438F-B634-119D22D632A5}"/>
-              </a:ext>
-            </a:extLst>
-          </p:cNvPr>
-          <p:cNvSpPr>
-            <a:spLocks noGrp="1"/>
-          </p:cNvSpPr>
-          <p:nvPr>
-            <p:ph sz="quarter" idx="4"/>
-          </p:nvPr>
-        </p:nvSpPr>
-        <p:spPr/>
-        <p:txBody>
-          <a:bodyPr>
-            <a:normAutofit fontScale="92500" lnSpcReduction="10000"/>
-          </a:bodyPr>
-          <a:lstStyle/>
-          <a:p>
-            <a:r>
-              <a:rPr lang="de-DE" dirty="0"/>
-              <a:t>Trotz </a:t>
-            </a:r>
-            <a:r>
-              <a:rPr lang="de-DE" dirty="0" err="1"/>
-              <a:t>NodeJS</a:t>
-            </a:r>
-            <a:r>
-              <a:rPr lang="de-DE" dirty="0"/>
-              <a:t> kann dynamischer Inhalt teilweise nicht von Crawlern (Google, …) gefunden werden</a:t>
-            </a:r>
-          </a:p>
-        </p:txBody>
-      </p:sp>
-      <p:pic>
-        <p:nvPicPr>
-          <p:cNvPr id="10" name="Grafik 9">
-            <a:extLst>
-              <a:ext uri="{FF2B5EF4-FFF2-40B4-BE49-F238E27FC236}">
-                <a16:creationId xmlns:a16="http://schemas.microsoft.com/office/drawing/2014/main" id="{AF0EE73D-F704-40E5-88F3-F18426586576}"/>
-              </a:ext>
-            </a:extLst>
-          </p:cNvPr>
-          <p:cNvPicPr>
-            <a:picLocks noChangeAspect="1"/>
-          </p:cNvPicPr>
-          <p:nvPr/>
-        </p:nvPicPr>
-        <p:blipFill>
-          <a:blip r:embed="rId2">
-            <a:extLst>
-              <a:ext uri="{96DAC541-7B7A-43D3-8B79-37D633B846F1}">
-                <asvg:svgBlip xmlns:asvg="http://schemas.microsoft.com/office/drawing/2016/SVG/main" r:embed="rId3"/>
-              </a:ext>
-            </a:extLst>
-          </a:blip>
-          <a:stretch>
-            <a:fillRect/>
-          </a:stretch>
-        </p:blipFill>
-        <p:spPr>
-          <a:xfrm>
-            <a:off x="8392858" y="529192"/>
-            <a:ext cx="2429123" cy="2112281"/>
-          </a:xfrm>
-          <a:prstGeom prst="rect">
-            <a:avLst/>
-          </a:prstGeom>
-        </p:spPr>
-      </p:pic>
+        </p:nvGraphicFramePr>
+        <p:xfrm>
+          <a:off x="388143" y="1619857"/>
+          <a:ext cx="11412537" cy="4619625"/>
+        </p:xfrm>
+        <a:graphic>
+          <a:graphicData uri="http://schemas.openxmlformats.org/drawingml/2006/diagram">
+            <dgm:relIds xmlns:dgm="http://schemas.openxmlformats.org/drawingml/2006/diagram" xmlns:r="http://schemas.openxmlformats.org/officeDocument/2006/relationships" r:dm="rId3" r:lo="rId4" r:qs="rId5" r:cs="rId6"/>
+          </a:graphicData>
+        </a:graphic>
+      </p:graphicFrame>
     </p:spTree>
     <p:extLst>
       <p:ext uri="{BB962C8B-B14F-4D97-AF65-F5344CB8AC3E}">
-        <p14:creationId xmlns:p14="http://schemas.microsoft.com/office/powerpoint/2010/main" val="3580986958"/>
+        <p14:creationId xmlns:p14="http://schemas.microsoft.com/office/powerpoint/2010/main" val="4179626081"/>
       </p:ext>
     </p:extLst>
   </p:cSld>
@@ -15685,18 +19117,18 @@
 </file>
 
 <file path=customXml/item2.xml><?xml version="1.0" encoding="utf-8"?>
+<p:properties xmlns:p="http://schemas.microsoft.com/office/2006/metadata/properties" xmlns:xsi="http://www.w3.org/2001/XMLSchema-instance" xmlns:pc="http://schemas.microsoft.com/office/infopath/2007/PartnerControls">
+  <documentManagement/>
+</p:properties>
+</file>
+
+<file path=customXml/item3.xml><?xml version="1.0" encoding="utf-8"?>
 <?mso-contentType ?>
 <FormTemplates xmlns="http://schemas.microsoft.com/sharepoint/v3/contenttype/forms">
   <Display>DocumentLibraryForm</Display>
   <Edit>DocumentLibraryForm</Edit>
   <New>DocumentLibraryForm</New>
 </FormTemplates>
-</file>
-
-<file path=customXml/item3.xml><?xml version="1.0" encoding="utf-8"?>
-<p:properties xmlns:p="http://schemas.microsoft.com/office/2006/metadata/properties" xmlns:xsi="http://www.w3.org/2001/XMLSchema-instance" xmlns:pc="http://schemas.microsoft.com/office/infopath/2007/PartnerControls">
-  <documentManagement/>
-</p:properties>
 </file>
 
 <file path=customXml/itemProps1.xml><?xml version="1.0" encoding="utf-8"?>
@@ -15718,14 +19150,6 @@
 </file>
 
 <file path=customXml/itemProps2.xml><?xml version="1.0" encoding="utf-8"?>
-<ds:datastoreItem xmlns:ds="http://schemas.openxmlformats.org/officeDocument/2006/customXml" ds:itemID="{55E30B88-4FCE-43D4-9FFB-38C83767F91F}">
-  <ds:schemaRefs>
-    <ds:schemaRef ds:uri="http://schemas.microsoft.com/sharepoint/v3/contenttype/forms"/>
-  </ds:schemaRefs>
-</ds:datastoreItem>
-</file>
-
-<file path=customXml/itemProps3.xml><?xml version="1.0" encoding="utf-8"?>
 <ds:datastoreItem xmlns:ds="http://schemas.openxmlformats.org/officeDocument/2006/customXml" ds:itemID="{0566EDCC-6D60-4008-9A49-04F75D795498}">
   <ds:schemaRefs>
     <ds:schemaRef ds:uri="http://purl.org/dc/terms/"/>
@@ -15739,4 +19163,12 @@
     <ds:schemaRef ds:uri="http://purl.org/dc/dcmitype/"/>
   </ds:schemaRefs>
 </ds:datastoreItem>
+</file>
+
+<file path=customXml/itemProps3.xml><?xml version="1.0" encoding="utf-8"?>
+<ds:datastoreItem xmlns:ds="http://schemas.openxmlformats.org/officeDocument/2006/customXml" ds:itemID="{55E30B88-4FCE-43D4-9FFB-38C83767F91F}">
+  <ds:schemaRefs>
+    <ds:schemaRef ds:uri="http://schemas.microsoft.com/sharepoint/v3/contenttype/forms"/>
+  </ds:schemaRefs>
+</ds:datastoreItem>
 </file>
--- a/E-Portfolio-React.pptx
+++ b/E-Portfolio-React.pptx
@@ -3525,7 +3525,7 @@
           <a:noFill/>
           <a:extLst>
             <a:ext uri="{909E8E84-426E-40dd-AFC4-6F175D3DCCD1}">
-              <a14:hiddenFill xmlns="" xmlns:a14="http://schemas.microsoft.com/office/drawing/2010/main">
+              <a14:hiddenFill xmlns:a14="http://schemas.microsoft.com/office/drawing/2010/main" xmlns="">
                 <a:solidFill>
                   <a:srgbClr val="FFFFFF"/>
                 </a:solidFill>
@@ -3584,7 +3584,7 @@
             </a:ln>
             <a:extLst>
               <a:ext uri="{91240B29-F687-4f45-9708-019B960494DF}">
-                <a14:hiddenLine xmlns="" xmlns:a14="http://schemas.microsoft.com/office/drawing/2010/main" w="9525">
+                <a14:hiddenLine xmlns:a14="http://schemas.microsoft.com/office/drawing/2010/main" xmlns="" w="9525">
                   <a:solidFill>
                     <a:srgbClr val="000000"/>
                   </a:solidFill>
@@ -3674,7 +3674,7 @@
             </a:ln>
             <a:extLst>
               <a:ext uri="{91240B29-F687-4f45-9708-019B960494DF}">
-                <a14:hiddenLine xmlns="" xmlns:a14="http://schemas.microsoft.com/office/drawing/2010/main" w="9525">
+                <a14:hiddenLine xmlns:a14="http://schemas.microsoft.com/office/drawing/2010/main" xmlns="" w="9525">
                   <a:solidFill>
                     <a:srgbClr val="000000"/>
                   </a:solidFill>
@@ -3764,7 +3764,7 @@
             </a:ln>
             <a:extLst>
               <a:ext uri="{91240B29-F687-4f45-9708-019B960494DF}">
-                <a14:hiddenLine xmlns="" xmlns:a14="http://schemas.microsoft.com/office/drawing/2010/main" w="9525">
+                <a14:hiddenLine xmlns:a14="http://schemas.microsoft.com/office/drawing/2010/main" xmlns="" w="9525">
                   <a:solidFill>
                     <a:srgbClr val="000000"/>
                   </a:solidFill>
@@ -3798,7 +3798,7 @@
             </a:ln>
             <a:extLst>
               <a:ext uri="{91240B29-F687-4f45-9708-019B960494DF}">
-                <a14:hiddenLine xmlns="" xmlns:a14="http://schemas.microsoft.com/office/drawing/2010/main" w="9525">
+                <a14:hiddenLine xmlns:a14="http://schemas.microsoft.com/office/drawing/2010/main" xmlns="" w="9525">
                   <a:solidFill>
                     <a:srgbClr val="000000"/>
                   </a:solidFill>
@@ -3888,7 +3888,7 @@
             </a:ln>
             <a:extLst>
               <a:ext uri="{91240B29-F687-4f45-9708-019B960494DF}">
-                <a14:hiddenLine xmlns="" xmlns:a14="http://schemas.microsoft.com/office/drawing/2010/main" w="9525">
+                <a14:hiddenLine xmlns:a14="http://schemas.microsoft.com/office/drawing/2010/main" xmlns="" w="9525">
                   <a:solidFill>
                     <a:srgbClr val="000000"/>
                   </a:solidFill>
@@ -3950,7 +3950,7 @@
             </a:ln>
             <a:extLst>
               <a:ext uri="{91240B29-F687-4f45-9708-019B960494DF}">
-                <a14:hiddenLine xmlns="" xmlns:a14="http://schemas.microsoft.com/office/drawing/2010/main" w="9525">
+                <a14:hiddenLine xmlns:a14="http://schemas.microsoft.com/office/drawing/2010/main" xmlns="" w="9525">
                   <a:solidFill>
                     <a:srgbClr val="000000"/>
                   </a:solidFill>
@@ -4012,7 +4012,7 @@
             </a:ln>
             <a:extLst>
               <a:ext uri="{91240B29-F687-4f45-9708-019B960494DF}">
-                <a14:hiddenLine xmlns="" xmlns:a14="http://schemas.microsoft.com/office/drawing/2010/main" w="9525">
+                <a14:hiddenLine xmlns:a14="http://schemas.microsoft.com/office/drawing/2010/main" xmlns="" w="9525">
                   <a:solidFill>
                     <a:srgbClr val="000000"/>
                   </a:solidFill>
@@ -4102,7 +4102,7 @@
             </a:ln>
             <a:extLst>
               <a:ext uri="{91240B29-F687-4f45-9708-019B960494DF}">
-                <a14:hiddenLine xmlns="" xmlns:a14="http://schemas.microsoft.com/office/drawing/2010/main" w="9525">
+                <a14:hiddenLine xmlns:a14="http://schemas.microsoft.com/office/drawing/2010/main" xmlns="" w="9525">
                   <a:solidFill>
                     <a:srgbClr val="000000"/>
                   </a:solidFill>
@@ -4164,7 +4164,7 @@
             </a:ln>
             <a:extLst>
               <a:ext uri="{91240B29-F687-4f45-9708-019B960494DF}">
-                <a14:hiddenLine xmlns="" xmlns:a14="http://schemas.microsoft.com/office/drawing/2010/main" w="9525">
+                <a14:hiddenLine xmlns:a14="http://schemas.microsoft.com/office/drawing/2010/main" xmlns="" w="9525">
                   <a:solidFill>
                     <a:srgbClr val="000000"/>
                   </a:solidFill>
@@ -4226,7 +4226,7 @@
             </a:ln>
             <a:extLst>
               <a:ext uri="{91240B29-F687-4f45-9708-019B960494DF}">
-                <a14:hiddenLine xmlns="" xmlns:a14="http://schemas.microsoft.com/office/drawing/2010/main" w="9525">
+                <a14:hiddenLine xmlns:a14="http://schemas.microsoft.com/office/drawing/2010/main" xmlns="" w="9525">
                   <a:solidFill>
                     <a:srgbClr val="000000"/>
                   </a:solidFill>
@@ -4316,7 +4316,7 @@
             </a:ln>
             <a:extLst>
               <a:ext uri="{91240B29-F687-4f45-9708-019B960494DF}">
-                <a14:hiddenLine xmlns="" xmlns:a14="http://schemas.microsoft.com/office/drawing/2010/main" w="9525">
+                <a14:hiddenLine xmlns:a14="http://schemas.microsoft.com/office/drawing/2010/main" xmlns="" w="9525">
                   <a:solidFill>
                     <a:srgbClr val="000000"/>
                   </a:solidFill>
@@ -4406,7 +4406,7 @@
             </a:ln>
             <a:extLst>
               <a:ext uri="{91240B29-F687-4f45-9708-019B960494DF}">
-                <a14:hiddenLine xmlns="" xmlns:a14="http://schemas.microsoft.com/office/drawing/2010/main" w="9525">
+                <a14:hiddenLine xmlns:a14="http://schemas.microsoft.com/office/drawing/2010/main" xmlns="" w="9525">
                   <a:solidFill>
                     <a:srgbClr val="000000"/>
                   </a:solidFill>
@@ -4468,7 +4468,7 @@
             </a:ln>
             <a:extLst>
               <a:ext uri="{91240B29-F687-4f45-9708-019B960494DF}">
-                <a14:hiddenLine xmlns="" xmlns:a14="http://schemas.microsoft.com/office/drawing/2010/main" w="9525">
+                <a14:hiddenLine xmlns:a14="http://schemas.microsoft.com/office/drawing/2010/main" xmlns="" w="9525">
                   <a:solidFill>
                     <a:srgbClr val="000000"/>
                   </a:solidFill>
@@ -4578,7 +4578,7 @@
             </a:ln>
             <a:extLst>
               <a:ext uri="{91240B29-F687-4f45-9708-019B960494DF}">
-                <a14:hiddenLine xmlns="" xmlns:a14="http://schemas.microsoft.com/office/drawing/2010/main" w="9525">
+                <a14:hiddenLine xmlns:a14="http://schemas.microsoft.com/office/drawing/2010/main" xmlns="" w="9525">
                   <a:solidFill>
                     <a:srgbClr val="000000"/>
                   </a:solidFill>
@@ -4640,7 +4640,7 @@
             </a:ln>
             <a:extLst>
               <a:ext uri="{91240B29-F687-4f45-9708-019B960494DF}">
-                <a14:hiddenLine xmlns="" xmlns:a14="http://schemas.microsoft.com/office/drawing/2010/main" w="9525">
+                <a14:hiddenLine xmlns:a14="http://schemas.microsoft.com/office/drawing/2010/main" xmlns="" w="9525">
                   <a:solidFill>
                     <a:srgbClr val="000000"/>
                   </a:solidFill>
@@ -4730,7 +4730,7 @@
             </a:ln>
             <a:extLst>
               <a:ext uri="{91240B29-F687-4f45-9708-019B960494DF}">
-                <a14:hiddenLine xmlns="" xmlns:a14="http://schemas.microsoft.com/office/drawing/2010/main" w="9525">
+                <a14:hiddenLine xmlns:a14="http://schemas.microsoft.com/office/drawing/2010/main" xmlns="" w="9525">
                   <a:solidFill>
                     <a:srgbClr val="000000"/>
                   </a:solidFill>
@@ -4820,7 +4820,7 @@
             </a:ln>
             <a:extLst>
               <a:ext uri="{91240B29-F687-4f45-9708-019B960494DF}">
-                <a14:hiddenLine xmlns="" xmlns:a14="http://schemas.microsoft.com/office/drawing/2010/main" w="9525">
+                <a14:hiddenLine xmlns:a14="http://schemas.microsoft.com/office/drawing/2010/main" xmlns="" w="9525">
                   <a:solidFill>
                     <a:srgbClr val="000000"/>
                   </a:solidFill>
@@ -4882,7 +4882,7 @@
             </a:ln>
             <a:extLst>
               <a:ext uri="{91240B29-F687-4f45-9708-019B960494DF}">
-                <a14:hiddenLine xmlns="" xmlns:a14="http://schemas.microsoft.com/office/drawing/2010/main" w="9525">
+                <a14:hiddenLine xmlns:a14="http://schemas.microsoft.com/office/drawing/2010/main" xmlns="" w="9525">
                   <a:solidFill>
                     <a:srgbClr val="000000"/>
                   </a:solidFill>
@@ -4972,7 +4972,7 @@
             </a:ln>
             <a:extLst>
               <a:ext uri="{91240B29-F687-4f45-9708-019B960494DF}">
-                <a14:hiddenLine xmlns="" xmlns:a14="http://schemas.microsoft.com/office/drawing/2010/main" w="9525">
+                <a14:hiddenLine xmlns:a14="http://schemas.microsoft.com/office/drawing/2010/main" xmlns="" w="9525">
                   <a:solidFill>
                     <a:srgbClr val="000000"/>
                   </a:solidFill>
@@ -5062,7 +5062,7 @@
             </a:ln>
             <a:extLst>
               <a:ext uri="{91240B29-F687-4f45-9708-019B960494DF}">
-                <a14:hiddenLine xmlns="" xmlns:a14="http://schemas.microsoft.com/office/drawing/2010/main" w="9525">
+                <a14:hiddenLine xmlns:a14="http://schemas.microsoft.com/office/drawing/2010/main" xmlns="" w="9525">
                   <a:solidFill>
                     <a:srgbClr val="000000"/>
                   </a:solidFill>
@@ -5118,7 +5118,7 @@
             </a:ln>
             <a:extLst>
               <a:ext uri="{91240B29-F687-4f45-9708-019B960494DF}">
-                <a14:hiddenLine xmlns="" xmlns:a14="http://schemas.microsoft.com/office/drawing/2010/main" w="9525">
+                <a14:hiddenLine xmlns:a14="http://schemas.microsoft.com/office/drawing/2010/main" xmlns="" w="9525">
                   <a:solidFill>
                     <a:srgbClr val="000000"/>
                   </a:solidFill>
@@ -5208,7 +5208,7 @@
             </a:ln>
             <a:extLst>
               <a:ext uri="{91240B29-F687-4f45-9708-019B960494DF}">
-                <a14:hiddenLine xmlns="" xmlns:a14="http://schemas.microsoft.com/office/drawing/2010/main" w="9525">
+                <a14:hiddenLine xmlns:a14="http://schemas.microsoft.com/office/drawing/2010/main" xmlns="" w="9525">
                   <a:solidFill>
                     <a:srgbClr val="000000"/>
                   </a:solidFill>
@@ -5264,7 +5264,7 @@
             </a:ln>
             <a:extLst>
               <a:ext uri="{91240B29-F687-4f45-9708-019B960494DF}">
-                <a14:hiddenLine xmlns="" xmlns:a14="http://schemas.microsoft.com/office/drawing/2010/main" w="9525">
+                <a14:hiddenLine xmlns:a14="http://schemas.microsoft.com/office/drawing/2010/main" xmlns="" w="9525">
                   <a:solidFill>
                     <a:srgbClr val="000000"/>
                   </a:solidFill>
@@ -5354,7 +5354,7 @@
             </a:ln>
             <a:extLst>
               <a:ext uri="{91240B29-F687-4f45-9708-019B960494DF}">
-                <a14:hiddenLine xmlns="" xmlns:a14="http://schemas.microsoft.com/office/drawing/2010/main" w="9525">
+                <a14:hiddenLine xmlns:a14="http://schemas.microsoft.com/office/drawing/2010/main" xmlns="" w="9525">
                   <a:solidFill>
                     <a:srgbClr val="000000"/>
                   </a:solidFill>
@@ -5422,7 +5422,7 @@
             </a:ln>
             <a:extLst>
               <a:ext uri="{91240B29-F687-4f45-9708-019B960494DF}">
-                <a14:hiddenLine xmlns="" xmlns:a14="http://schemas.microsoft.com/office/drawing/2010/main" w="9525">
+                <a14:hiddenLine xmlns:a14="http://schemas.microsoft.com/office/drawing/2010/main" xmlns="" w="9525">
                   <a:solidFill>
                     <a:srgbClr val="000000"/>
                   </a:solidFill>
@@ -5512,7 +5512,7 @@
             </a:ln>
             <a:extLst>
               <a:ext uri="{91240B29-F687-4f45-9708-019B960494DF}">
-                <a14:hiddenLine xmlns="" xmlns:a14="http://schemas.microsoft.com/office/drawing/2010/main" w="9525">
+                <a14:hiddenLine xmlns:a14="http://schemas.microsoft.com/office/drawing/2010/main" xmlns="" w="9525">
                   <a:solidFill>
                     <a:srgbClr val="000000"/>
                   </a:solidFill>
@@ -5580,7 +5580,7 @@
             </a:ln>
             <a:extLst>
               <a:ext uri="{91240B29-F687-4f45-9708-019B960494DF}">
-                <a14:hiddenLine xmlns="" xmlns:a14="http://schemas.microsoft.com/office/drawing/2010/main" w="9525">
+                <a14:hiddenLine xmlns:a14="http://schemas.microsoft.com/office/drawing/2010/main" xmlns="" w="9525">
                   <a:solidFill>
                     <a:srgbClr val="000000"/>
                   </a:solidFill>
@@ -5670,7 +5670,7 @@
             </a:ln>
             <a:extLst>
               <a:ext uri="{91240B29-F687-4f45-9708-019B960494DF}">
-                <a14:hiddenLine xmlns="" xmlns:a14="http://schemas.microsoft.com/office/drawing/2010/main" w="9525">
+                <a14:hiddenLine xmlns:a14="http://schemas.microsoft.com/office/drawing/2010/main" xmlns="" w="9525">
                   <a:solidFill>
                     <a:srgbClr val="000000"/>
                   </a:solidFill>
@@ -5704,7 +5704,7 @@
             </a:ln>
             <a:extLst>
               <a:ext uri="{91240B29-F687-4f45-9708-019B960494DF}">
-                <a14:hiddenLine xmlns="" xmlns:a14="http://schemas.microsoft.com/office/drawing/2010/main" w="9525">
+                <a14:hiddenLine xmlns:a14="http://schemas.microsoft.com/office/drawing/2010/main" xmlns="" w="9525">
                   <a:solidFill>
                     <a:srgbClr val="000000"/>
                   </a:solidFill>
@@ -5794,7 +5794,7 @@
             </a:ln>
             <a:extLst>
               <a:ext uri="{91240B29-F687-4f45-9708-019B960494DF}">
-                <a14:hiddenLine xmlns="" xmlns:a14="http://schemas.microsoft.com/office/drawing/2010/main" w="9525">
+                <a14:hiddenLine xmlns:a14="http://schemas.microsoft.com/office/drawing/2010/main" xmlns="" w="9525">
                   <a:solidFill>
                     <a:srgbClr val="000000"/>
                   </a:solidFill>
@@ -5856,7 +5856,7 @@
             </a:ln>
             <a:extLst>
               <a:ext uri="{91240B29-F687-4f45-9708-019B960494DF}">
-                <a14:hiddenLine xmlns="" xmlns:a14="http://schemas.microsoft.com/office/drawing/2010/main" w="9525">
+                <a14:hiddenLine xmlns:a14="http://schemas.microsoft.com/office/drawing/2010/main" xmlns="" w="9525">
                   <a:solidFill>
                     <a:srgbClr val="000000"/>
                   </a:solidFill>
@@ -5918,7 +5918,7 @@
             </a:ln>
             <a:extLst>
               <a:ext uri="{91240B29-F687-4f45-9708-019B960494DF}">
-                <a14:hiddenLine xmlns="" xmlns:a14="http://schemas.microsoft.com/office/drawing/2010/main" w="9525">
+                <a14:hiddenLine xmlns:a14="http://schemas.microsoft.com/office/drawing/2010/main" xmlns="" w="9525">
                   <a:solidFill>
                     <a:srgbClr val="000000"/>
                   </a:solidFill>
@@ -6008,7 +6008,7 @@
             </a:ln>
             <a:extLst>
               <a:ext uri="{91240B29-F687-4f45-9708-019B960494DF}">
-                <a14:hiddenLine xmlns="" xmlns:a14="http://schemas.microsoft.com/office/drawing/2010/main" w="9525">
+                <a14:hiddenLine xmlns:a14="http://schemas.microsoft.com/office/drawing/2010/main" xmlns="" w="9525">
                   <a:solidFill>
                     <a:srgbClr val="000000"/>
                   </a:solidFill>
@@ -6076,7 +6076,7 @@
             </a:ln>
             <a:extLst>
               <a:ext uri="{91240B29-F687-4f45-9708-019B960494DF}">
-                <a14:hiddenLine xmlns="" xmlns:a14="http://schemas.microsoft.com/office/drawing/2010/main" w="9525">
+                <a14:hiddenLine xmlns:a14="http://schemas.microsoft.com/office/drawing/2010/main" xmlns="" w="9525">
                   <a:solidFill>
                     <a:srgbClr val="000000"/>
                   </a:solidFill>
@@ -6138,7 +6138,7 @@
             </a:ln>
             <a:extLst>
               <a:ext uri="{91240B29-F687-4f45-9708-019B960494DF}">
-                <a14:hiddenLine xmlns="" xmlns:a14="http://schemas.microsoft.com/office/drawing/2010/main" w="9525">
+                <a14:hiddenLine xmlns:a14="http://schemas.microsoft.com/office/drawing/2010/main" xmlns="" w="9525">
                   <a:solidFill>
                     <a:srgbClr val="000000"/>
                   </a:solidFill>
@@ -6228,7 +6228,7 @@
             </a:ln>
             <a:extLst>
               <a:ext uri="{91240B29-F687-4f45-9708-019B960494DF}">
-                <a14:hiddenLine xmlns="" xmlns:a14="http://schemas.microsoft.com/office/drawing/2010/main" w="9525">
+                <a14:hiddenLine xmlns:a14="http://schemas.microsoft.com/office/drawing/2010/main" xmlns="" w="9525">
                   <a:solidFill>
                     <a:srgbClr val="000000"/>
                   </a:solidFill>
@@ -6290,7 +6290,7 @@
             </a:ln>
             <a:extLst>
               <a:ext uri="{91240B29-F687-4f45-9708-019B960494DF}">
-                <a14:hiddenLine xmlns="" xmlns:a14="http://schemas.microsoft.com/office/drawing/2010/main" w="9525">
+                <a14:hiddenLine xmlns:a14="http://schemas.microsoft.com/office/drawing/2010/main" xmlns="" w="9525">
                   <a:solidFill>
                     <a:srgbClr val="000000"/>
                   </a:solidFill>
@@ -6380,7 +6380,7 @@
             </a:ln>
             <a:extLst>
               <a:ext uri="{91240B29-F687-4f45-9708-019B960494DF}">
-                <a14:hiddenLine xmlns="" xmlns:a14="http://schemas.microsoft.com/office/drawing/2010/main" w="9525">
+                <a14:hiddenLine xmlns:a14="http://schemas.microsoft.com/office/drawing/2010/main" xmlns="" w="9525">
                   <a:solidFill>
                     <a:srgbClr val="000000"/>
                   </a:solidFill>
@@ -6442,7 +6442,7 @@
             </a:ln>
             <a:extLst>
               <a:ext uri="{91240B29-F687-4f45-9708-019B960494DF}">
-                <a14:hiddenLine xmlns="" xmlns:a14="http://schemas.microsoft.com/office/drawing/2010/main" w="9525">
+                <a14:hiddenLine xmlns:a14="http://schemas.microsoft.com/office/drawing/2010/main" xmlns="" w="9525">
                   <a:solidFill>
                     <a:srgbClr val="000000"/>
                   </a:solidFill>
@@ -6532,7 +6532,7 @@
             </a:ln>
             <a:extLst>
               <a:ext uri="{91240B29-F687-4f45-9708-019B960494DF}">
-                <a14:hiddenLine xmlns="" xmlns:a14="http://schemas.microsoft.com/office/drawing/2010/main" w="9525">
+                <a14:hiddenLine xmlns:a14="http://schemas.microsoft.com/office/drawing/2010/main" xmlns="" w="9525">
                   <a:solidFill>
                     <a:srgbClr val="000000"/>
                   </a:solidFill>
@@ -6566,7 +6566,7 @@
             </a:ln>
             <a:extLst>
               <a:ext uri="{91240B29-F687-4f45-9708-019B960494DF}">
-                <a14:hiddenLine xmlns="" xmlns:a14="http://schemas.microsoft.com/office/drawing/2010/main" w="9525">
+                <a14:hiddenLine xmlns:a14="http://schemas.microsoft.com/office/drawing/2010/main" xmlns="" w="9525">
                   <a:solidFill>
                     <a:srgbClr val="000000"/>
                   </a:solidFill>
@@ -6631,7 +6631,7 @@
             </a:ln>
             <a:extLst>
               <a:ext uri="{91240B29-F687-4f45-9708-019B960494DF}">
-                <a14:hiddenLine xmlns="" xmlns:a14="http://schemas.microsoft.com/office/drawing/2010/main" w="9525">
+                <a14:hiddenLine xmlns:a14="http://schemas.microsoft.com/office/drawing/2010/main" xmlns="" w="9525">
                   <a:solidFill>
                     <a:srgbClr val="000000"/>
                   </a:solidFill>
@@ -6721,7 +6721,7 @@
             </a:ln>
             <a:extLst>
               <a:ext uri="{91240B29-F687-4f45-9708-019B960494DF}">
-                <a14:hiddenLine xmlns="" xmlns:a14="http://schemas.microsoft.com/office/drawing/2010/main" w="9525">
+                <a14:hiddenLine xmlns:a14="http://schemas.microsoft.com/office/drawing/2010/main" xmlns="" w="9525">
                   <a:solidFill>
                     <a:srgbClr val="000000"/>
                   </a:solidFill>
@@ -6783,7 +6783,7 @@
             </a:ln>
             <a:extLst>
               <a:ext uri="{91240B29-F687-4f45-9708-019B960494DF}">
-                <a14:hiddenLine xmlns="" xmlns:a14="http://schemas.microsoft.com/office/drawing/2010/main" w="9525">
+                <a14:hiddenLine xmlns:a14="http://schemas.microsoft.com/office/drawing/2010/main" xmlns="" w="9525">
                   <a:solidFill>
                     <a:srgbClr val="000000"/>
                   </a:solidFill>
@@ -6873,7 +6873,7 @@
             </a:ln>
             <a:extLst>
               <a:ext uri="{91240B29-F687-4f45-9708-019B960494DF}">
-                <a14:hiddenLine xmlns="" xmlns:a14="http://schemas.microsoft.com/office/drawing/2010/main" w="9525">
+                <a14:hiddenLine xmlns:a14="http://schemas.microsoft.com/office/drawing/2010/main" xmlns="" w="9525">
                   <a:solidFill>
                     <a:srgbClr val="000000"/>
                   </a:solidFill>
@@ -6963,7 +6963,7 @@
             </a:ln>
             <a:extLst>
               <a:ext uri="{91240B29-F687-4f45-9708-019B960494DF}">
-                <a14:hiddenLine xmlns="" xmlns:a14="http://schemas.microsoft.com/office/drawing/2010/main" w="9525">
+                <a14:hiddenLine xmlns:a14="http://schemas.microsoft.com/office/drawing/2010/main" xmlns="" w="9525">
                   <a:solidFill>
                     <a:srgbClr val="000000"/>
                   </a:solidFill>
@@ -7028,7 +7028,7 @@
             </a:ln>
             <a:extLst>
               <a:ext uri="{91240B29-F687-4f45-9708-019B960494DF}">
-                <a14:hiddenLine xmlns="" xmlns:a14="http://schemas.microsoft.com/office/drawing/2010/main" w="9525">
+                <a14:hiddenLine xmlns:a14="http://schemas.microsoft.com/office/drawing/2010/main" xmlns="" w="9525">
                   <a:solidFill>
                     <a:srgbClr val="000000"/>
                   </a:solidFill>
@@ -7090,7 +7090,7 @@
             </a:ln>
             <a:extLst>
               <a:ext uri="{91240B29-F687-4f45-9708-019B960494DF}">
-                <a14:hiddenLine xmlns="" xmlns:a14="http://schemas.microsoft.com/office/drawing/2010/main" w="9525">
+                <a14:hiddenLine xmlns:a14="http://schemas.microsoft.com/office/drawing/2010/main" xmlns="" w="9525">
                   <a:solidFill>
                     <a:srgbClr val="000000"/>
                   </a:solidFill>
@@ -7180,7 +7180,7 @@
             </a:ln>
             <a:extLst>
               <a:ext uri="{91240B29-F687-4f45-9708-019B960494DF}">
-                <a14:hiddenLine xmlns="" xmlns:a14="http://schemas.microsoft.com/office/drawing/2010/main" w="9525">
+                <a14:hiddenLine xmlns:a14="http://schemas.microsoft.com/office/drawing/2010/main" xmlns="" w="9525">
                   <a:solidFill>
                     <a:srgbClr val="000000"/>
                   </a:solidFill>
@@ -7270,7 +7270,7 @@
             </a:ln>
             <a:extLst>
               <a:ext uri="{91240B29-F687-4f45-9708-019B960494DF}">
-                <a14:hiddenLine xmlns="" xmlns:a14="http://schemas.microsoft.com/office/drawing/2010/main" w="9525">
+                <a14:hiddenLine xmlns:a14="http://schemas.microsoft.com/office/drawing/2010/main" xmlns="" w="9525">
                   <a:solidFill>
                     <a:srgbClr val="000000"/>
                   </a:solidFill>
@@ -7332,7 +7332,7 @@
             </a:ln>
             <a:extLst>
               <a:ext uri="{91240B29-F687-4f45-9708-019B960494DF}">
-                <a14:hiddenLine xmlns="" xmlns:a14="http://schemas.microsoft.com/office/drawing/2010/main" w="9525">
+                <a14:hiddenLine xmlns:a14="http://schemas.microsoft.com/office/drawing/2010/main" xmlns="" w="9525">
                   <a:solidFill>
                     <a:srgbClr val="000000"/>
                   </a:solidFill>
@@ -7452,7 +7452,7 @@
             </a:ln>
             <a:extLst>
               <a:ext uri="{91240B29-F687-4f45-9708-019B960494DF}">
-                <a14:hiddenLine xmlns="" xmlns:a14="http://schemas.microsoft.com/office/drawing/2010/main" w="9525">
+                <a14:hiddenLine xmlns:a14="http://schemas.microsoft.com/office/drawing/2010/main" xmlns="" w="9525">
                   <a:solidFill>
                     <a:srgbClr val="000000"/>
                   </a:solidFill>
@@ -7520,7 +7520,7 @@
             </a:ln>
             <a:extLst>
               <a:ext uri="{91240B29-F687-4f45-9708-019B960494DF}">
-                <a14:hiddenLine xmlns="" xmlns:a14="http://schemas.microsoft.com/office/drawing/2010/main" w="9525">
+                <a14:hiddenLine xmlns:a14="http://schemas.microsoft.com/office/drawing/2010/main" xmlns="" w="9525">
                   <a:solidFill>
                     <a:srgbClr val="000000"/>
                   </a:solidFill>
@@ -7610,7 +7610,7 @@
             </a:ln>
             <a:extLst>
               <a:ext uri="{91240B29-F687-4f45-9708-019B960494DF}">
-                <a14:hiddenLine xmlns="" xmlns:a14="http://schemas.microsoft.com/office/drawing/2010/main" w="9525">
+                <a14:hiddenLine xmlns:a14="http://schemas.microsoft.com/office/drawing/2010/main" xmlns="" w="9525">
                   <a:solidFill>
                     <a:srgbClr val="000000"/>
                   </a:solidFill>
@@ -12339,7 +12339,7 @@
           <a:noFill/>
           <a:extLst>
             <a:ext uri="{909E8E84-426E-40dd-AFC4-6F175D3DCCD1}">
-              <a14:hiddenFill xmlns="" xmlns:a14="http://schemas.microsoft.com/office/drawing/2010/main">
+              <a14:hiddenFill xmlns:a14="http://schemas.microsoft.com/office/drawing/2010/main" xmlns="">
                 <a:solidFill>
                   <a:srgbClr val="FFFFFF"/>
                 </a:solidFill>
@@ -12413,7 +12413,7 @@
               </a:ln>
               <a:extLst>
                 <a:ext uri="{91240B29-F687-4f45-9708-019B960494DF}">
-                  <a14:hiddenLine xmlns="" xmlns:a14="http://schemas.microsoft.com/office/drawing/2010/main" w="9525">
+                  <a14:hiddenLine xmlns:a14="http://schemas.microsoft.com/office/drawing/2010/main" xmlns="" w="9525">
                     <a:solidFill>
                       <a:srgbClr val="000000"/>
                     </a:solidFill>
@@ -12503,7 +12503,7 @@
               </a:ln>
               <a:extLst>
                 <a:ext uri="{91240B29-F687-4f45-9708-019B960494DF}">
-                  <a14:hiddenLine xmlns="" xmlns:a14="http://schemas.microsoft.com/office/drawing/2010/main" w="9525">
+                  <a14:hiddenLine xmlns:a14="http://schemas.microsoft.com/office/drawing/2010/main" xmlns="" w="9525">
                     <a:solidFill>
                       <a:srgbClr val="000000"/>
                     </a:solidFill>
@@ -12593,7 +12593,7 @@
               </a:ln>
               <a:extLst>
                 <a:ext uri="{91240B29-F687-4f45-9708-019B960494DF}">
-                  <a14:hiddenLine xmlns="" xmlns:a14="http://schemas.microsoft.com/office/drawing/2010/main" w="9525">
+                  <a14:hiddenLine xmlns:a14="http://schemas.microsoft.com/office/drawing/2010/main" xmlns="" w="9525">
                     <a:solidFill>
                       <a:srgbClr val="000000"/>
                     </a:solidFill>
@@ -12655,7 +12655,7 @@
               </a:ln>
               <a:extLst>
                 <a:ext uri="{91240B29-F687-4f45-9708-019B960494DF}">
-                  <a14:hiddenLine xmlns="" xmlns:a14="http://schemas.microsoft.com/office/drawing/2010/main" w="9525">
+                  <a14:hiddenLine xmlns:a14="http://schemas.microsoft.com/office/drawing/2010/main" xmlns="" w="9525">
                     <a:solidFill>
                       <a:srgbClr val="000000"/>
                     </a:solidFill>
@@ -12745,7 +12745,7 @@
               </a:ln>
               <a:extLst>
                 <a:ext uri="{91240B29-F687-4f45-9708-019B960494DF}">
-                  <a14:hiddenLine xmlns="" xmlns:a14="http://schemas.microsoft.com/office/drawing/2010/main" w="9525">
+                  <a14:hiddenLine xmlns:a14="http://schemas.microsoft.com/office/drawing/2010/main" xmlns="" w="9525">
                     <a:solidFill>
                       <a:srgbClr val="000000"/>
                     </a:solidFill>
@@ -12807,7 +12807,7 @@
               </a:ln>
               <a:extLst>
                 <a:ext uri="{91240B29-F687-4f45-9708-019B960494DF}">
-                  <a14:hiddenLine xmlns="" xmlns:a14="http://schemas.microsoft.com/office/drawing/2010/main" w="9525">
+                  <a14:hiddenLine xmlns:a14="http://schemas.microsoft.com/office/drawing/2010/main" xmlns="" w="9525">
                     <a:solidFill>
                       <a:srgbClr val="000000"/>
                     </a:solidFill>
@@ -12869,7 +12869,7 @@
               </a:ln>
               <a:extLst>
                 <a:ext uri="{91240B29-F687-4f45-9708-019B960494DF}">
-                  <a14:hiddenLine xmlns="" xmlns:a14="http://schemas.microsoft.com/office/drawing/2010/main" w="9525">
+                  <a14:hiddenLine xmlns:a14="http://schemas.microsoft.com/office/drawing/2010/main" xmlns="" w="9525">
                     <a:solidFill>
                       <a:srgbClr val="000000"/>
                     </a:solidFill>
@@ -12959,7 +12959,7 @@
               </a:ln>
               <a:extLst>
                 <a:ext uri="{91240B29-F687-4f45-9708-019B960494DF}">
-                  <a14:hiddenLine xmlns="" xmlns:a14="http://schemas.microsoft.com/office/drawing/2010/main" w="9525">
+                  <a14:hiddenLine xmlns:a14="http://schemas.microsoft.com/office/drawing/2010/main" xmlns="" w="9525">
                     <a:solidFill>
                       <a:srgbClr val="000000"/>
                     </a:solidFill>
@@ -13049,7 +13049,7 @@
               </a:ln>
               <a:extLst>
                 <a:ext uri="{91240B29-F687-4f45-9708-019B960494DF}">
-                  <a14:hiddenLine xmlns="" xmlns:a14="http://schemas.microsoft.com/office/drawing/2010/main" w="9525">
+                  <a14:hiddenLine xmlns:a14="http://schemas.microsoft.com/office/drawing/2010/main" xmlns="" w="9525">
                     <a:solidFill>
                       <a:srgbClr val="000000"/>
                     </a:solidFill>
@@ -13111,7 +13111,7 @@
               </a:ln>
               <a:extLst>
                 <a:ext uri="{91240B29-F687-4f45-9708-019B960494DF}">
-                  <a14:hiddenLine xmlns="" xmlns:a14="http://schemas.microsoft.com/office/drawing/2010/main" w="9525">
+                  <a14:hiddenLine xmlns:a14="http://schemas.microsoft.com/office/drawing/2010/main" xmlns="" w="9525">
                     <a:solidFill>
                       <a:srgbClr val="000000"/>
                     </a:solidFill>
@@ -13221,7 +13221,7 @@
               </a:ln>
               <a:extLst>
                 <a:ext uri="{91240B29-F687-4f45-9708-019B960494DF}">
-                  <a14:hiddenLine xmlns="" xmlns:a14="http://schemas.microsoft.com/office/drawing/2010/main" w="9525">
+                  <a14:hiddenLine xmlns:a14="http://schemas.microsoft.com/office/drawing/2010/main" xmlns="" w="9525">
                     <a:solidFill>
                       <a:srgbClr val="000000"/>
                     </a:solidFill>
@@ -13305,7 +13305,7 @@
               </a:ln>
               <a:extLst>
                 <a:ext uri="{91240B29-F687-4f45-9708-019B960494DF}">
-                  <a14:hiddenLine xmlns="" xmlns:a14="http://schemas.microsoft.com/office/drawing/2010/main" w="9525">
+                  <a14:hiddenLine xmlns:a14="http://schemas.microsoft.com/office/drawing/2010/main" xmlns="" w="9525">
                     <a:solidFill>
                       <a:srgbClr val="000000"/>
                     </a:solidFill>
@@ -13367,7 +13367,7 @@
               </a:ln>
               <a:extLst>
                 <a:ext uri="{91240B29-F687-4f45-9708-019B960494DF}">
-                  <a14:hiddenLine xmlns="" xmlns:a14="http://schemas.microsoft.com/office/drawing/2010/main" w="9525">
+                  <a14:hiddenLine xmlns:a14="http://schemas.microsoft.com/office/drawing/2010/main" xmlns="" w="9525">
                     <a:solidFill>
                       <a:srgbClr val="000000"/>
                     </a:solidFill>
@@ -13429,7 +13429,7 @@
               </a:ln>
               <a:extLst>
                 <a:ext uri="{91240B29-F687-4f45-9708-019B960494DF}">
-                  <a14:hiddenLine xmlns="" xmlns:a14="http://schemas.microsoft.com/office/drawing/2010/main" w="9525">
+                  <a14:hiddenLine xmlns:a14="http://schemas.microsoft.com/office/drawing/2010/main" xmlns="" w="9525">
                     <a:solidFill>
                       <a:srgbClr val="000000"/>
                     </a:solidFill>
@@ -13519,7 +13519,7 @@
               </a:ln>
               <a:extLst>
                 <a:ext uri="{91240B29-F687-4f45-9708-019B960494DF}">
-                  <a14:hiddenLine xmlns="" xmlns:a14="http://schemas.microsoft.com/office/drawing/2010/main" w="9525">
+                  <a14:hiddenLine xmlns:a14="http://schemas.microsoft.com/office/drawing/2010/main" xmlns="" w="9525">
                     <a:solidFill>
                       <a:srgbClr val="000000"/>
                     </a:solidFill>
@@ -13553,7 +13553,7 @@
               </a:ln>
               <a:extLst>
                 <a:ext uri="{91240B29-F687-4f45-9708-019B960494DF}">
-                  <a14:hiddenLine xmlns="" xmlns:a14="http://schemas.microsoft.com/office/drawing/2010/main" w="9525">
+                  <a14:hiddenLine xmlns:a14="http://schemas.microsoft.com/office/drawing/2010/main" xmlns="" w="9525">
                     <a:solidFill>
                       <a:srgbClr val="000000"/>
                     </a:solidFill>
@@ -13618,7 +13618,7 @@
               </a:ln>
               <a:extLst>
                 <a:ext uri="{91240B29-F687-4f45-9708-019B960494DF}">
-                  <a14:hiddenLine xmlns="" xmlns:a14="http://schemas.microsoft.com/office/drawing/2010/main" w="9525">
+                  <a14:hiddenLine xmlns:a14="http://schemas.microsoft.com/office/drawing/2010/main" xmlns="" w="9525">
                     <a:solidFill>
                       <a:srgbClr val="000000"/>
                     </a:solidFill>
@@ -13708,7 +13708,7 @@
               </a:ln>
               <a:extLst>
                 <a:ext uri="{91240B29-F687-4f45-9708-019B960494DF}">
-                  <a14:hiddenLine xmlns="" xmlns:a14="http://schemas.microsoft.com/office/drawing/2010/main" w="9525">
+                  <a14:hiddenLine xmlns:a14="http://schemas.microsoft.com/office/drawing/2010/main" xmlns="" w="9525">
                     <a:solidFill>
                       <a:srgbClr val="000000"/>
                     </a:solidFill>
@@ -13770,7 +13770,7 @@
               </a:ln>
               <a:extLst>
                 <a:ext uri="{91240B29-F687-4f45-9708-019B960494DF}">
-                  <a14:hiddenLine xmlns="" xmlns:a14="http://schemas.microsoft.com/office/drawing/2010/main" w="9525">
+                  <a14:hiddenLine xmlns:a14="http://schemas.microsoft.com/office/drawing/2010/main" xmlns="" w="9525">
                     <a:solidFill>
                       <a:srgbClr val="000000"/>
                     </a:solidFill>
@@ -13860,7 +13860,7 @@
               </a:ln>
               <a:extLst>
                 <a:ext uri="{91240B29-F687-4f45-9708-019B960494DF}">
-                  <a14:hiddenLine xmlns="" xmlns:a14="http://schemas.microsoft.com/office/drawing/2010/main" w="9525">
+                  <a14:hiddenLine xmlns:a14="http://schemas.microsoft.com/office/drawing/2010/main" xmlns="" w="9525">
                     <a:solidFill>
                       <a:srgbClr val="000000"/>
                     </a:solidFill>
@@ -13925,7 +13925,7 @@
               </a:ln>
               <a:extLst>
                 <a:ext uri="{91240B29-F687-4f45-9708-019B960494DF}">
-                  <a14:hiddenLine xmlns="" xmlns:a14="http://schemas.microsoft.com/office/drawing/2010/main" w="9525">
+                  <a14:hiddenLine xmlns:a14="http://schemas.microsoft.com/office/drawing/2010/main" xmlns="" w="9525">
                     <a:solidFill>
                       <a:srgbClr val="000000"/>
                     </a:solidFill>
@@ -13987,7 +13987,7 @@
               </a:ln>
               <a:extLst>
                 <a:ext uri="{91240B29-F687-4f45-9708-019B960494DF}">
-                  <a14:hiddenLine xmlns="" xmlns:a14="http://schemas.microsoft.com/office/drawing/2010/main" w="9525">
+                  <a14:hiddenLine xmlns:a14="http://schemas.microsoft.com/office/drawing/2010/main" xmlns="" w="9525">
                     <a:solidFill>
                       <a:srgbClr val="000000"/>
                     </a:solidFill>
@@ -14077,7 +14077,7 @@
               </a:ln>
               <a:extLst>
                 <a:ext uri="{91240B29-F687-4f45-9708-019B960494DF}">
-                  <a14:hiddenLine xmlns="" xmlns:a14="http://schemas.microsoft.com/office/drawing/2010/main" w="9525">
+                  <a14:hiddenLine xmlns:a14="http://schemas.microsoft.com/office/drawing/2010/main" xmlns="" w="9525">
                     <a:solidFill>
                       <a:srgbClr val="000000"/>
                     </a:solidFill>
@@ -14167,7 +14167,7 @@
               </a:ln>
               <a:extLst>
                 <a:ext uri="{91240B29-F687-4f45-9708-019B960494DF}">
-                  <a14:hiddenLine xmlns="" xmlns:a14="http://schemas.microsoft.com/office/drawing/2010/main" w="9525">
+                  <a14:hiddenLine xmlns:a14="http://schemas.microsoft.com/office/drawing/2010/main" xmlns="" w="9525">
                     <a:solidFill>
                       <a:srgbClr val="000000"/>
                     </a:solidFill>
@@ -14232,7 +14232,7 @@
               </a:ln>
               <a:extLst>
                 <a:ext uri="{91240B29-F687-4f45-9708-019B960494DF}">
-                  <a14:hiddenLine xmlns="" xmlns:a14="http://schemas.microsoft.com/office/drawing/2010/main" w="9525">
+                  <a14:hiddenLine xmlns:a14="http://schemas.microsoft.com/office/drawing/2010/main" xmlns="" w="9525">
                     <a:solidFill>
                       <a:srgbClr val="000000"/>
                     </a:solidFill>
@@ -14352,7 +14352,7 @@
               </a:ln>
               <a:extLst>
                 <a:ext uri="{91240B29-F687-4f45-9708-019B960494DF}">
-                  <a14:hiddenLine xmlns="" xmlns:a14="http://schemas.microsoft.com/office/drawing/2010/main" w="9525">
+                  <a14:hiddenLine xmlns:a14="http://schemas.microsoft.com/office/drawing/2010/main" xmlns="" w="9525">
                     <a:solidFill>
                       <a:srgbClr val="000000"/>
                     </a:solidFill>
@@ -14433,7 +14433,7 @@
               </a:ln>
               <a:extLst>
                 <a:ext uri="{91240B29-F687-4f45-9708-019B960494DF}">
-                  <a14:hiddenLine xmlns="" xmlns:a14="http://schemas.microsoft.com/office/drawing/2010/main" w="9525">
+                  <a14:hiddenLine xmlns:a14="http://schemas.microsoft.com/office/drawing/2010/main" xmlns="" w="9525">
                     <a:solidFill>
                       <a:srgbClr val="000000"/>
                     </a:solidFill>
@@ -14548,7 +14548,7 @@
               </a:ln>
               <a:extLst>
                 <a:ext uri="{91240B29-F687-4f45-9708-019B960494DF}">
-                  <a14:hiddenLine xmlns="" xmlns:a14="http://schemas.microsoft.com/office/drawing/2010/main" w="9525">
+                  <a14:hiddenLine xmlns:a14="http://schemas.microsoft.com/office/drawing/2010/main" xmlns="" w="9525">
                     <a:solidFill>
                       <a:srgbClr val="000000"/>
                     </a:solidFill>
@@ -14638,7 +14638,7 @@
               </a:ln>
               <a:extLst>
                 <a:ext uri="{91240B29-F687-4f45-9708-019B960494DF}">
-                  <a14:hiddenLine xmlns="" xmlns:a14="http://schemas.microsoft.com/office/drawing/2010/main" w="9525">
+                  <a14:hiddenLine xmlns:a14="http://schemas.microsoft.com/office/drawing/2010/main" xmlns="" w="9525">
                     <a:solidFill>
                       <a:srgbClr val="000000"/>
                     </a:solidFill>
@@ -14703,7 +14703,7 @@
               </a:ln>
               <a:extLst>
                 <a:ext uri="{91240B29-F687-4f45-9708-019B960494DF}">
-                  <a14:hiddenLine xmlns="" xmlns:a14="http://schemas.microsoft.com/office/drawing/2010/main" w="9525">
+                  <a14:hiddenLine xmlns:a14="http://schemas.microsoft.com/office/drawing/2010/main" xmlns="" w="9525">
                     <a:solidFill>
                       <a:srgbClr val="000000"/>
                     </a:solidFill>
@@ -14793,7 +14793,7 @@
               </a:ln>
               <a:extLst>
                 <a:ext uri="{91240B29-F687-4f45-9708-019B960494DF}">
-                  <a14:hiddenLine xmlns="" xmlns:a14="http://schemas.microsoft.com/office/drawing/2010/main" w="9525">
+                  <a14:hiddenLine xmlns:a14="http://schemas.microsoft.com/office/drawing/2010/main" xmlns="" w="9525">
                     <a:solidFill>
                       <a:srgbClr val="000000"/>
                     </a:solidFill>
@@ -14861,7 +14861,7 @@
               </a:ln>
               <a:extLst>
                 <a:ext uri="{91240B29-F687-4f45-9708-019B960494DF}">
-                  <a14:hiddenLine xmlns="" xmlns:a14="http://schemas.microsoft.com/office/drawing/2010/main" w="9525">
+                  <a14:hiddenLine xmlns:a14="http://schemas.microsoft.com/office/drawing/2010/main" xmlns="" w="9525">
                     <a:solidFill>
                       <a:srgbClr val="000000"/>
                     </a:solidFill>
@@ -14951,7 +14951,7 @@
               </a:ln>
               <a:extLst>
                 <a:ext uri="{91240B29-F687-4f45-9708-019B960494DF}">
-                  <a14:hiddenLine xmlns="" xmlns:a14="http://schemas.microsoft.com/office/drawing/2010/main" w="9525">
+                  <a14:hiddenLine xmlns:a14="http://schemas.microsoft.com/office/drawing/2010/main" xmlns="" w="9525">
                     <a:solidFill>
                       <a:srgbClr val="000000"/>
                     </a:solidFill>
@@ -15019,7 +15019,7 @@
               </a:ln>
               <a:extLst>
                 <a:ext uri="{91240B29-F687-4f45-9708-019B960494DF}">
-                  <a14:hiddenLine xmlns="" xmlns:a14="http://schemas.microsoft.com/office/drawing/2010/main" w="9525">
+                  <a14:hiddenLine xmlns:a14="http://schemas.microsoft.com/office/drawing/2010/main" xmlns="" w="9525">
                     <a:solidFill>
                       <a:srgbClr val="000000"/>
                     </a:solidFill>
@@ -15109,7 +15109,7 @@
               </a:ln>
               <a:extLst>
                 <a:ext uri="{91240B29-F687-4f45-9708-019B960494DF}">
-                  <a14:hiddenLine xmlns="" xmlns:a14="http://schemas.microsoft.com/office/drawing/2010/main" w="9525">
+                  <a14:hiddenLine xmlns:a14="http://schemas.microsoft.com/office/drawing/2010/main" xmlns="" w="9525">
                     <a:solidFill>
                       <a:srgbClr val="000000"/>
                     </a:solidFill>
@@ -15143,7 +15143,7 @@
               </a:ln>
               <a:extLst>
                 <a:ext uri="{91240B29-F687-4f45-9708-019B960494DF}">
-                  <a14:hiddenLine xmlns="" xmlns:a14="http://schemas.microsoft.com/office/drawing/2010/main" w="9525">
+                  <a14:hiddenLine xmlns:a14="http://schemas.microsoft.com/office/drawing/2010/main" xmlns="" w="9525">
                     <a:solidFill>
                       <a:srgbClr val="000000"/>
                     </a:solidFill>
@@ -19117,18 +19117,18 @@
 </file>
 
 <file path=customXml/item2.xml><?xml version="1.0" encoding="utf-8"?>
-<p:properties xmlns:p="http://schemas.microsoft.com/office/2006/metadata/properties" xmlns:xsi="http://www.w3.org/2001/XMLSchema-instance" xmlns:pc="http://schemas.microsoft.com/office/infopath/2007/PartnerControls">
-  <documentManagement/>
-</p:properties>
-</file>
-
-<file path=customXml/item3.xml><?xml version="1.0" encoding="utf-8"?>
 <?mso-contentType ?>
 <FormTemplates xmlns="http://schemas.microsoft.com/sharepoint/v3/contenttype/forms">
   <Display>DocumentLibraryForm</Display>
   <Edit>DocumentLibraryForm</Edit>
   <New>DocumentLibraryForm</New>
 </FormTemplates>
+</file>
+
+<file path=customXml/item3.xml><?xml version="1.0" encoding="utf-8"?>
+<p:properties xmlns:p="http://schemas.microsoft.com/office/2006/metadata/properties" xmlns:xsi="http://www.w3.org/2001/XMLSchema-instance" xmlns:pc="http://schemas.microsoft.com/office/infopath/2007/PartnerControls">
+  <documentManagement/>
+</p:properties>
 </file>
 
 <file path=customXml/itemProps1.xml><?xml version="1.0" encoding="utf-8"?>
@@ -19150,6 +19150,14 @@
 </file>
 
 <file path=customXml/itemProps2.xml><?xml version="1.0" encoding="utf-8"?>
+<ds:datastoreItem xmlns:ds="http://schemas.openxmlformats.org/officeDocument/2006/customXml" ds:itemID="{55E30B88-4FCE-43D4-9FFB-38C83767F91F}">
+  <ds:schemaRefs>
+    <ds:schemaRef ds:uri="http://schemas.microsoft.com/sharepoint/v3/contenttype/forms"/>
+  </ds:schemaRefs>
+</ds:datastoreItem>
+</file>
+
+<file path=customXml/itemProps3.xml><?xml version="1.0" encoding="utf-8"?>
 <ds:datastoreItem xmlns:ds="http://schemas.openxmlformats.org/officeDocument/2006/customXml" ds:itemID="{0566EDCC-6D60-4008-9A49-04F75D795498}">
   <ds:schemaRefs>
     <ds:schemaRef ds:uri="http://purl.org/dc/terms/"/>
@@ -19163,12 +19171,4 @@
     <ds:schemaRef ds:uri="http://purl.org/dc/dcmitype/"/>
   </ds:schemaRefs>
 </ds:datastoreItem>
-</file>
-
-<file path=customXml/itemProps3.xml><?xml version="1.0" encoding="utf-8"?>
-<ds:datastoreItem xmlns:ds="http://schemas.openxmlformats.org/officeDocument/2006/customXml" ds:itemID="{55E30B88-4FCE-43D4-9FFB-38C83767F91F}">
-  <ds:schemaRefs>
-    <ds:schemaRef ds:uri="http://schemas.microsoft.com/sharepoint/v3/contenttype/forms"/>
-  </ds:schemaRefs>
-</ds:datastoreItem>
 </file>